--- a/BCDE224 - Assessment 2 - James Hutchinson/BCDE244-Assesment 2 - James Hutchinson.pptx
+++ b/BCDE224 - Assessment 2 - James Hutchinson/BCDE244-Assesment 2 - James Hutchinson.pptx
@@ -7,7 +7,7 @@
   <p:sldIdLst>
     <p:sldId id="271" r:id="rId2"/>
     <p:sldId id="272" r:id="rId3"/>
-    <p:sldId id="256" r:id="rId4"/>
+    <p:sldId id="287" r:id="rId4"/>
     <p:sldId id="257" r:id="rId5"/>
     <p:sldId id="258" r:id="rId6"/>
     <p:sldId id="261" r:id="rId7"/>
@@ -27,6 +27,26 @@
     <p:sldId id="284" r:id="rId21"/>
     <p:sldId id="285" r:id="rId22"/>
     <p:sldId id="286" r:id="rId23"/>
+    <p:sldId id="288" r:id="rId24"/>
+    <p:sldId id="289" r:id="rId25"/>
+    <p:sldId id="290" r:id="rId26"/>
+    <p:sldId id="291" r:id="rId27"/>
+    <p:sldId id="292" r:id="rId28"/>
+    <p:sldId id="293" r:id="rId29"/>
+    <p:sldId id="294" r:id="rId30"/>
+    <p:sldId id="295" r:id="rId31"/>
+    <p:sldId id="296" r:id="rId32"/>
+    <p:sldId id="297" r:id="rId33"/>
+    <p:sldId id="298" r:id="rId34"/>
+    <p:sldId id="299" r:id="rId35"/>
+    <p:sldId id="307" r:id="rId36"/>
+    <p:sldId id="300" r:id="rId37"/>
+    <p:sldId id="301" r:id="rId38"/>
+    <p:sldId id="302" r:id="rId39"/>
+    <p:sldId id="303" r:id="rId40"/>
+    <p:sldId id="304" r:id="rId41"/>
+    <p:sldId id="305" r:id="rId42"/>
+    <p:sldId id="306" r:id="rId43"/>
   </p:sldIdLst>
   <p:sldSz cx="12192000" cy="6858000"/>
   <p:notesSz cx="6858000" cy="9144000"/>
@@ -136,7 +156,7 @@
 <file path=ppt/revisionInfo.xml><?xml version="1.0" encoding="utf-8"?>
 <p1510:revInfo xmlns:a="http://schemas.openxmlformats.org/drawingml/2006/main" xmlns:r="http://schemas.openxmlformats.org/officeDocument/2006/relationships" xmlns:p1510="http://schemas.microsoft.com/office/powerpoint/2015/10/main">
   <p1510:revLst>
-    <p1510:client id="{0A0D2418-BC2C-411F-B66C-A1BF787D5897}" v="19" dt="2022-09-03T10:29:41.245"/>
+    <p1510:client id="{0A0D2418-BC2C-411F-B66C-A1BF787D5897}" v="9" dt="2022-09-12T08:56:04.489"/>
   </p1510:revLst>
 </p1510:revInfo>
 </file>
@@ -145,11 +165,435 @@
 <pc:chgInfo xmlns:a="http://schemas.openxmlformats.org/drawingml/2006/main" xmlns:r="http://schemas.openxmlformats.org/officeDocument/2006/relationships" xmlns:ac="http://schemas.microsoft.com/office/drawing/2013/main/command" xmlns:pc="http://schemas.microsoft.com/office/powerpoint/2013/main/command">
   <pc:docChgLst>
     <pc:chgData name="James Hutchinson [jch233]" userId="0033b875-5cc3-4737-952c-3a06bb8a58cf" providerId="ADAL" clId="{775FFF9A-174F-400B-A7A3-F2B72863B781}"/>
-    <pc:docChg chg="custSel modSld">
-      <pc:chgData name="James Hutchinson [jch233]" userId="0033b875-5cc3-4737-952c-3a06bb8a58cf" providerId="ADAL" clId="{775FFF9A-174F-400B-A7A3-F2B72863B781}" dt="2022-09-01T23:16:39.555" v="621" actId="20577"/>
+    <pc:docChg chg="custSel addSld delSld modSld sldOrd">
+      <pc:chgData name="James Hutchinson [jch233]" userId="0033b875-5cc3-4737-952c-3a06bb8a58cf" providerId="ADAL" clId="{775FFF9A-174F-400B-A7A3-F2B72863B781}" dt="2022-09-09T00:37:26.853" v="1488" actId="1038"/>
       <pc:docMkLst>
         <pc:docMk/>
       </pc:docMkLst>
+      <pc:sldChg chg="delSp del mod">
+        <pc:chgData name="James Hutchinson [jch233]" userId="0033b875-5cc3-4737-952c-3a06bb8a58cf" providerId="ADAL" clId="{775FFF9A-174F-400B-A7A3-F2B72863B781}" dt="2022-09-08T22:02:49.135" v="641" actId="47"/>
+        <pc:sldMkLst>
+          <pc:docMk/>
+          <pc:sldMk cId="1470811829" sldId="256"/>
+        </pc:sldMkLst>
+        <pc:spChg chg="del">
+          <ac:chgData name="James Hutchinson [jch233]" userId="0033b875-5cc3-4737-952c-3a06bb8a58cf" providerId="ADAL" clId="{775FFF9A-174F-400B-A7A3-F2B72863B781}" dt="2022-09-08T22:02:09.311" v="622" actId="21"/>
+          <ac:spMkLst>
+            <pc:docMk/>
+            <pc:sldMk cId="1470811829" sldId="256"/>
+            <ac:spMk id="6" creationId="{F5922433-C5B8-800B-F5C9-8F3D6EDFA64C}"/>
+          </ac:spMkLst>
+        </pc:spChg>
+        <pc:spChg chg="del">
+          <ac:chgData name="James Hutchinson [jch233]" userId="0033b875-5cc3-4737-952c-3a06bb8a58cf" providerId="ADAL" clId="{775FFF9A-174F-400B-A7A3-F2B72863B781}" dt="2022-09-08T22:02:09.311" v="622" actId="21"/>
+          <ac:spMkLst>
+            <pc:docMk/>
+            <pc:sldMk cId="1470811829" sldId="256"/>
+            <ac:spMk id="7" creationId="{C7C146C1-D1BB-668F-D094-96F86370315D}"/>
+          </ac:spMkLst>
+        </pc:spChg>
+        <pc:spChg chg="del">
+          <ac:chgData name="James Hutchinson [jch233]" userId="0033b875-5cc3-4737-952c-3a06bb8a58cf" providerId="ADAL" clId="{775FFF9A-174F-400B-A7A3-F2B72863B781}" dt="2022-09-08T22:02:09.311" v="622" actId="21"/>
+          <ac:spMkLst>
+            <pc:docMk/>
+            <pc:sldMk cId="1470811829" sldId="256"/>
+            <ac:spMk id="8" creationId="{B9FF3BFA-5BD9-F6C8-E15C-D6BBC101E8C9}"/>
+          </ac:spMkLst>
+        </pc:spChg>
+        <pc:spChg chg="del">
+          <ac:chgData name="James Hutchinson [jch233]" userId="0033b875-5cc3-4737-952c-3a06bb8a58cf" providerId="ADAL" clId="{775FFF9A-174F-400B-A7A3-F2B72863B781}" dt="2022-09-08T22:02:09.311" v="622" actId="21"/>
+          <ac:spMkLst>
+            <pc:docMk/>
+            <pc:sldMk cId="1470811829" sldId="256"/>
+            <ac:spMk id="9" creationId="{5E9EFF34-5341-4681-A1EC-62DACA095817}"/>
+          </ac:spMkLst>
+        </pc:spChg>
+        <pc:spChg chg="del">
+          <ac:chgData name="James Hutchinson [jch233]" userId="0033b875-5cc3-4737-952c-3a06bb8a58cf" providerId="ADAL" clId="{775FFF9A-174F-400B-A7A3-F2B72863B781}" dt="2022-09-08T22:02:09.311" v="622" actId="21"/>
+          <ac:spMkLst>
+            <pc:docMk/>
+            <pc:sldMk cId="1470811829" sldId="256"/>
+            <ac:spMk id="10" creationId="{9A79A027-DB53-5405-BE25-3E47815C747E}"/>
+          </ac:spMkLst>
+        </pc:spChg>
+        <pc:spChg chg="del">
+          <ac:chgData name="James Hutchinson [jch233]" userId="0033b875-5cc3-4737-952c-3a06bb8a58cf" providerId="ADAL" clId="{775FFF9A-174F-400B-A7A3-F2B72863B781}" dt="2022-09-08T22:02:09.311" v="622" actId="21"/>
+          <ac:spMkLst>
+            <pc:docMk/>
+            <pc:sldMk cId="1470811829" sldId="256"/>
+            <ac:spMk id="11" creationId="{8EE7034E-0381-E997-2FA6-2998B505A965}"/>
+          </ac:spMkLst>
+        </pc:spChg>
+        <pc:spChg chg="del">
+          <ac:chgData name="James Hutchinson [jch233]" userId="0033b875-5cc3-4737-952c-3a06bb8a58cf" providerId="ADAL" clId="{775FFF9A-174F-400B-A7A3-F2B72863B781}" dt="2022-09-08T22:02:09.311" v="622" actId="21"/>
+          <ac:spMkLst>
+            <pc:docMk/>
+            <pc:sldMk cId="1470811829" sldId="256"/>
+            <ac:spMk id="12" creationId="{634F20E0-17CA-2F84-1D2F-EF680A48AF7D}"/>
+          </ac:spMkLst>
+        </pc:spChg>
+        <pc:spChg chg="del">
+          <ac:chgData name="James Hutchinson [jch233]" userId="0033b875-5cc3-4737-952c-3a06bb8a58cf" providerId="ADAL" clId="{775FFF9A-174F-400B-A7A3-F2B72863B781}" dt="2022-09-08T22:02:09.311" v="622" actId="21"/>
+          <ac:spMkLst>
+            <pc:docMk/>
+            <pc:sldMk cId="1470811829" sldId="256"/>
+            <ac:spMk id="13" creationId="{06F00DD8-17E7-E779-D188-F315AD460BF1}"/>
+          </ac:spMkLst>
+        </pc:spChg>
+        <pc:spChg chg="del">
+          <ac:chgData name="James Hutchinson [jch233]" userId="0033b875-5cc3-4737-952c-3a06bb8a58cf" providerId="ADAL" clId="{775FFF9A-174F-400B-A7A3-F2B72863B781}" dt="2022-09-08T22:02:09.311" v="622" actId="21"/>
+          <ac:spMkLst>
+            <pc:docMk/>
+            <pc:sldMk cId="1470811829" sldId="256"/>
+            <ac:spMk id="14" creationId="{F256ABB4-64B6-0662-3965-72A1C66E2A9F}"/>
+          </ac:spMkLst>
+        </pc:spChg>
+        <pc:spChg chg="del">
+          <ac:chgData name="James Hutchinson [jch233]" userId="0033b875-5cc3-4737-952c-3a06bb8a58cf" providerId="ADAL" clId="{775FFF9A-174F-400B-A7A3-F2B72863B781}" dt="2022-09-08T22:02:09.311" v="622" actId="21"/>
+          <ac:spMkLst>
+            <pc:docMk/>
+            <pc:sldMk cId="1470811829" sldId="256"/>
+            <ac:spMk id="15" creationId="{3A363EB3-07A6-4FE1-4070-E711081D49CD}"/>
+          </ac:spMkLst>
+        </pc:spChg>
+        <pc:spChg chg="del">
+          <ac:chgData name="James Hutchinson [jch233]" userId="0033b875-5cc3-4737-952c-3a06bb8a58cf" providerId="ADAL" clId="{775FFF9A-174F-400B-A7A3-F2B72863B781}" dt="2022-09-08T22:02:09.311" v="622" actId="21"/>
+          <ac:spMkLst>
+            <pc:docMk/>
+            <pc:sldMk cId="1470811829" sldId="256"/>
+            <ac:spMk id="23" creationId="{F195A261-6B52-951E-C348-661C8E47B439}"/>
+          </ac:spMkLst>
+        </pc:spChg>
+        <pc:spChg chg="del">
+          <ac:chgData name="James Hutchinson [jch233]" userId="0033b875-5cc3-4737-952c-3a06bb8a58cf" providerId="ADAL" clId="{775FFF9A-174F-400B-A7A3-F2B72863B781}" dt="2022-09-08T22:02:09.311" v="622" actId="21"/>
+          <ac:spMkLst>
+            <pc:docMk/>
+            <pc:sldMk cId="1470811829" sldId="256"/>
+            <ac:spMk id="24" creationId="{074515EC-5A82-411F-C86A-1ADB5CE6F759}"/>
+          </ac:spMkLst>
+        </pc:spChg>
+        <pc:spChg chg="del">
+          <ac:chgData name="James Hutchinson [jch233]" userId="0033b875-5cc3-4737-952c-3a06bb8a58cf" providerId="ADAL" clId="{775FFF9A-174F-400B-A7A3-F2B72863B781}" dt="2022-09-08T22:02:09.311" v="622" actId="21"/>
+          <ac:spMkLst>
+            <pc:docMk/>
+            <pc:sldMk cId="1470811829" sldId="256"/>
+            <ac:spMk id="25" creationId="{E12F6765-B0A3-4A09-0ABC-926F3EFDCEA0}"/>
+          </ac:spMkLst>
+        </pc:spChg>
+        <pc:spChg chg="del">
+          <ac:chgData name="James Hutchinson [jch233]" userId="0033b875-5cc3-4737-952c-3a06bb8a58cf" providerId="ADAL" clId="{775FFF9A-174F-400B-A7A3-F2B72863B781}" dt="2022-09-08T22:02:09.311" v="622" actId="21"/>
+          <ac:spMkLst>
+            <pc:docMk/>
+            <pc:sldMk cId="1470811829" sldId="256"/>
+            <ac:spMk id="26" creationId="{4A3FD9B3-0C25-B66C-B597-A016EFCAD913}"/>
+          </ac:spMkLst>
+        </pc:spChg>
+        <pc:spChg chg="del">
+          <ac:chgData name="James Hutchinson [jch233]" userId="0033b875-5cc3-4737-952c-3a06bb8a58cf" providerId="ADAL" clId="{775FFF9A-174F-400B-A7A3-F2B72863B781}" dt="2022-09-08T22:02:09.311" v="622" actId="21"/>
+          <ac:spMkLst>
+            <pc:docMk/>
+            <pc:sldMk cId="1470811829" sldId="256"/>
+            <ac:spMk id="27" creationId="{1A3087AF-99D9-1CCF-831B-F2C3B9125810}"/>
+          </ac:spMkLst>
+        </pc:spChg>
+        <pc:spChg chg="del">
+          <ac:chgData name="James Hutchinson [jch233]" userId="0033b875-5cc3-4737-952c-3a06bb8a58cf" providerId="ADAL" clId="{775FFF9A-174F-400B-A7A3-F2B72863B781}" dt="2022-09-08T22:02:09.311" v="622" actId="21"/>
+          <ac:spMkLst>
+            <pc:docMk/>
+            <pc:sldMk cId="1470811829" sldId="256"/>
+            <ac:spMk id="28" creationId="{837BEF7F-F6BF-E0FB-8064-D1A5771BA03F}"/>
+          </ac:spMkLst>
+        </pc:spChg>
+        <pc:spChg chg="del">
+          <ac:chgData name="James Hutchinson [jch233]" userId="0033b875-5cc3-4737-952c-3a06bb8a58cf" providerId="ADAL" clId="{775FFF9A-174F-400B-A7A3-F2B72863B781}" dt="2022-09-08T22:02:09.311" v="622" actId="21"/>
+          <ac:spMkLst>
+            <pc:docMk/>
+            <pc:sldMk cId="1470811829" sldId="256"/>
+            <ac:spMk id="29" creationId="{F5AE6CD4-FB5D-140B-72BC-4E5820C186E2}"/>
+          </ac:spMkLst>
+        </pc:spChg>
+        <pc:spChg chg="del">
+          <ac:chgData name="James Hutchinson [jch233]" userId="0033b875-5cc3-4737-952c-3a06bb8a58cf" providerId="ADAL" clId="{775FFF9A-174F-400B-A7A3-F2B72863B781}" dt="2022-09-08T22:02:09.311" v="622" actId="21"/>
+          <ac:spMkLst>
+            <pc:docMk/>
+            <pc:sldMk cId="1470811829" sldId="256"/>
+            <ac:spMk id="30" creationId="{4E8ADF80-6D22-069A-4C83-EEAA58BD7E58}"/>
+          </ac:spMkLst>
+        </pc:spChg>
+      </pc:sldChg>
+      <pc:sldChg chg="addSp modSp mod">
+        <pc:chgData name="James Hutchinson [jch233]" userId="0033b875-5cc3-4737-952c-3a06bb8a58cf" providerId="ADAL" clId="{775FFF9A-174F-400B-A7A3-F2B72863B781}" dt="2022-09-08T22:06:23.672" v="718" actId="1076"/>
+        <pc:sldMkLst>
+          <pc:docMk/>
+          <pc:sldMk cId="1154653388" sldId="260"/>
+        </pc:sldMkLst>
+        <pc:spChg chg="mod">
+          <ac:chgData name="James Hutchinson [jch233]" userId="0033b875-5cc3-4737-952c-3a06bb8a58cf" providerId="ADAL" clId="{775FFF9A-174F-400B-A7A3-F2B72863B781}" dt="2022-09-08T22:04:32.001" v="656" actId="14100"/>
+          <ac:spMkLst>
+            <pc:docMk/>
+            <pc:sldMk cId="1154653388" sldId="260"/>
+            <ac:spMk id="5" creationId="{739AD9AC-EE50-7010-18AC-2F748A58833A}"/>
+          </ac:spMkLst>
+        </pc:spChg>
+        <pc:spChg chg="mod">
+          <ac:chgData name="James Hutchinson [jch233]" userId="0033b875-5cc3-4737-952c-3a06bb8a58cf" providerId="ADAL" clId="{775FFF9A-174F-400B-A7A3-F2B72863B781}" dt="2022-09-08T22:05:41.100" v="703" actId="14100"/>
+          <ac:spMkLst>
+            <pc:docMk/>
+            <pc:sldMk cId="1154653388" sldId="260"/>
+            <ac:spMk id="6" creationId="{9F85E7EE-BDF3-5E8F-FED0-36D77351DB80}"/>
+          </ac:spMkLst>
+        </pc:spChg>
+        <pc:spChg chg="mod">
+          <ac:chgData name="James Hutchinson [jch233]" userId="0033b875-5cc3-4737-952c-3a06bb8a58cf" providerId="ADAL" clId="{775FFF9A-174F-400B-A7A3-F2B72863B781}" dt="2022-09-08T22:05:52.296" v="707" actId="1076"/>
+          <ac:spMkLst>
+            <pc:docMk/>
+            <pc:sldMk cId="1154653388" sldId="260"/>
+            <ac:spMk id="20" creationId="{72FF4E3C-BE84-9E47-C360-1043A523D892}"/>
+          </ac:spMkLst>
+        </pc:spChg>
+        <pc:spChg chg="add mod">
+          <ac:chgData name="James Hutchinson [jch233]" userId="0033b875-5cc3-4737-952c-3a06bb8a58cf" providerId="ADAL" clId="{775FFF9A-174F-400B-A7A3-F2B72863B781}" dt="2022-09-08T22:06:01.799" v="712" actId="14100"/>
+          <ac:spMkLst>
+            <pc:docMk/>
+            <pc:sldMk cId="1154653388" sldId="260"/>
+            <ac:spMk id="24" creationId="{C67E0A9F-36EF-37D2-BE6A-39BEC6224357}"/>
+          </ac:spMkLst>
+        </pc:spChg>
+        <pc:spChg chg="add mod">
+          <ac:chgData name="James Hutchinson [jch233]" userId="0033b875-5cc3-4737-952c-3a06bb8a58cf" providerId="ADAL" clId="{775FFF9A-174F-400B-A7A3-F2B72863B781}" dt="2022-09-08T22:06:23.672" v="718" actId="1076"/>
+          <ac:spMkLst>
+            <pc:docMk/>
+            <pc:sldMk cId="1154653388" sldId="260"/>
+            <ac:spMk id="32" creationId="{0A03D79F-A7CE-06BD-E2C8-9C9952D1CF4E}"/>
+          </ac:spMkLst>
+        </pc:spChg>
+        <pc:spChg chg="mod">
+          <ac:chgData name="James Hutchinson [jch233]" userId="0033b875-5cc3-4737-952c-3a06bb8a58cf" providerId="ADAL" clId="{775FFF9A-174F-400B-A7A3-F2B72863B781}" dt="2022-09-08T22:04:34.017" v="657" actId="1076"/>
+          <ac:spMkLst>
+            <pc:docMk/>
+            <pc:sldMk cId="1154653388" sldId="260"/>
+            <ac:spMk id="47" creationId="{0CDD47C7-895F-14C9-624B-97C3E3FAE006}"/>
+          </ac:spMkLst>
+        </pc:spChg>
+        <pc:spChg chg="mod">
+          <ac:chgData name="James Hutchinson [jch233]" userId="0033b875-5cc3-4737-952c-3a06bb8a58cf" providerId="ADAL" clId="{775FFF9A-174F-400B-A7A3-F2B72863B781}" dt="2022-09-08T22:04:39.188" v="669" actId="1036"/>
+          <ac:spMkLst>
+            <pc:docMk/>
+            <pc:sldMk cId="1154653388" sldId="260"/>
+            <ac:spMk id="48" creationId="{5198D497-ED8B-89FE-81E9-10090A1024B0}"/>
+          </ac:spMkLst>
+        </pc:spChg>
+        <pc:spChg chg="mod">
+          <ac:chgData name="James Hutchinson [jch233]" userId="0033b875-5cc3-4737-952c-3a06bb8a58cf" providerId="ADAL" clId="{775FFF9A-174F-400B-A7A3-F2B72863B781}" dt="2022-09-08T22:04:39.188" v="669" actId="1036"/>
+          <ac:spMkLst>
+            <pc:docMk/>
+            <pc:sldMk cId="1154653388" sldId="260"/>
+            <ac:spMk id="51" creationId="{4F6D56EE-30B8-AA5F-B9AA-A597D8767B05}"/>
+          </ac:spMkLst>
+        </pc:spChg>
+        <pc:spChg chg="mod">
+          <ac:chgData name="James Hutchinson [jch233]" userId="0033b875-5cc3-4737-952c-3a06bb8a58cf" providerId="ADAL" clId="{775FFF9A-174F-400B-A7A3-F2B72863B781}" dt="2022-09-08T22:05:03.324" v="691" actId="1036"/>
+          <ac:spMkLst>
+            <pc:docMk/>
+            <pc:sldMk cId="1154653388" sldId="260"/>
+            <ac:spMk id="95" creationId="{0470D0ED-FB85-A522-73A6-0A31C6675E17}"/>
+          </ac:spMkLst>
+        </pc:spChg>
+        <pc:spChg chg="mod">
+          <ac:chgData name="James Hutchinson [jch233]" userId="0033b875-5cc3-4737-952c-3a06bb8a58cf" providerId="ADAL" clId="{775FFF9A-174F-400B-A7A3-F2B72863B781}" dt="2022-09-08T22:05:36.249" v="701" actId="1076"/>
+          <ac:spMkLst>
+            <pc:docMk/>
+            <pc:sldMk cId="1154653388" sldId="260"/>
+            <ac:spMk id="96" creationId="{2384F5D7-5CE7-64A8-B4A1-95E113A774A4}"/>
+          </ac:spMkLst>
+        </pc:spChg>
+        <pc:spChg chg="mod">
+          <ac:chgData name="James Hutchinson [jch233]" userId="0033b875-5cc3-4737-952c-3a06bb8a58cf" providerId="ADAL" clId="{775FFF9A-174F-400B-A7A3-F2B72863B781}" dt="2022-09-08T22:05:33.080" v="700" actId="1076"/>
+          <ac:spMkLst>
+            <pc:docMk/>
+            <pc:sldMk cId="1154653388" sldId="260"/>
+            <ac:spMk id="97" creationId="{229E48EB-2D23-0235-7FE1-C619120F8938}"/>
+          </ac:spMkLst>
+        </pc:spChg>
+        <pc:spChg chg="mod">
+          <ac:chgData name="James Hutchinson [jch233]" userId="0033b875-5cc3-4737-952c-3a06bb8a58cf" providerId="ADAL" clId="{775FFF9A-174F-400B-A7A3-F2B72863B781}" dt="2022-09-08T22:05:29.240" v="699" actId="1076"/>
+          <ac:spMkLst>
+            <pc:docMk/>
+            <pc:sldMk cId="1154653388" sldId="260"/>
+            <ac:spMk id="105" creationId="{8C2128BD-EC8F-2FDB-B211-4E68BD7302D7}"/>
+          </ac:spMkLst>
+        </pc:spChg>
+        <pc:spChg chg="mod">
+          <ac:chgData name="James Hutchinson [jch233]" userId="0033b875-5cc3-4737-952c-3a06bb8a58cf" providerId="ADAL" clId="{775FFF9A-174F-400B-A7A3-F2B72863B781}" dt="2022-09-08T22:04:51.322" v="670" actId="1076"/>
+          <ac:spMkLst>
+            <pc:docMk/>
+            <pc:sldMk cId="1154653388" sldId="260"/>
+            <ac:spMk id="106" creationId="{89652AB0-D873-A317-00A9-3E87F9918F17}"/>
+          </ac:spMkLst>
+        </pc:spChg>
+        <pc:spChg chg="mod">
+          <ac:chgData name="James Hutchinson [jch233]" userId="0033b875-5cc3-4737-952c-3a06bb8a58cf" providerId="ADAL" clId="{775FFF9A-174F-400B-A7A3-F2B72863B781}" dt="2022-09-08T22:04:57.032" v="671" actId="1076"/>
+          <ac:spMkLst>
+            <pc:docMk/>
+            <pc:sldMk cId="1154653388" sldId="260"/>
+            <ac:spMk id="107" creationId="{0DA6E36D-0479-F64A-ADD3-0E340F9E583A}"/>
+          </ac:spMkLst>
+        </pc:spChg>
+        <pc:cxnChg chg="mod">
+          <ac:chgData name="James Hutchinson [jch233]" userId="0033b875-5cc3-4737-952c-3a06bb8a58cf" providerId="ADAL" clId="{775FFF9A-174F-400B-A7A3-F2B72863B781}" dt="2022-09-08T22:05:49.697" v="706" actId="14100"/>
+          <ac:cxnSpMkLst>
+            <pc:docMk/>
+            <pc:sldMk cId="1154653388" sldId="260"/>
+            <ac:cxnSpMk id="8" creationId="{48D3A033-05EE-E4C6-43AD-48E68E34AE9A}"/>
+          </ac:cxnSpMkLst>
+        </pc:cxnChg>
+        <pc:cxnChg chg="mod">
+          <ac:chgData name="James Hutchinson [jch233]" userId="0033b875-5cc3-4737-952c-3a06bb8a58cf" providerId="ADAL" clId="{775FFF9A-174F-400B-A7A3-F2B72863B781}" dt="2022-09-08T22:05:43.904" v="704" actId="14100"/>
+          <ac:cxnSpMkLst>
+            <pc:docMk/>
+            <pc:sldMk cId="1154653388" sldId="260"/>
+            <ac:cxnSpMk id="9" creationId="{E0658364-E3AA-FE71-5A5B-9D074142720C}"/>
+          </ac:cxnSpMkLst>
+        </pc:cxnChg>
+        <pc:cxnChg chg="add mod">
+          <ac:chgData name="James Hutchinson [jch233]" userId="0033b875-5cc3-4737-952c-3a06bb8a58cf" providerId="ADAL" clId="{775FFF9A-174F-400B-A7A3-F2B72863B781}" dt="2022-09-08T22:06:19.376" v="717" actId="14100"/>
+          <ac:cxnSpMkLst>
+            <pc:docMk/>
+            <pc:sldMk cId="1154653388" sldId="260"/>
+            <ac:cxnSpMk id="28" creationId="{697CA807-49A0-48E5-3C6D-E19D268443EA}"/>
+          </ac:cxnSpMkLst>
+        </pc:cxnChg>
+        <pc:cxnChg chg="add mod">
+          <ac:chgData name="James Hutchinson [jch233]" userId="0033b875-5cc3-4737-952c-3a06bb8a58cf" providerId="ADAL" clId="{775FFF9A-174F-400B-A7A3-F2B72863B781}" dt="2022-09-08T22:06:11.792" v="715" actId="14100"/>
+          <ac:cxnSpMkLst>
+            <pc:docMk/>
+            <pc:sldMk cId="1154653388" sldId="260"/>
+            <ac:cxnSpMk id="31" creationId="{51E77C8F-8012-CA0B-405C-B817DA0A681A}"/>
+          </ac:cxnSpMkLst>
+        </pc:cxnChg>
+      </pc:sldChg>
+      <pc:sldChg chg="modSp mod">
+        <pc:chgData name="James Hutchinson [jch233]" userId="0033b875-5cc3-4737-952c-3a06bb8a58cf" providerId="ADAL" clId="{775FFF9A-174F-400B-A7A3-F2B72863B781}" dt="2022-09-08T22:03:06.099" v="649" actId="20577"/>
+        <pc:sldMkLst>
+          <pc:docMk/>
+          <pc:sldMk cId="2677290138" sldId="261"/>
+        </pc:sldMkLst>
+        <pc:spChg chg="mod">
+          <ac:chgData name="James Hutchinson [jch233]" userId="0033b875-5cc3-4737-952c-3a06bb8a58cf" providerId="ADAL" clId="{775FFF9A-174F-400B-A7A3-F2B72863B781}" dt="2022-09-08T22:03:06.099" v="649" actId="20577"/>
+          <ac:spMkLst>
+            <pc:docMk/>
+            <pc:sldMk cId="2677290138" sldId="261"/>
+            <ac:spMk id="49" creationId="{E9004F15-7984-93B8-F12A-C8279E218F2E}"/>
+          </ac:spMkLst>
+        </pc:spChg>
+      </pc:sldChg>
+      <pc:sldChg chg="modSp mod">
+        <pc:chgData name="James Hutchinson [jch233]" userId="0033b875-5cc3-4737-952c-3a06bb8a58cf" providerId="ADAL" clId="{775FFF9A-174F-400B-A7A3-F2B72863B781}" dt="2022-09-08T22:07:14.826" v="741" actId="20577"/>
+        <pc:sldMkLst>
+          <pc:docMk/>
+          <pc:sldMk cId="174200073" sldId="262"/>
+        </pc:sldMkLst>
+        <pc:spChg chg="mod">
+          <ac:chgData name="James Hutchinson [jch233]" userId="0033b875-5cc3-4737-952c-3a06bb8a58cf" providerId="ADAL" clId="{775FFF9A-174F-400B-A7A3-F2B72863B781}" dt="2022-09-08T22:07:14.826" v="741" actId="20577"/>
+          <ac:spMkLst>
+            <pc:docMk/>
+            <pc:sldMk cId="174200073" sldId="262"/>
+            <ac:spMk id="49" creationId="{E9004F15-7984-93B8-F12A-C8279E218F2E}"/>
+          </ac:spMkLst>
+        </pc:spChg>
+      </pc:sldChg>
+      <pc:sldChg chg="modSp mod">
+        <pc:chgData name="James Hutchinson [jch233]" userId="0033b875-5cc3-4737-952c-3a06bb8a58cf" providerId="ADAL" clId="{775FFF9A-174F-400B-A7A3-F2B72863B781}" dt="2022-09-08T22:07:07.904" v="739" actId="1076"/>
+        <pc:sldMkLst>
+          <pc:docMk/>
+          <pc:sldMk cId="839711460" sldId="269"/>
+        </pc:sldMkLst>
+        <pc:spChg chg="mod">
+          <ac:chgData name="James Hutchinson [jch233]" userId="0033b875-5cc3-4737-952c-3a06bb8a58cf" providerId="ADAL" clId="{775FFF9A-174F-400B-A7A3-F2B72863B781}" dt="2022-09-08T22:07:07.904" v="739" actId="1076"/>
+          <ac:spMkLst>
+            <pc:docMk/>
+            <pc:sldMk cId="839711460" sldId="269"/>
+            <ac:spMk id="49" creationId="{E9004F15-7984-93B8-F12A-C8279E218F2E}"/>
+          </ac:spMkLst>
+        </pc:spChg>
+      </pc:sldChg>
+      <pc:sldChg chg="modSp mod">
+        <pc:chgData name="James Hutchinson [jch233]" userId="0033b875-5cc3-4737-952c-3a06bb8a58cf" providerId="ADAL" clId="{775FFF9A-174F-400B-A7A3-F2B72863B781}" dt="2022-09-08T22:07:10.858" v="740" actId="20577"/>
+        <pc:sldMkLst>
+          <pc:docMk/>
+          <pc:sldMk cId="3268647473" sldId="277"/>
+        </pc:sldMkLst>
+        <pc:spChg chg="mod">
+          <ac:chgData name="James Hutchinson [jch233]" userId="0033b875-5cc3-4737-952c-3a06bb8a58cf" providerId="ADAL" clId="{775FFF9A-174F-400B-A7A3-F2B72863B781}" dt="2022-09-08T22:07:10.858" v="740" actId="20577"/>
+          <ac:spMkLst>
+            <pc:docMk/>
+            <pc:sldMk cId="3268647473" sldId="277"/>
+            <ac:spMk id="49" creationId="{E9004F15-7984-93B8-F12A-C8279E218F2E}"/>
+          </ac:spMkLst>
+        </pc:spChg>
+      </pc:sldChg>
+      <pc:sldChg chg="modSp mod">
+        <pc:chgData name="James Hutchinson [jch233]" userId="0033b875-5cc3-4737-952c-3a06bb8a58cf" providerId="ADAL" clId="{775FFF9A-174F-400B-A7A3-F2B72863B781}" dt="2022-09-08T22:12:46.415" v="1393" actId="313"/>
+        <pc:sldMkLst>
+          <pc:docMk/>
+          <pc:sldMk cId="3436594973" sldId="279"/>
+        </pc:sldMkLst>
+        <pc:spChg chg="mod">
+          <ac:chgData name="James Hutchinson [jch233]" userId="0033b875-5cc3-4737-952c-3a06bb8a58cf" providerId="ADAL" clId="{775FFF9A-174F-400B-A7A3-F2B72863B781}" dt="2022-09-08T22:07:53.343" v="774" actId="20577"/>
+          <ac:spMkLst>
+            <pc:docMk/>
+            <pc:sldMk cId="3436594973" sldId="279"/>
+            <ac:spMk id="2" creationId="{3CF3F14B-31F6-8E3F-5A02-67952065CEAE}"/>
+          </ac:spMkLst>
+        </pc:spChg>
+        <pc:spChg chg="mod">
+          <ac:chgData name="James Hutchinson [jch233]" userId="0033b875-5cc3-4737-952c-3a06bb8a58cf" providerId="ADAL" clId="{775FFF9A-174F-400B-A7A3-F2B72863B781}" dt="2022-09-08T22:10:02.647" v="1091" actId="20577"/>
+          <ac:spMkLst>
+            <pc:docMk/>
+            <pc:sldMk cId="3436594973" sldId="279"/>
+            <ac:spMk id="3" creationId="{26181EAF-DCAC-552A-2012-6FF773E242E6}"/>
+          </ac:spMkLst>
+        </pc:spChg>
+        <pc:spChg chg="mod">
+          <ac:chgData name="James Hutchinson [jch233]" userId="0033b875-5cc3-4737-952c-3a06bb8a58cf" providerId="ADAL" clId="{775FFF9A-174F-400B-A7A3-F2B72863B781}" dt="2022-09-08T22:12:46.415" v="1393" actId="313"/>
+          <ac:spMkLst>
+            <pc:docMk/>
+            <pc:sldMk cId="3436594973" sldId="279"/>
+            <ac:spMk id="4" creationId="{324DB3F3-A085-2ECD-CD75-7B7F90EBD0A9}"/>
+          </ac:spMkLst>
+        </pc:spChg>
+      </pc:sldChg>
+      <pc:sldChg chg="modSp mod">
+        <pc:chgData name="James Hutchinson [jch233]" userId="0033b875-5cc3-4737-952c-3a06bb8a58cf" providerId="ADAL" clId="{775FFF9A-174F-400B-A7A3-F2B72863B781}" dt="2022-09-09T00:32:53.694" v="1431" actId="20577"/>
+        <pc:sldMkLst>
+          <pc:docMk/>
+          <pc:sldMk cId="1122492990" sldId="280"/>
+        </pc:sldMkLst>
+        <pc:spChg chg="mod">
+          <ac:chgData name="James Hutchinson [jch233]" userId="0033b875-5cc3-4737-952c-3a06bb8a58cf" providerId="ADAL" clId="{775FFF9A-174F-400B-A7A3-F2B72863B781}" dt="2022-09-09T00:32:24.519" v="1401" actId="20577"/>
+          <ac:spMkLst>
+            <pc:docMk/>
+            <pc:sldMk cId="1122492990" sldId="280"/>
+            <ac:spMk id="2" creationId="{3CF3F14B-31F6-8E3F-5A02-67952065CEAE}"/>
+          </ac:spMkLst>
+        </pc:spChg>
+        <pc:spChg chg="mod">
+          <ac:chgData name="James Hutchinson [jch233]" userId="0033b875-5cc3-4737-952c-3a06bb8a58cf" providerId="ADAL" clId="{775FFF9A-174F-400B-A7A3-F2B72863B781}" dt="2022-09-09T00:32:53.694" v="1431" actId="20577"/>
+          <ac:spMkLst>
+            <pc:docMk/>
+            <pc:sldMk cId="1122492990" sldId="280"/>
+            <ac:spMk id="3" creationId="{26181EAF-DCAC-552A-2012-6FF773E242E6}"/>
+          </ac:spMkLst>
+        </pc:spChg>
+        <pc:spChg chg="mod">
+          <ac:chgData name="James Hutchinson [jch233]" userId="0033b875-5cc3-4737-952c-3a06bb8a58cf" providerId="ADAL" clId="{775FFF9A-174F-400B-A7A3-F2B72863B781}" dt="2022-09-09T00:32:35.790" v="1425" actId="20577"/>
+          <ac:spMkLst>
+            <pc:docMk/>
+            <pc:sldMk cId="1122492990" sldId="280"/>
+            <ac:spMk id="4" creationId="{324DB3F3-A085-2ECD-CD75-7B7F90EBD0A9}"/>
+          </ac:spMkLst>
+        </pc:spChg>
+      </pc:sldChg>
       <pc:sldChg chg="modSp mod">
         <pc:chgData name="James Hutchinson [jch233]" userId="0033b875-5cc3-4737-952c-3a06bb8a58cf" providerId="ADAL" clId="{775FFF9A-174F-400B-A7A3-F2B72863B781}" dt="2022-09-01T23:16:39.555" v="621" actId="20577"/>
         <pc:sldMkLst>
@@ -181,12 +625,386 @@
           </ac:spMkLst>
         </pc:spChg>
       </pc:sldChg>
+      <pc:sldChg chg="addSp modSp mod">
+        <pc:chgData name="James Hutchinson [jch233]" userId="0033b875-5cc3-4737-952c-3a06bb8a58cf" providerId="ADAL" clId="{775FFF9A-174F-400B-A7A3-F2B72863B781}" dt="2022-09-09T00:37:26.853" v="1488" actId="1038"/>
+        <pc:sldMkLst>
+          <pc:docMk/>
+          <pc:sldMk cId="2741093739" sldId="286"/>
+        </pc:sldMkLst>
+        <pc:picChg chg="add mod">
+          <ac:chgData name="James Hutchinson [jch233]" userId="0033b875-5cc3-4737-952c-3a06bb8a58cf" providerId="ADAL" clId="{775FFF9A-174F-400B-A7A3-F2B72863B781}" dt="2022-09-09T00:37:26.853" v="1488" actId="1038"/>
+          <ac:picMkLst>
+            <pc:docMk/>
+            <pc:sldMk cId="2741093739" sldId="286"/>
+            <ac:picMk id="3" creationId="{CA16E82F-7123-4CC4-1C13-3F819BFD0888}"/>
+          </ac:picMkLst>
+        </pc:picChg>
+        <pc:picChg chg="add mod">
+          <ac:chgData name="James Hutchinson [jch233]" userId="0033b875-5cc3-4737-952c-3a06bb8a58cf" providerId="ADAL" clId="{775FFF9A-174F-400B-A7A3-F2B72863B781}" dt="2022-09-09T00:37:26.853" v="1488" actId="1038"/>
+          <ac:picMkLst>
+            <pc:docMk/>
+            <pc:sldMk cId="2741093739" sldId="286"/>
+            <ac:picMk id="5" creationId="{3EA26951-3D08-F21D-A706-BC32A052B933}"/>
+          </ac:picMkLst>
+        </pc:picChg>
+        <pc:picChg chg="add mod">
+          <ac:chgData name="James Hutchinson [jch233]" userId="0033b875-5cc3-4737-952c-3a06bb8a58cf" providerId="ADAL" clId="{775FFF9A-174F-400B-A7A3-F2B72863B781}" dt="2022-09-09T00:37:26.853" v="1488" actId="1038"/>
+          <ac:picMkLst>
+            <pc:docMk/>
+            <pc:sldMk cId="2741093739" sldId="286"/>
+            <ac:picMk id="7" creationId="{06FD91F8-FC72-5C2F-69E5-8BA786C9BC26}"/>
+          </ac:picMkLst>
+        </pc:picChg>
+        <pc:picChg chg="add mod">
+          <ac:chgData name="James Hutchinson [jch233]" userId="0033b875-5cc3-4737-952c-3a06bb8a58cf" providerId="ADAL" clId="{775FFF9A-174F-400B-A7A3-F2B72863B781}" dt="2022-09-09T00:37:20.545" v="1459" actId="1076"/>
+          <ac:picMkLst>
+            <pc:docMk/>
+            <pc:sldMk cId="2741093739" sldId="286"/>
+            <ac:picMk id="9" creationId="{EA2032D6-D18A-F107-FE8A-47285F2089AB}"/>
+          </ac:picMkLst>
+        </pc:picChg>
+        <pc:picChg chg="add mod">
+          <ac:chgData name="James Hutchinson [jch233]" userId="0033b875-5cc3-4737-952c-3a06bb8a58cf" providerId="ADAL" clId="{775FFF9A-174F-400B-A7A3-F2B72863B781}" dt="2022-09-09T00:37:19.250" v="1458" actId="1076"/>
+          <ac:picMkLst>
+            <pc:docMk/>
+            <pc:sldMk cId="2741093739" sldId="286"/>
+            <ac:picMk id="11" creationId="{6449BFBE-264A-AA91-93B3-749B6A9CFD58}"/>
+          </ac:picMkLst>
+        </pc:picChg>
+        <pc:picChg chg="add mod">
+          <ac:chgData name="James Hutchinson [jch233]" userId="0033b875-5cc3-4737-952c-3a06bb8a58cf" providerId="ADAL" clId="{775FFF9A-174F-400B-A7A3-F2B72863B781}" dt="2022-09-09T00:37:18.002" v="1457" actId="1076"/>
+          <ac:picMkLst>
+            <pc:docMk/>
+            <pc:sldMk cId="2741093739" sldId="286"/>
+            <ac:picMk id="13" creationId="{B138F2AB-B268-85CE-6DFD-FD013532F31A}"/>
+          </ac:picMkLst>
+        </pc:picChg>
+      </pc:sldChg>
+      <pc:sldChg chg="addSp delSp modSp add mod ord">
+        <pc:chgData name="James Hutchinson [jch233]" userId="0033b875-5cc3-4737-952c-3a06bb8a58cf" providerId="ADAL" clId="{775FFF9A-174F-400B-A7A3-F2B72863B781}" dt="2022-09-08T22:02:57.560" v="648" actId="20577"/>
+        <pc:sldMkLst>
+          <pc:docMk/>
+          <pc:sldMk cId="3596803717" sldId="287"/>
+        </pc:sldMkLst>
+        <pc:spChg chg="mod">
+          <ac:chgData name="James Hutchinson [jch233]" userId="0033b875-5cc3-4737-952c-3a06bb8a58cf" providerId="ADAL" clId="{775FFF9A-174F-400B-A7A3-F2B72863B781}" dt="2022-09-08T22:02:41.875" v="640" actId="20577"/>
+          <ac:spMkLst>
+            <pc:docMk/>
+            <pc:sldMk cId="3596803717" sldId="287"/>
+            <ac:spMk id="3" creationId="{F71C8CB1-4EA2-418A-D308-A67E45BC45CE}"/>
+          </ac:spMkLst>
+        </pc:spChg>
+        <pc:spChg chg="add mod">
+          <ac:chgData name="James Hutchinson [jch233]" userId="0033b875-5cc3-4737-952c-3a06bb8a58cf" providerId="ADAL" clId="{775FFF9A-174F-400B-A7A3-F2B72863B781}" dt="2022-09-08T22:02:21.582" v="627"/>
+          <ac:spMkLst>
+            <pc:docMk/>
+            <pc:sldMk cId="3596803717" sldId="287"/>
+            <ac:spMk id="6" creationId="{EE31C3F2-6364-E051-9585-50F4B2D7C97E}"/>
+          </ac:spMkLst>
+        </pc:spChg>
+        <pc:spChg chg="del">
+          <ac:chgData name="James Hutchinson [jch233]" userId="0033b875-5cc3-4737-952c-3a06bb8a58cf" providerId="ADAL" clId="{775FFF9A-174F-400B-A7A3-F2B72863B781}" dt="2022-09-08T22:02:20.663" v="626" actId="478"/>
+          <ac:spMkLst>
+            <pc:docMk/>
+            <pc:sldMk cId="3596803717" sldId="287"/>
+            <ac:spMk id="7" creationId="{ED0023D2-424E-73E8-5F65-023D9050004B}"/>
+          </ac:spMkLst>
+        </pc:spChg>
+        <pc:spChg chg="add mod">
+          <ac:chgData name="James Hutchinson [jch233]" userId="0033b875-5cc3-4737-952c-3a06bb8a58cf" providerId="ADAL" clId="{775FFF9A-174F-400B-A7A3-F2B72863B781}" dt="2022-09-08T22:02:21.582" v="627"/>
+          <ac:spMkLst>
+            <pc:docMk/>
+            <pc:sldMk cId="3596803717" sldId="287"/>
+            <ac:spMk id="8" creationId="{079785B8-927E-CD8D-1FC1-CF39A333F93C}"/>
+          </ac:spMkLst>
+        </pc:spChg>
+        <pc:spChg chg="add mod">
+          <ac:chgData name="James Hutchinson [jch233]" userId="0033b875-5cc3-4737-952c-3a06bb8a58cf" providerId="ADAL" clId="{775FFF9A-174F-400B-A7A3-F2B72863B781}" dt="2022-09-08T22:02:21.582" v="627"/>
+          <ac:spMkLst>
+            <pc:docMk/>
+            <pc:sldMk cId="3596803717" sldId="287"/>
+            <ac:spMk id="9" creationId="{207C2DD2-9A3D-D648-65D7-2EC1CE47E01C}"/>
+          </ac:spMkLst>
+        </pc:spChg>
+        <pc:spChg chg="del">
+          <ac:chgData name="James Hutchinson [jch233]" userId="0033b875-5cc3-4737-952c-3a06bb8a58cf" providerId="ADAL" clId="{775FFF9A-174F-400B-A7A3-F2B72863B781}" dt="2022-09-08T22:02:20.663" v="626" actId="478"/>
+          <ac:spMkLst>
+            <pc:docMk/>
+            <pc:sldMk cId="3596803717" sldId="287"/>
+            <ac:spMk id="10" creationId="{E4435E11-F2A7-2E79-8E16-DDED7619CFDE}"/>
+          </ac:spMkLst>
+        </pc:spChg>
+        <pc:spChg chg="del">
+          <ac:chgData name="James Hutchinson [jch233]" userId="0033b875-5cc3-4737-952c-3a06bb8a58cf" providerId="ADAL" clId="{775FFF9A-174F-400B-A7A3-F2B72863B781}" dt="2022-09-08T22:02:20.663" v="626" actId="478"/>
+          <ac:spMkLst>
+            <pc:docMk/>
+            <pc:sldMk cId="3596803717" sldId="287"/>
+            <ac:spMk id="11" creationId="{A4867E3E-F326-13D8-5402-530098B487D7}"/>
+          </ac:spMkLst>
+        </pc:spChg>
+        <pc:spChg chg="del">
+          <ac:chgData name="James Hutchinson [jch233]" userId="0033b875-5cc3-4737-952c-3a06bb8a58cf" providerId="ADAL" clId="{775FFF9A-174F-400B-A7A3-F2B72863B781}" dt="2022-09-08T22:02:20.663" v="626" actId="478"/>
+          <ac:spMkLst>
+            <pc:docMk/>
+            <pc:sldMk cId="3596803717" sldId="287"/>
+            <ac:spMk id="12" creationId="{978413E6-4453-E9B7-FC2A-6F6520B9600D}"/>
+          </ac:spMkLst>
+        </pc:spChg>
+        <pc:spChg chg="del">
+          <ac:chgData name="James Hutchinson [jch233]" userId="0033b875-5cc3-4737-952c-3a06bb8a58cf" providerId="ADAL" clId="{775FFF9A-174F-400B-A7A3-F2B72863B781}" dt="2022-09-08T22:02:20.663" v="626" actId="478"/>
+          <ac:spMkLst>
+            <pc:docMk/>
+            <pc:sldMk cId="3596803717" sldId="287"/>
+            <ac:spMk id="13" creationId="{18DFD6D8-A5A5-3DB1-3B6F-7EE2ACDB01E3}"/>
+          </ac:spMkLst>
+        </pc:spChg>
+        <pc:spChg chg="del">
+          <ac:chgData name="James Hutchinson [jch233]" userId="0033b875-5cc3-4737-952c-3a06bb8a58cf" providerId="ADAL" clId="{775FFF9A-174F-400B-A7A3-F2B72863B781}" dt="2022-09-08T22:02:20.663" v="626" actId="478"/>
+          <ac:spMkLst>
+            <pc:docMk/>
+            <pc:sldMk cId="3596803717" sldId="287"/>
+            <ac:spMk id="14" creationId="{AA8F00CE-FD99-2C16-665C-98F5751720C5}"/>
+          </ac:spMkLst>
+        </pc:spChg>
+        <pc:spChg chg="del">
+          <ac:chgData name="James Hutchinson [jch233]" userId="0033b875-5cc3-4737-952c-3a06bb8a58cf" providerId="ADAL" clId="{775FFF9A-174F-400B-A7A3-F2B72863B781}" dt="2022-09-08T22:02:20.663" v="626" actId="478"/>
+          <ac:spMkLst>
+            <pc:docMk/>
+            <pc:sldMk cId="3596803717" sldId="287"/>
+            <ac:spMk id="15" creationId="{6A1F5D76-F4F7-CE6C-70EF-39D74BD13939}"/>
+          </ac:spMkLst>
+        </pc:spChg>
+        <pc:spChg chg="del">
+          <ac:chgData name="James Hutchinson [jch233]" userId="0033b875-5cc3-4737-952c-3a06bb8a58cf" providerId="ADAL" clId="{775FFF9A-174F-400B-A7A3-F2B72863B781}" dt="2022-09-08T22:02:20.663" v="626" actId="478"/>
+          <ac:spMkLst>
+            <pc:docMk/>
+            <pc:sldMk cId="3596803717" sldId="287"/>
+            <ac:spMk id="17" creationId="{4FD88031-3DD4-F9B7-5967-9C9E00D437FC}"/>
+          </ac:spMkLst>
+        </pc:spChg>
+        <pc:spChg chg="add mod">
+          <ac:chgData name="James Hutchinson [jch233]" userId="0033b875-5cc3-4737-952c-3a06bb8a58cf" providerId="ADAL" clId="{775FFF9A-174F-400B-A7A3-F2B72863B781}" dt="2022-09-08T22:02:21.582" v="627"/>
+          <ac:spMkLst>
+            <pc:docMk/>
+            <pc:sldMk cId="3596803717" sldId="287"/>
+            <ac:spMk id="20" creationId="{8EF9C50B-41A7-7BF3-B1AD-344B2B70B877}"/>
+          </ac:spMkLst>
+        </pc:spChg>
+        <pc:spChg chg="del">
+          <ac:chgData name="James Hutchinson [jch233]" userId="0033b875-5cc3-4737-952c-3a06bb8a58cf" providerId="ADAL" clId="{775FFF9A-174F-400B-A7A3-F2B72863B781}" dt="2022-09-08T22:02:20.663" v="626" actId="478"/>
+          <ac:spMkLst>
+            <pc:docMk/>
+            <pc:sldMk cId="3596803717" sldId="287"/>
+            <ac:spMk id="21" creationId="{7A8B086E-EBD2-52BD-65B8-3C475AEA7E56}"/>
+          </ac:spMkLst>
+        </pc:spChg>
+        <pc:spChg chg="del">
+          <ac:chgData name="James Hutchinson [jch233]" userId="0033b875-5cc3-4737-952c-3a06bb8a58cf" providerId="ADAL" clId="{775FFF9A-174F-400B-A7A3-F2B72863B781}" dt="2022-09-08T22:02:20.663" v="626" actId="478"/>
+          <ac:spMkLst>
+            <pc:docMk/>
+            <pc:sldMk cId="3596803717" sldId="287"/>
+            <ac:spMk id="22" creationId="{D1CA2C62-0DCD-1D6B-A1D6-5B271306D70C}"/>
+          </ac:spMkLst>
+        </pc:spChg>
+        <pc:spChg chg="del">
+          <ac:chgData name="James Hutchinson [jch233]" userId="0033b875-5cc3-4737-952c-3a06bb8a58cf" providerId="ADAL" clId="{775FFF9A-174F-400B-A7A3-F2B72863B781}" dt="2022-09-08T22:02:20.663" v="626" actId="478"/>
+          <ac:spMkLst>
+            <pc:docMk/>
+            <pc:sldMk cId="3596803717" sldId="287"/>
+            <ac:spMk id="23" creationId="{9BF1BAC4-1780-56DD-2F0C-D4ED2EC76751}"/>
+          </ac:spMkLst>
+        </pc:spChg>
+        <pc:spChg chg="del">
+          <ac:chgData name="James Hutchinson [jch233]" userId="0033b875-5cc3-4737-952c-3a06bb8a58cf" providerId="ADAL" clId="{775FFF9A-174F-400B-A7A3-F2B72863B781}" dt="2022-09-08T22:02:20.663" v="626" actId="478"/>
+          <ac:spMkLst>
+            <pc:docMk/>
+            <pc:sldMk cId="3596803717" sldId="287"/>
+            <ac:spMk id="24" creationId="{05680012-CF1A-4D9D-B6F0-464143DC8026}"/>
+          </ac:spMkLst>
+        </pc:spChg>
+        <pc:spChg chg="add mod">
+          <ac:chgData name="James Hutchinson [jch233]" userId="0033b875-5cc3-4737-952c-3a06bb8a58cf" providerId="ADAL" clId="{775FFF9A-174F-400B-A7A3-F2B72863B781}" dt="2022-09-08T22:02:21.582" v="627"/>
+          <ac:spMkLst>
+            <pc:docMk/>
+            <pc:sldMk cId="3596803717" sldId="287"/>
+            <ac:spMk id="28" creationId="{CB25A5E1-0E8D-EC94-EC03-FF78A0B6F581}"/>
+          </ac:spMkLst>
+        </pc:spChg>
+        <pc:spChg chg="del">
+          <ac:chgData name="James Hutchinson [jch233]" userId="0033b875-5cc3-4737-952c-3a06bb8a58cf" providerId="ADAL" clId="{775FFF9A-174F-400B-A7A3-F2B72863B781}" dt="2022-09-08T22:02:20.663" v="626" actId="478"/>
+          <ac:spMkLst>
+            <pc:docMk/>
+            <pc:sldMk cId="3596803717" sldId="287"/>
+            <ac:spMk id="31" creationId="{FF02F2F4-FE2A-E2C3-F3D4-9999E624E61C}"/>
+          </ac:spMkLst>
+        </pc:spChg>
+        <pc:spChg chg="del">
+          <ac:chgData name="James Hutchinson [jch233]" userId="0033b875-5cc3-4737-952c-3a06bb8a58cf" providerId="ADAL" clId="{775FFF9A-174F-400B-A7A3-F2B72863B781}" dt="2022-09-08T22:02:20.663" v="626" actId="478"/>
+          <ac:spMkLst>
+            <pc:docMk/>
+            <pc:sldMk cId="3596803717" sldId="287"/>
+            <ac:spMk id="32" creationId="{3B0EF288-C680-C19B-D73B-143C1B5CEA03}"/>
+          </ac:spMkLst>
+        </pc:spChg>
+        <pc:spChg chg="del">
+          <ac:chgData name="James Hutchinson [jch233]" userId="0033b875-5cc3-4737-952c-3a06bb8a58cf" providerId="ADAL" clId="{775FFF9A-174F-400B-A7A3-F2B72863B781}" dt="2022-09-08T22:02:20.663" v="626" actId="478"/>
+          <ac:spMkLst>
+            <pc:docMk/>
+            <pc:sldMk cId="3596803717" sldId="287"/>
+            <ac:spMk id="33" creationId="{16E9EADE-304F-F9F6-E725-874471119935}"/>
+          </ac:spMkLst>
+        </pc:spChg>
+        <pc:spChg chg="del">
+          <ac:chgData name="James Hutchinson [jch233]" userId="0033b875-5cc3-4737-952c-3a06bb8a58cf" providerId="ADAL" clId="{775FFF9A-174F-400B-A7A3-F2B72863B781}" dt="2022-09-08T22:02:20.663" v="626" actId="478"/>
+          <ac:spMkLst>
+            <pc:docMk/>
+            <pc:sldMk cId="3596803717" sldId="287"/>
+            <ac:spMk id="34" creationId="{76CEA0D4-19B3-4AB9-69F3-2C52BFC26733}"/>
+          </ac:spMkLst>
+        </pc:spChg>
+        <pc:spChg chg="add mod">
+          <ac:chgData name="James Hutchinson [jch233]" userId="0033b875-5cc3-4737-952c-3a06bb8a58cf" providerId="ADAL" clId="{775FFF9A-174F-400B-A7A3-F2B72863B781}" dt="2022-09-08T22:02:21.582" v="627"/>
+          <ac:spMkLst>
+            <pc:docMk/>
+            <pc:sldMk cId="3596803717" sldId="287"/>
+            <ac:spMk id="35" creationId="{54259FCC-DF14-9121-0B6C-F984243D414E}"/>
+          </ac:spMkLst>
+        </pc:spChg>
+        <pc:spChg chg="del">
+          <ac:chgData name="James Hutchinson [jch233]" userId="0033b875-5cc3-4737-952c-3a06bb8a58cf" providerId="ADAL" clId="{775FFF9A-174F-400B-A7A3-F2B72863B781}" dt="2022-09-08T22:02:20.663" v="626" actId="478"/>
+          <ac:spMkLst>
+            <pc:docMk/>
+            <pc:sldMk cId="3596803717" sldId="287"/>
+            <ac:spMk id="36" creationId="{FCA6DCE4-FC9C-F757-8EEF-C459D2F214B2}"/>
+          </ac:spMkLst>
+        </pc:spChg>
+        <pc:spChg chg="del">
+          <ac:chgData name="James Hutchinson [jch233]" userId="0033b875-5cc3-4737-952c-3a06bb8a58cf" providerId="ADAL" clId="{775FFF9A-174F-400B-A7A3-F2B72863B781}" dt="2022-09-08T22:02:20.663" v="626" actId="478"/>
+          <ac:spMkLst>
+            <pc:docMk/>
+            <pc:sldMk cId="3596803717" sldId="287"/>
+            <ac:spMk id="37" creationId="{70BFFDE6-D3F0-B4E7-2300-C43CE075F903}"/>
+          </ac:spMkLst>
+        </pc:spChg>
+        <pc:spChg chg="add mod">
+          <ac:chgData name="James Hutchinson [jch233]" userId="0033b875-5cc3-4737-952c-3a06bb8a58cf" providerId="ADAL" clId="{775FFF9A-174F-400B-A7A3-F2B72863B781}" dt="2022-09-08T22:02:21.582" v="627"/>
+          <ac:spMkLst>
+            <pc:docMk/>
+            <pc:sldMk cId="3596803717" sldId="287"/>
+            <ac:spMk id="38" creationId="{D581CD42-1AFB-0B77-BF3A-CBD63C0BBE62}"/>
+          </ac:spMkLst>
+        </pc:spChg>
+        <pc:spChg chg="add mod">
+          <ac:chgData name="James Hutchinson [jch233]" userId="0033b875-5cc3-4737-952c-3a06bb8a58cf" providerId="ADAL" clId="{775FFF9A-174F-400B-A7A3-F2B72863B781}" dt="2022-09-08T22:02:21.582" v="627"/>
+          <ac:spMkLst>
+            <pc:docMk/>
+            <pc:sldMk cId="3596803717" sldId="287"/>
+            <ac:spMk id="39" creationId="{6CD72F09-E12A-63E0-D0B0-097C36CCECE3}"/>
+          </ac:spMkLst>
+        </pc:spChg>
+        <pc:spChg chg="add mod">
+          <ac:chgData name="James Hutchinson [jch233]" userId="0033b875-5cc3-4737-952c-3a06bb8a58cf" providerId="ADAL" clId="{775FFF9A-174F-400B-A7A3-F2B72863B781}" dt="2022-09-08T22:02:21.582" v="627"/>
+          <ac:spMkLst>
+            <pc:docMk/>
+            <pc:sldMk cId="3596803717" sldId="287"/>
+            <ac:spMk id="40" creationId="{65A6BD91-2683-E321-C0CE-F28D43903DB6}"/>
+          </ac:spMkLst>
+        </pc:spChg>
+        <pc:spChg chg="mod">
+          <ac:chgData name="James Hutchinson [jch233]" userId="0033b875-5cc3-4737-952c-3a06bb8a58cf" providerId="ADAL" clId="{775FFF9A-174F-400B-A7A3-F2B72863B781}" dt="2022-09-08T22:02:57.560" v="648" actId="20577"/>
+          <ac:spMkLst>
+            <pc:docMk/>
+            <pc:sldMk cId="3596803717" sldId="287"/>
+            <ac:spMk id="49" creationId="{E9004F15-7984-93B8-F12A-C8279E218F2E}"/>
+          </ac:spMkLst>
+        </pc:spChg>
+        <pc:spChg chg="add mod">
+          <ac:chgData name="James Hutchinson [jch233]" userId="0033b875-5cc3-4737-952c-3a06bb8a58cf" providerId="ADAL" clId="{775FFF9A-174F-400B-A7A3-F2B72863B781}" dt="2022-09-08T22:02:21.582" v="627"/>
+          <ac:spMkLst>
+            <pc:docMk/>
+            <pc:sldMk cId="3596803717" sldId="287"/>
+            <ac:spMk id="50" creationId="{6D53F8B6-DF37-84CB-9151-30480D6FCC3F}"/>
+          </ac:spMkLst>
+        </pc:spChg>
+        <pc:spChg chg="add mod">
+          <ac:chgData name="James Hutchinson [jch233]" userId="0033b875-5cc3-4737-952c-3a06bb8a58cf" providerId="ADAL" clId="{775FFF9A-174F-400B-A7A3-F2B72863B781}" dt="2022-09-08T22:02:21.582" v="627"/>
+          <ac:spMkLst>
+            <pc:docMk/>
+            <pc:sldMk cId="3596803717" sldId="287"/>
+            <ac:spMk id="52" creationId="{B865C80B-0E62-6E08-EB2A-C267151DA4F6}"/>
+          </ac:spMkLst>
+        </pc:spChg>
+        <pc:spChg chg="add mod">
+          <ac:chgData name="James Hutchinson [jch233]" userId="0033b875-5cc3-4737-952c-3a06bb8a58cf" providerId="ADAL" clId="{775FFF9A-174F-400B-A7A3-F2B72863B781}" dt="2022-09-08T22:02:21.582" v="627"/>
+          <ac:spMkLst>
+            <pc:docMk/>
+            <pc:sldMk cId="3596803717" sldId="287"/>
+            <ac:spMk id="53" creationId="{80E5E9F0-2A63-2242-7332-29038F53B29C}"/>
+          </ac:spMkLst>
+        </pc:spChg>
+        <pc:spChg chg="add mod">
+          <ac:chgData name="James Hutchinson [jch233]" userId="0033b875-5cc3-4737-952c-3a06bb8a58cf" providerId="ADAL" clId="{775FFF9A-174F-400B-A7A3-F2B72863B781}" dt="2022-09-08T22:02:21.582" v="627"/>
+          <ac:spMkLst>
+            <pc:docMk/>
+            <pc:sldMk cId="3596803717" sldId="287"/>
+            <ac:spMk id="54" creationId="{3E906ACC-39B6-344D-5385-710F5552A7B8}"/>
+          </ac:spMkLst>
+        </pc:spChg>
+        <pc:spChg chg="add mod">
+          <ac:chgData name="James Hutchinson [jch233]" userId="0033b875-5cc3-4737-952c-3a06bb8a58cf" providerId="ADAL" clId="{775FFF9A-174F-400B-A7A3-F2B72863B781}" dt="2022-09-08T22:02:21.582" v="627"/>
+          <ac:spMkLst>
+            <pc:docMk/>
+            <pc:sldMk cId="3596803717" sldId="287"/>
+            <ac:spMk id="55" creationId="{F833A740-7B67-6763-2117-BF6E4EE5AC3C}"/>
+          </ac:spMkLst>
+        </pc:spChg>
+        <pc:spChg chg="add mod">
+          <ac:chgData name="James Hutchinson [jch233]" userId="0033b875-5cc3-4737-952c-3a06bb8a58cf" providerId="ADAL" clId="{775FFF9A-174F-400B-A7A3-F2B72863B781}" dt="2022-09-08T22:02:21.582" v="627"/>
+          <ac:spMkLst>
+            <pc:docMk/>
+            <pc:sldMk cId="3596803717" sldId="287"/>
+            <ac:spMk id="56" creationId="{C30A7C26-7F99-892D-57F1-B1FC257971A9}"/>
+          </ac:spMkLst>
+        </pc:spChg>
+        <pc:spChg chg="add mod">
+          <ac:chgData name="James Hutchinson [jch233]" userId="0033b875-5cc3-4737-952c-3a06bb8a58cf" providerId="ADAL" clId="{775FFF9A-174F-400B-A7A3-F2B72863B781}" dt="2022-09-08T22:02:21.582" v="627"/>
+          <ac:spMkLst>
+            <pc:docMk/>
+            <pc:sldMk cId="3596803717" sldId="287"/>
+            <ac:spMk id="57" creationId="{52631C08-1A7B-87DB-8427-C11CA17CC093}"/>
+          </ac:spMkLst>
+        </pc:spChg>
+        <pc:spChg chg="add mod">
+          <ac:chgData name="James Hutchinson [jch233]" userId="0033b875-5cc3-4737-952c-3a06bb8a58cf" providerId="ADAL" clId="{775FFF9A-174F-400B-A7A3-F2B72863B781}" dt="2022-09-08T22:02:21.582" v="627"/>
+          <ac:spMkLst>
+            <pc:docMk/>
+            <pc:sldMk cId="3596803717" sldId="287"/>
+            <ac:spMk id="58" creationId="{85A1C06B-CED1-6145-2588-D25728F39DE5}"/>
+          </ac:spMkLst>
+        </pc:spChg>
+        <pc:spChg chg="add mod">
+          <ac:chgData name="James Hutchinson [jch233]" userId="0033b875-5cc3-4737-952c-3a06bb8a58cf" providerId="ADAL" clId="{775FFF9A-174F-400B-A7A3-F2B72863B781}" dt="2022-09-08T22:02:21.582" v="627"/>
+          <ac:spMkLst>
+            <pc:docMk/>
+            <pc:sldMk cId="3596803717" sldId="287"/>
+            <ac:spMk id="59" creationId="{98751ACF-2018-27A1-1F8F-09392F2D9C84}"/>
+          </ac:spMkLst>
+        </pc:spChg>
+        <pc:spChg chg="del">
+          <ac:chgData name="James Hutchinson [jch233]" userId="0033b875-5cc3-4737-952c-3a06bb8a58cf" providerId="ADAL" clId="{775FFF9A-174F-400B-A7A3-F2B72863B781}" dt="2022-09-08T22:02:20.663" v="626" actId="478"/>
+          <ac:spMkLst>
+            <pc:docMk/>
+            <pc:sldMk cId="3596803717" sldId="287"/>
+            <ac:spMk id="106" creationId="{89652AB0-D873-A317-00A9-3E87F9918F17}"/>
+          </ac:spMkLst>
+        </pc:spChg>
+      </pc:sldChg>
     </pc:docChg>
   </pc:docChgLst>
   <pc:docChgLst>
     <pc:chgData name="James Hutchinson [jch233]" userId="0033b875-5cc3-4737-952c-3a06bb8a58cf" providerId="ADAL" clId="{0A0D2418-BC2C-411F-B66C-A1BF787D5897}"/>
     <pc:docChg chg="undo custSel addSld delSld modSld sldOrd">
-      <pc:chgData name="James Hutchinson [jch233]" userId="0033b875-5cc3-4737-952c-3a06bb8a58cf" providerId="ADAL" clId="{0A0D2418-BC2C-411F-B66C-A1BF787D5897}" dt="2022-09-03T10:33:41.149" v="9431" actId="478"/>
+      <pc:chgData name="James Hutchinson [jch233]" userId="0033b875-5cc3-4737-952c-3a06bb8a58cf" providerId="ADAL" clId="{0A0D2418-BC2C-411F-B66C-A1BF787D5897}" dt="2022-09-12T08:57:33.088" v="9963" actId="207"/>
       <pc:docMkLst>
         <pc:docMk/>
       </pc:docMkLst>
@@ -7015,7 +7833,7 @@
         </pc:picChg>
       </pc:sldChg>
       <pc:sldChg chg="addSp delSp modSp new mod ord setBg setClrOvrMap">
-        <pc:chgData name="James Hutchinson [jch233]" userId="0033b875-5cc3-4737-952c-3a06bb8a58cf" providerId="ADAL" clId="{0A0D2418-BC2C-411F-B66C-A1BF787D5897}" dt="2022-08-29T01:16:45.916" v="8227" actId="20577"/>
+        <pc:chgData name="James Hutchinson [jch233]" userId="0033b875-5cc3-4737-952c-3a06bb8a58cf" providerId="ADAL" clId="{0A0D2418-BC2C-411F-B66C-A1BF787D5897}" dt="2022-09-12T08:57:04.391" v="9959" actId="20577"/>
         <pc:sldMkLst>
           <pc:docMk/>
           <pc:sldMk cId="1898881866" sldId="271"/>
@@ -7029,7 +7847,7 @@
           </ac:spMkLst>
         </pc:spChg>
         <pc:spChg chg="mod">
-          <ac:chgData name="James Hutchinson [jch233]" userId="0033b875-5cc3-4737-952c-3a06bb8a58cf" providerId="ADAL" clId="{0A0D2418-BC2C-411F-B66C-A1BF787D5897}" dt="2022-08-29T01:16:45.916" v="8227" actId="20577"/>
+          <ac:chgData name="James Hutchinson [jch233]" userId="0033b875-5cc3-4737-952c-3a06bb8a58cf" providerId="ADAL" clId="{0A0D2418-BC2C-411F-B66C-A1BF787D5897}" dt="2022-09-12T08:57:04.391" v="9959" actId="20577"/>
           <ac:spMkLst>
             <pc:docMk/>
             <pc:sldMk cId="1898881866" sldId="271"/>
@@ -8115,9 +8933,663 @@
           </ac:spMkLst>
         </pc:spChg>
       </pc:sldChg>
+      <pc:sldChg chg="addSp delSp new mod">
+        <pc:chgData name="James Hutchinson [jch233]" userId="0033b875-5cc3-4737-952c-3a06bb8a58cf" providerId="ADAL" clId="{0A0D2418-BC2C-411F-B66C-A1BF787D5897}" dt="2022-09-12T02:06:01.947" v="9434" actId="22"/>
+        <pc:sldMkLst>
+          <pc:docMk/>
+          <pc:sldMk cId="3626879066" sldId="288"/>
+        </pc:sldMkLst>
+        <pc:spChg chg="del">
+          <ac:chgData name="James Hutchinson [jch233]" userId="0033b875-5cc3-4737-952c-3a06bb8a58cf" providerId="ADAL" clId="{0A0D2418-BC2C-411F-B66C-A1BF787D5897}" dt="2022-09-12T02:05:53.971" v="9433" actId="478"/>
+          <ac:spMkLst>
+            <pc:docMk/>
+            <pc:sldMk cId="3626879066" sldId="288"/>
+            <ac:spMk id="2" creationId="{866EB3E1-5604-BD66-B727-0DDCD3A4D62F}"/>
+          </ac:spMkLst>
+        </pc:spChg>
+        <pc:picChg chg="add">
+          <ac:chgData name="James Hutchinson [jch233]" userId="0033b875-5cc3-4737-952c-3a06bb8a58cf" providerId="ADAL" clId="{0A0D2418-BC2C-411F-B66C-A1BF787D5897}" dt="2022-09-12T02:06:01.947" v="9434" actId="22"/>
+          <ac:picMkLst>
+            <pc:docMk/>
+            <pc:sldMk cId="3626879066" sldId="288"/>
+            <ac:picMk id="4" creationId="{3D355457-982C-309E-F54F-EC922067B45D}"/>
+          </ac:picMkLst>
+        </pc:picChg>
+      </pc:sldChg>
+      <pc:sldChg chg="addSp new mod">
+        <pc:chgData name="James Hutchinson [jch233]" userId="0033b875-5cc3-4737-952c-3a06bb8a58cf" providerId="ADAL" clId="{0A0D2418-BC2C-411F-B66C-A1BF787D5897}" dt="2022-09-12T02:07:52.532" v="9436" actId="22"/>
+        <pc:sldMkLst>
+          <pc:docMk/>
+          <pc:sldMk cId="4214542789" sldId="289"/>
+        </pc:sldMkLst>
+        <pc:picChg chg="add">
+          <ac:chgData name="James Hutchinson [jch233]" userId="0033b875-5cc3-4737-952c-3a06bb8a58cf" providerId="ADAL" clId="{0A0D2418-BC2C-411F-B66C-A1BF787D5897}" dt="2022-09-12T02:07:52.532" v="9436" actId="22"/>
+          <ac:picMkLst>
+            <pc:docMk/>
+            <pc:sldMk cId="4214542789" sldId="289"/>
+            <ac:picMk id="3" creationId="{20624ED5-6EF1-977F-4314-5F09FC87BAC1}"/>
+          </ac:picMkLst>
+        </pc:picChg>
+      </pc:sldChg>
+      <pc:sldChg chg="addSp delSp modSp new mod ord">
+        <pc:chgData name="James Hutchinson [jch233]" userId="0033b875-5cc3-4737-952c-3a06bb8a58cf" providerId="ADAL" clId="{0A0D2418-BC2C-411F-B66C-A1BF787D5897}" dt="2022-09-12T02:09:28.947" v="9443" actId="1076"/>
+        <pc:sldMkLst>
+          <pc:docMk/>
+          <pc:sldMk cId="805090397" sldId="290"/>
+        </pc:sldMkLst>
+        <pc:spChg chg="del">
+          <ac:chgData name="James Hutchinson [jch233]" userId="0033b875-5cc3-4737-952c-3a06bb8a58cf" providerId="ADAL" clId="{0A0D2418-BC2C-411F-B66C-A1BF787D5897}" dt="2022-09-12T02:08:13.610" v="9440" actId="478"/>
+          <ac:spMkLst>
+            <pc:docMk/>
+            <pc:sldMk cId="805090397" sldId="290"/>
+            <ac:spMk id="2" creationId="{17A5A222-CD9A-B9E3-5AE0-6D2655A26058}"/>
+          </ac:spMkLst>
+        </pc:spChg>
+        <pc:picChg chg="add mod">
+          <ac:chgData name="James Hutchinson [jch233]" userId="0033b875-5cc3-4737-952c-3a06bb8a58cf" providerId="ADAL" clId="{0A0D2418-BC2C-411F-B66C-A1BF787D5897}" dt="2022-09-12T02:09:28.947" v="9443" actId="1076"/>
+          <ac:picMkLst>
+            <pc:docMk/>
+            <pc:sldMk cId="805090397" sldId="290"/>
+            <ac:picMk id="4" creationId="{58742A59-C38A-7FC5-7024-28F0435EAF4F}"/>
+          </ac:picMkLst>
+        </pc:picChg>
+      </pc:sldChg>
+      <pc:sldChg chg="addSp new mod">
+        <pc:chgData name="James Hutchinson [jch233]" userId="0033b875-5cc3-4737-952c-3a06bb8a58cf" providerId="ADAL" clId="{0A0D2418-BC2C-411F-B66C-A1BF787D5897}" dt="2022-09-12T02:09:34.977" v="9445" actId="22"/>
+        <pc:sldMkLst>
+          <pc:docMk/>
+          <pc:sldMk cId="712763827" sldId="291"/>
+        </pc:sldMkLst>
+        <pc:picChg chg="add">
+          <ac:chgData name="James Hutchinson [jch233]" userId="0033b875-5cc3-4737-952c-3a06bb8a58cf" providerId="ADAL" clId="{0A0D2418-BC2C-411F-B66C-A1BF787D5897}" dt="2022-09-12T02:09:34.977" v="9445" actId="22"/>
+          <ac:picMkLst>
+            <pc:docMk/>
+            <pc:sldMk cId="712763827" sldId="291"/>
+            <ac:picMk id="3" creationId="{06C40020-E8C1-761B-F9F0-6F966A34AD45}"/>
+          </ac:picMkLst>
+        </pc:picChg>
+      </pc:sldChg>
+      <pc:sldChg chg="addSp modSp new mod">
+        <pc:chgData name="James Hutchinson [jch233]" userId="0033b875-5cc3-4737-952c-3a06bb8a58cf" providerId="ADAL" clId="{0A0D2418-BC2C-411F-B66C-A1BF787D5897}" dt="2022-09-12T02:10:04.471" v="9449" actId="1076"/>
+        <pc:sldMkLst>
+          <pc:docMk/>
+          <pc:sldMk cId="1383887712" sldId="292"/>
+        </pc:sldMkLst>
+        <pc:picChg chg="add mod">
+          <ac:chgData name="James Hutchinson [jch233]" userId="0033b875-5cc3-4737-952c-3a06bb8a58cf" providerId="ADAL" clId="{0A0D2418-BC2C-411F-B66C-A1BF787D5897}" dt="2022-09-12T02:10:04.471" v="9449" actId="1076"/>
+          <ac:picMkLst>
+            <pc:docMk/>
+            <pc:sldMk cId="1383887712" sldId="292"/>
+            <ac:picMk id="3" creationId="{BAA9889D-667C-8970-F3FA-6A7C168DE1EF}"/>
+          </ac:picMkLst>
+        </pc:picChg>
+      </pc:sldChg>
+      <pc:sldChg chg="addSp new mod">
+        <pc:chgData name="James Hutchinson [jch233]" userId="0033b875-5cc3-4737-952c-3a06bb8a58cf" providerId="ADAL" clId="{0A0D2418-BC2C-411F-B66C-A1BF787D5897}" dt="2022-09-12T02:10:26.537" v="9451" actId="22"/>
+        <pc:sldMkLst>
+          <pc:docMk/>
+          <pc:sldMk cId="2102181425" sldId="293"/>
+        </pc:sldMkLst>
+        <pc:picChg chg="add">
+          <ac:chgData name="James Hutchinson [jch233]" userId="0033b875-5cc3-4737-952c-3a06bb8a58cf" providerId="ADAL" clId="{0A0D2418-BC2C-411F-B66C-A1BF787D5897}" dt="2022-09-12T02:10:26.537" v="9451" actId="22"/>
+          <ac:picMkLst>
+            <pc:docMk/>
+            <pc:sldMk cId="2102181425" sldId="293"/>
+            <ac:picMk id="3" creationId="{47083A30-7731-3F85-9972-E57658DAA2B5}"/>
+          </ac:picMkLst>
+        </pc:picChg>
+      </pc:sldChg>
+      <pc:sldChg chg="addSp delSp modSp new mod">
+        <pc:chgData name="James Hutchinson [jch233]" userId="0033b875-5cc3-4737-952c-3a06bb8a58cf" providerId="ADAL" clId="{0A0D2418-BC2C-411F-B66C-A1BF787D5897}" dt="2022-09-12T02:32:30.840" v="9669" actId="20577"/>
+        <pc:sldMkLst>
+          <pc:docMk/>
+          <pc:sldMk cId="2466866526" sldId="294"/>
+        </pc:sldMkLst>
+        <pc:spChg chg="add mod">
+          <ac:chgData name="James Hutchinson [jch233]" userId="0033b875-5cc3-4737-952c-3a06bb8a58cf" providerId="ADAL" clId="{0A0D2418-BC2C-411F-B66C-A1BF787D5897}" dt="2022-09-12T02:32:30.840" v="9669" actId="20577"/>
+          <ac:spMkLst>
+            <pc:docMk/>
+            <pc:sldMk cId="2466866526" sldId="294"/>
+            <ac:spMk id="12" creationId="{973E11A9-2128-7B8C-1456-8F4A4B92E12E}"/>
+          </ac:spMkLst>
+        </pc:spChg>
+        <pc:picChg chg="add del mod">
+          <ac:chgData name="James Hutchinson [jch233]" userId="0033b875-5cc3-4737-952c-3a06bb8a58cf" providerId="ADAL" clId="{0A0D2418-BC2C-411F-B66C-A1BF787D5897}" dt="2022-09-12T02:20:06.214" v="9466" actId="478"/>
+          <ac:picMkLst>
+            <pc:docMk/>
+            <pc:sldMk cId="2466866526" sldId="294"/>
+            <ac:picMk id="3" creationId="{0B92DB7A-9CEE-879D-E1F0-64C69FD541E4}"/>
+          </ac:picMkLst>
+        </pc:picChg>
+        <pc:picChg chg="add del mod">
+          <ac:chgData name="James Hutchinson [jch233]" userId="0033b875-5cc3-4737-952c-3a06bb8a58cf" providerId="ADAL" clId="{0A0D2418-BC2C-411F-B66C-A1BF787D5897}" dt="2022-09-12T02:20:17.307" v="9471" actId="478"/>
+          <ac:picMkLst>
+            <pc:docMk/>
+            <pc:sldMk cId="2466866526" sldId="294"/>
+            <ac:picMk id="5" creationId="{04ACB2B0-B721-F11F-72D3-0420F7DF0A88}"/>
+          </ac:picMkLst>
+        </pc:picChg>
+        <pc:picChg chg="add mod">
+          <ac:chgData name="James Hutchinson [jch233]" userId="0033b875-5cc3-4737-952c-3a06bb8a58cf" providerId="ADAL" clId="{0A0D2418-BC2C-411F-B66C-A1BF787D5897}" dt="2022-09-12T02:20:45.312" v="9475" actId="1076"/>
+          <ac:picMkLst>
+            <pc:docMk/>
+            <pc:sldMk cId="2466866526" sldId="294"/>
+            <ac:picMk id="9" creationId="{61942B39-B36D-91A1-B919-40FA50AB4299}"/>
+          </ac:picMkLst>
+        </pc:picChg>
+        <pc:picChg chg="add mod">
+          <ac:chgData name="James Hutchinson [jch233]" userId="0033b875-5cc3-4737-952c-3a06bb8a58cf" providerId="ADAL" clId="{0A0D2418-BC2C-411F-B66C-A1BF787D5897}" dt="2022-09-12T02:20:43.289" v="9474" actId="1076"/>
+          <ac:picMkLst>
+            <pc:docMk/>
+            <pc:sldMk cId="2466866526" sldId="294"/>
+            <ac:picMk id="11" creationId="{9984A98B-44A7-A958-EFB4-796C9022447D}"/>
+          </ac:picMkLst>
+        </pc:picChg>
+        <pc:inkChg chg="add del">
+          <ac:chgData name="James Hutchinson [jch233]" userId="0033b875-5cc3-4737-952c-3a06bb8a58cf" providerId="ADAL" clId="{0A0D2418-BC2C-411F-B66C-A1BF787D5897}" dt="2022-09-12T02:20:10.742" v="9469" actId="478"/>
+          <ac:inkMkLst>
+            <pc:docMk/>
+            <pc:sldMk cId="2466866526" sldId="294"/>
+            <ac:inkMk id="6" creationId="{5ED0BB1E-597E-BDCC-5ED6-2FCA65D0C417}"/>
+          </ac:inkMkLst>
+        </pc:inkChg>
+        <pc:inkChg chg="add del">
+          <ac:chgData name="James Hutchinson [jch233]" userId="0033b875-5cc3-4737-952c-3a06bb8a58cf" providerId="ADAL" clId="{0A0D2418-BC2C-411F-B66C-A1BF787D5897}" dt="2022-09-12T02:20:19.434" v="9472" actId="478"/>
+          <ac:inkMkLst>
+            <pc:docMk/>
+            <pc:sldMk cId="2466866526" sldId="294"/>
+            <ac:inkMk id="7" creationId="{8CB9D48F-2BE3-9252-FFF0-61A2436947E2}"/>
+          </ac:inkMkLst>
+        </pc:inkChg>
+        <pc:inkChg chg="add">
+          <ac:chgData name="James Hutchinson [jch233]" userId="0033b875-5cc3-4737-952c-3a06bb8a58cf" providerId="ADAL" clId="{0A0D2418-BC2C-411F-B66C-A1BF787D5897}" dt="2022-09-12T02:21:29.972" v="9517" actId="9405"/>
+          <ac:inkMkLst>
+            <pc:docMk/>
+            <pc:sldMk cId="2466866526" sldId="294"/>
+            <ac:inkMk id="13" creationId="{B5F70BEC-1E29-4748-7CE4-AAFAD980F0DA}"/>
+          </ac:inkMkLst>
+        </pc:inkChg>
+        <pc:inkChg chg="add">
+          <ac:chgData name="James Hutchinson [jch233]" userId="0033b875-5cc3-4737-952c-3a06bb8a58cf" providerId="ADAL" clId="{0A0D2418-BC2C-411F-B66C-A1BF787D5897}" dt="2022-09-12T02:21:32.822" v="9518" actId="9405"/>
+          <ac:inkMkLst>
+            <pc:docMk/>
+            <pc:sldMk cId="2466866526" sldId="294"/>
+            <ac:inkMk id="14" creationId="{C8C5923A-A44A-8230-2A4C-F7B3AC00AC6A}"/>
+          </ac:inkMkLst>
+        </pc:inkChg>
+        <pc:inkChg chg="add del">
+          <ac:chgData name="James Hutchinson [jch233]" userId="0033b875-5cc3-4737-952c-3a06bb8a58cf" providerId="ADAL" clId="{0A0D2418-BC2C-411F-B66C-A1BF787D5897}" dt="2022-09-12T02:21:43.528" v="9520" actId="9405"/>
+          <ac:inkMkLst>
+            <pc:docMk/>
+            <pc:sldMk cId="2466866526" sldId="294"/>
+            <ac:inkMk id="15" creationId="{5E548F19-CBE1-00EA-61E6-46FB04482CB5}"/>
+          </ac:inkMkLst>
+        </pc:inkChg>
+      </pc:sldChg>
+      <pc:sldChg chg="addSp modSp new mod">
+        <pc:chgData name="James Hutchinson [jch233]" userId="0033b875-5cc3-4737-952c-3a06bb8a58cf" providerId="ADAL" clId="{0A0D2418-BC2C-411F-B66C-A1BF787D5897}" dt="2022-09-12T02:32:36.864" v="9670"/>
+        <pc:sldMkLst>
+          <pc:docMk/>
+          <pc:sldMk cId="1913287814" sldId="295"/>
+        </pc:sldMkLst>
+        <pc:spChg chg="add mod">
+          <ac:chgData name="James Hutchinson [jch233]" userId="0033b875-5cc3-4737-952c-3a06bb8a58cf" providerId="ADAL" clId="{0A0D2418-BC2C-411F-B66C-A1BF787D5897}" dt="2022-09-12T02:32:36.864" v="9670"/>
+          <ac:spMkLst>
+            <pc:docMk/>
+            <pc:sldMk cId="1913287814" sldId="295"/>
+            <ac:spMk id="4" creationId="{BA529C3E-3BDE-BCFE-4901-894DD52F6416}"/>
+          </ac:spMkLst>
+        </pc:spChg>
+        <pc:picChg chg="add mod">
+          <ac:chgData name="James Hutchinson [jch233]" userId="0033b875-5cc3-4737-952c-3a06bb8a58cf" providerId="ADAL" clId="{0A0D2418-BC2C-411F-B66C-A1BF787D5897}" dt="2022-09-12T02:22:39.104" v="9567" actId="1076"/>
+          <ac:picMkLst>
+            <pc:docMk/>
+            <pc:sldMk cId="1913287814" sldId="295"/>
+            <ac:picMk id="3" creationId="{37B29308-C316-A8F9-4352-552BBC1C6DDB}"/>
+          </ac:picMkLst>
+        </pc:picChg>
+      </pc:sldChg>
+      <pc:sldChg chg="addSp delSp modSp new mod">
+        <pc:chgData name="James Hutchinson [jch233]" userId="0033b875-5cc3-4737-952c-3a06bb8a58cf" providerId="ADAL" clId="{0A0D2418-BC2C-411F-B66C-A1BF787D5897}" dt="2022-09-12T02:32:39.008" v="9671"/>
+        <pc:sldMkLst>
+          <pc:docMk/>
+          <pc:sldMk cId="3692554158" sldId="296"/>
+        </pc:sldMkLst>
+        <pc:spChg chg="add mod">
+          <ac:chgData name="James Hutchinson [jch233]" userId="0033b875-5cc3-4737-952c-3a06bb8a58cf" providerId="ADAL" clId="{0A0D2418-BC2C-411F-B66C-A1BF787D5897}" dt="2022-09-12T02:32:39.008" v="9671"/>
+          <ac:spMkLst>
+            <pc:docMk/>
+            <pc:sldMk cId="3692554158" sldId="296"/>
+            <ac:spMk id="2" creationId="{3EE68B6E-849D-E4BF-AFC8-BF0DD9F3F4ED}"/>
+          </ac:spMkLst>
+        </pc:spChg>
+        <pc:picChg chg="add del mod">
+          <ac:chgData name="James Hutchinson [jch233]" userId="0033b875-5cc3-4737-952c-3a06bb8a58cf" providerId="ADAL" clId="{0A0D2418-BC2C-411F-B66C-A1BF787D5897}" dt="2022-09-12T02:29:38.090" v="9650" actId="478"/>
+          <ac:picMkLst>
+            <pc:docMk/>
+            <pc:sldMk cId="3692554158" sldId="296"/>
+            <ac:picMk id="4" creationId="{796D6215-A6C5-5BD4-FDF5-2E7AC4756B08}"/>
+          </ac:picMkLst>
+        </pc:picChg>
+        <pc:picChg chg="add mod">
+          <ac:chgData name="James Hutchinson [jch233]" userId="0033b875-5cc3-4737-952c-3a06bb8a58cf" providerId="ADAL" clId="{0A0D2418-BC2C-411F-B66C-A1BF787D5897}" dt="2022-09-12T02:30:24.649" v="9653" actId="1076"/>
+          <ac:picMkLst>
+            <pc:docMk/>
+            <pc:sldMk cId="3692554158" sldId="296"/>
+            <ac:picMk id="6" creationId="{A28FB05C-795D-F546-141B-2928EEF06B9C}"/>
+          </ac:picMkLst>
+        </pc:picChg>
+      </pc:sldChg>
+      <pc:sldChg chg="addSp delSp modSp new mod">
+        <pc:chgData name="James Hutchinson [jch233]" userId="0033b875-5cc3-4737-952c-3a06bb8a58cf" providerId="ADAL" clId="{0A0D2418-BC2C-411F-B66C-A1BF787D5897}" dt="2022-09-12T02:32:47.268" v="9674"/>
+        <pc:sldMkLst>
+          <pc:docMk/>
+          <pc:sldMk cId="2928064679" sldId="297"/>
+        </pc:sldMkLst>
+        <pc:spChg chg="add mod">
+          <ac:chgData name="James Hutchinson [jch233]" userId="0033b875-5cc3-4737-952c-3a06bb8a58cf" providerId="ADAL" clId="{0A0D2418-BC2C-411F-B66C-A1BF787D5897}" dt="2022-09-12T02:32:47.268" v="9674"/>
+          <ac:spMkLst>
+            <pc:docMk/>
+            <pc:sldMk cId="2928064679" sldId="297"/>
+            <ac:spMk id="2" creationId="{45253E4E-99F4-7B17-1AE6-1F6460B12EFD}"/>
+          </ac:spMkLst>
+        </pc:spChg>
+        <pc:picChg chg="add del mod">
+          <ac:chgData name="James Hutchinson [jch233]" userId="0033b875-5cc3-4737-952c-3a06bb8a58cf" providerId="ADAL" clId="{0A0D2418-BC2C-411F-B66C-A1BF787D5897}" dt="2022-09-12T02:30:49.537" v="9654" actId="478"/>
+          <ac:picMkLst>
+            <pc:docMk/>
+            <pc:sldMk cId="2928064679" sldId="297"/>
+            <ac:picMk id="4" creationId="{D494061F-0873-6C45-3C7D-FFA9217B58F8}"/>
+          </ac:picMkLst>
+        </pc:picChg>
+        <pc:picChg chg="add">
+          <ac:chgData name="James Hutchinson [jch233]" userId="0033b875-5cc3-4737-952c-3a06bb8a58cf" providerId="ADAL" clId="{0A0D2418-BC2C-411F-B66C-A1BF787D5897}" dt="2022-09-12T02:30:49.874" v="9655" actId="22"/>
+          <ac:picMkLst>
+            <pc:docMk/>
+            <pc:sldMk cId="2928064679" sldId="297"/>
+            <ac:picMk id="6" creationId="{A7A65703-FB23-5D4A-4F03-7A226AD16901}"/>
+          </ac:picMkLst>
+        </pc:picChg>
+      </pc:sldChg>
+      <pc:sldChg chg="addSp delSp modSp add mod">
+        <pc:chgData name="James Hutchinson [jch233]" userId="0033b875-5cc3-4737-952c-3a06bb8a58cf" providerId="ADAL" clId="{0A0D2418-BC2C-411F-B66C-A1BF787D5897}" dt="2022-09-12T02:32:41.320" v="9672"/>
+        <pc:sldMkLst>
+          <pc:docMk/>
+          <pc:sldMk cId="1631096744" sldId="298"/>
+        </pc:sldMkLst>
+        <pc:spChg chg="mod">
+          <ac:chgData name="James Hutchinson [jch233]" userId="0033b875-5cc3-4737-952c-3a06bb8a58cf" providerId="ADAL" clId="{0A0D2418-BC2C-411F-B66C-A1BF787D5897}" dt="2022-09-12T02:32:41.320" v="9672"/>
+          <ac:spMkLst>
+            <pc:docMk/>
+            <pc:sldMk cId="1631096744" sldId="298"/>
+            <ac:spMk id="2" creationId="{45253E4E-99F4-7B17-1AE6-1F6460B12EFD}"/>
+          </ac:spMkLst>
+        </pc:spChg>
+        <pc:picChg chg="del mod">
+          <ac:chgData name="James Hutchinson [jch233]" userId="0033b875-5cc3-4737-952c-3a06bb8a58cf" providerId="ADAL" clId="{0A0D2418-BC2C-411F-B66C-A1BF787D5897}" dt="2022-09-12T02:27:09.009" v="9628" actId="478"/>
+          <ac:picMkLst>
+            <pc:docMk/>
+            <pc:sldMk cId="1631096744" sldId="298"/>
+            <ac:picMk id="4" creationId="{D494061F-0873-6C45-3C7D-FFA9217B58F8}"/>
+          </ac:picMkLst>
+        </pc:picChg>
+        <pc:picChg chg="add del">
+          <ac:chgData name="James Hutchinson [jch233]" userId="0033b875-5cc3-4737-952c-3a06bb8a58cf" providerId="ADAL" clId="{0A0D2418-BC2C-411F-B66C-A1BF787D5897}" dt="2022-09-12T02:31:10.289" v="9656" actId="478"/>
+          <ac:picMkLst>
+            <pc:docMk/>
+            <pc:sldMk cId="1631096744" sldId="298"/>
+            <ac:picMk id="5" creationId="{7C0E53A2-4AED-048E-958A-8464181230EA}"/>
+          </ac:picMkLst>
+        </pc:picChg>
+        <pc:picChg chg="add">
+          <ac:chgData name="James Hutchinson [jch233]" userId="0033b875-5cc3-4737-952c-3a06bb8a58cf" providerId="ADAL" clId="{0A0D2418-BC2C-411F-B66C-A1BF787D5897}" dt="2022-09-12T02:31:10.717" v="9657" actId="22"/>
+          <ac:picMkLst>
+            <pc:docMk/>
+            <pc:sldMk cId="1631096744" sldId="298"/>
+            <ac:picMk id="7" creationId="{6F4393A3-3DB1-E308-4D45-783558B1BC27}"/>
+          </ac:picMkLst>
+        </pc:picChg>
+      </pc:sldChg>
+      <pc:sldChg chg="addSp delSp modSp add mod">
+        <pc:chgData name="James Hutchinson [jch233]" userId="0033b875-5cc3-4737-952c-3a06bb8a58cf" providerId="ADAL" clId="{0A0D2418-BC2C-411F-B66C-A1BF787D5897}" dt="2022-09-12T02:32:43.358" v="9673"/>
+        <pc:sldMkLst>
+          <pc:docMk/>
+          <pc:sldMk cId="2300879587" sldId="299"/>
+        </pc:sldMkLst>
+        <pc:spChg chg="mod">
+          <ac:chgData name="James Hutchinson [jch233]" userId="0033b875-5cc3-4737-952c-3a06bb8a58cf" providerId="ADAL" clId="{0A0D2418-BC2C-411F-B66C-A1BF787D5897}" dt="2022-09-12T02:32:43.358" v="9673"/>
+          <ac:spMkLst>
+            <pc:docMk/>
+            <pc:sldMk cId="2300879587" sldId="299"/>
+            <ac:spMk id="2" creationId="{45253E4E-99F4-7B17-1AE6-1F6460B12EFD}"/>
+          </ac:spMkLst>
+        </pc:spChg>
+        <pc:picChg chg="add mod">
+          <ac:chgData name="James Hutchinson [jch233]" userId="0033b875-5cc3-4737-952c-3a06bb8a58cf" providerId="ADAL" clId="{0A0D2418-BC2C-411F-B66C-A1BF787D5897}" dt="2022-09-12T02:31:39.481" v="9659" actId="1076"/>
+          <ac:picMkLst>
+            <pc:docMk/>
+            <pc:sldMk cId="2300879587" sldId="299"/>
+            <ac:picMk id="4" creationId="{7E6BC017-8286-BEA1-A2B6-7161348D5604}"/>
+          </ac:picMkLst>
+        </pc:picChg>
+        <pc:picChg chg="del">
+          <ac:chgData name="James Hutchinson [jch233]" userId="0033b875-5cc3-4737-952c-3a06bb8a58cf" providerId="ADAL" clId="{0A0D2418-BC2C-411F-B66C-A1BF787D5897}" dt="2022-09-12T02:27:49.799" v="9649" actId="478"/>
+          <ac:picMkLst>
+            <pc:docMk/>
+            <pc:sldMk cId="2300879587" sldId="299"/>
+            <ac:picMk id="5" creationId="{7C0E53A2-4AED-048E-958A-8464181230EA}"/>
+          </ac:picMkLst>
+        </pc:picChg>
+      </pc:sldChg>
+      <pc:sldChg chg="addSp delSp modSp new mod">
+        <pc:chgData name="James Hutchinson [jch233]" userId="0033b875-5cc3-4737-952c-3a06bb8a58cf" providerId="ADAL" clId="{0A0D2418-BC2C-411F-B66C-A1BF787D5897}" dt="2022-09-12T02:37:06.778" v="9723" actId="14100"/>
+        <pc:sldMkLst>
+          <pc:docMk/>
+          <pc:sldMk cId="2459700912" sldId="300"/>
+        </pc:sldMkLst>
+        <pc:spChg chg="add mod">
+          <ac:chgData name="James Hutchinson [jch233]" userId="0033b875-5cc3-4737-952c-3a06bb8a58cf" providerId="ADAL" clId="{0A0D2418-BC2C-411F-B66C-A1BF787D5897}" dt="2022-09-12T02:34:41.077" v="9717" actId="20577"/>
+          <ac:spMkLst>
+            <pc:docMk/>
+            <pc:sldMk cId="2459700912" sldId="300"/>
+            <ac:spMk id="4" creationId="{79774F09-D023-1DFB-9350-DA0F865B1B6D}"/>
+          </ac:spMkLst>
+        </pc:spChg>
+        <pc:picChg chg="add del mod">
+          <ac:chgData name="James Hutchinson [jch233]" userId="0033b875-5cc3-4737-952c-3a06bb8a58cf" providerId="ADAL" clId="{0A0D2418-BC2C-411F-B66C-A1BF787D5897}" dt="2022-09-12T02:36:55.471" v="9718" actId="478"/>
+          <ac:picMkLst>
+            <pc:docMk/>
+            <pc:sldMk cId="2459700912" sldId="300"/>
+            <ac:picMk id="3" creationId="{AC5BD384-1ADF-FEFC-FC43-9D8F6C825427}"/>
+          </ac:picMkLst>
+        </pc:picChg>
+        <pc:picChg chg="add mod">
+          <ac:chgData name="James Hutchinson [jch233]" userId="0033b875-5cc3-4737-952c-3a06bb8a58cf" providerId="ADAL" clId="{0A0D2418-BC2C-411F-B66C-A1BF787D5897}" dt="2022-09-12T02:37:06.778" v="9723" actId="14100"/>
+          <ac:picMkLst>
+            <pc:docMk/>
+            <pc:sldMk cId="2459700912" sldId="300"/>
+            <ac:picMk id="6" creationId="{F1AB073A-16B7-E5A9-0DD2-302307EA9360}"/>
+          </ac:picMkLst>
+        </pc:picChg>
+      </pc:sldChg>
+      <pc:sldChg chg="addSp delSp modSp add mod">
+        <pc:chgData name="James Hutchinson [jch233]" userId="0033b875-5cc3-4737-952c-3a06bb8a58cf" providerId="ADAL" clId="{0A0D2418-BC2C-411F-B66C-A1BF787D5897}" dt="2022-09-12T02:40:05.289" v="9805" actId="20577"/>
+        <pc:sldMkLst>
+          <pc:docMk/>
+          <pc:sldMk cId="460298925" sldId="301"/>
+        </pc:sldMkLst>
+        <pc:spChg chg="mod">
+          <ac:chgData name="James Hutchinson [jch233]" userId="0033b875-5cc3-4737-952c-3a06bb8a58cf" providerId="ADAL" clId="{0A0D2418-BC2C-411F-B66C-A1BF787D5897}" dt="2022-09-12T02:40:05.289" v="9805" actId="20577"/>
+          <ac:spMkLst>
+            <pc:docMk/>
+            <pc:sldMk cId="460298925" sldId="301"/>
+            <ac:spMk id="4" creationId="{79774F09-D023-1DFB-9350-DA0F865B1B6D}"/>
+          </ac:spMkLst>
+        </pc:spChg>
+        <pc:picChg chg="add mod">
+          <ac:chgData name="James Hutchinson [jch233]" userId="0033b875-5cc3-4737-952c-3a06bb8a58cf" providerId="ADAL" clId="{0A0D2418-BC2C-411F-B66C-A1BF787D5897}" dt="2022-09-12T02:38:00.763" v="9729" actId="14100"/>
+          <ac:picMkLst>
+            <pc:docMk/>
+            <pc:sldMk cId="460298925" sldId="301"/>
+            <ac:picMk id="3" creationId="{FDFF5BDB-0715-290C-8ADF-8ED7A52DB144}"/>
+          </ac:picMkLst>
+        </pc:picChg>
+        <pc:picChg chg="del">
+          <ac:chgData name="James Hutchinson [jch233]" userId="0033b875-5cc3-4737-952c-3a06bb8a58cf" providerId="ADAL" clId="{0A0D2418-BC2C-411F-B66C-A1BF787D5897}" dt="2022-09-12T02:37:22.966" v="9725" actId="478"/>
+          <ac:picMkLst>
+            <pc:docMk/>
+            <pc:sldMk cId="460298925" sldId="301"/>
+            <ac:picMk id="6" creationId="{F1AB073A-16B7-E5A9-0DD2-302307EA9360}"/>
+          </ac:picMkLst>
+        </pc:picChg>
+      </pc:sldChg>
+      <pc:sldChg chg="addSp delSp modSp add mod">
+        <pc:chgData name="James Hutchinson [jch233]" userId="0033b875-5cc3-4737-952c-3a06bb8a58cf" providerId="ADAL" clId="{0A0D2418-BC2C-411F-B66C-A1BF787D5897}" dt="2022-09-12T02:39:57.358" v="9804" actId="20577"/>
+        <pc:sldMkLst>
+          <pc:docMk/>
+          <pc:sldMk cId="2312548716" sldId="302"/>
+        </pc:sldMkLst>
+        <pc:spChg chg="mod">
+          <ac:chgData name="James Hutchinson [jch233]" userId="0033b875-5cc3-4737-952c-3a06bb8a58cf" providerId="ADAL" clId="{0A0D2418-BC2C-411F-B66C-A1BF787D5897}" dt="2022-09-12T02:39:57.358" v="9804" actId="20577"/>
+          <ac:spMkLst>
+            <pc:docMk/>
+            <pc:sldMk cId="2312548716" sldId="302"/>
+            <ac:spMk id="4" creationId="{79774F09-D023-1DFB-9350-DA0F865B1B6D}"/>
+          </ac:spMkLst>
+        </pc:spChg>
+        <pc:picChg chg="del">
+          <ac:chgData name="James Hutchinson [jch233]" userId="0033b875-5cc3-4737-952c-3a06bb8a58cf" providerId="ADAL" clId="{0A0D2418-BC2C-411F-B66C-A1BF787D5897}" dt="2022-09-12T02:39:38.422" v="9777" actId="478"/>
+          <ac:picMkLst>
+            <pc:docMk/>
+            <pc:sldMk cId="2312548716" sldId="302"/>
+            <ac:picMk id="3" creationId="{FDFF5BDB-0715-290C-8ADF-8ED7A52DB144}"/>
+          </ac:picMkLst>
+        </pc:picChg>
+        <pc:picChg chg="add mod">
+          <ac:chgData name="James Hutchinson [jch233]" userId="0033b875-5cc3-4737-952c-3a06bb8a58cf" providerId="ADAL" clId="{0A0D2418-BC2C-411F-B66C-A1BF787D5897}" dt="2022-09-12T02:39:40.955" v="9779" actId="1076"/>
+          <ac:picMkLst>
+            <pc:docMk/>
+            <pc:sldMk cId="2312548716" sldId="302"/>
+            <ac:picMk id="5" creationId="{407A6ADF-2E74-C41A-5CF1-A998B6287BBD}"/>
+          </ac:picMkLst>
+        </pc:picChg>
+      </pc:sldChg>
+      <pc:sldChg chg="addSp delSp modSp new mod">
+        <pc:chgData name="James Hutchinson [jch233]" userId="0033b875-5cc3-4737-952c-3a06bb8a58cf" providerId="ADAL" clId="{0A0D2418-BC2C-411F-B66C-A1BF787D5897}" dt="2022-09-12T08:53:16.485" v="9913" actId="20577"/>
+        <pc:sldMkLst>
+          <pc:docMk/>
+          <pc:sldMk cId="3982064419" sldId="303"/>
+        </pc:sldMkLst>
+        <pc:spChg chg="add mod">
+          <ac:chgData name="James Hutchinson [jch233]" userId="0033b875-5cc3-4737-952c-3a06bb8a58cf" providerId="ADAL" clId="{0A0D2418-BC2C-411F-B66C-A1BF787D5897}" dt="2022-09-12T08:53:16.485" v="9913" actId="20577"/>
+          <ac:spMkLst>
+            <pc:docMk/>
+            <pc:sldMk cId="3982064419" sldId="303"/>
+            <ac:spMk id="8" creationId="{DD41A1ED-3E87-17B4-963A-3CD04D6EF0A6}"/>
+          </ac:spMkLst>
+        </pc:spChg>
+        <pc:picChg chg="add del mod">
+          <ac:chgData name="James Hutchinson [jch233]" userId="0033b875-5cc3-4737-952c-3a06bb8a58cf" providerId="ADAL" clId="{0A0D2418-BC2C-411F-B66C-A1BF787D5897}" dt="2022-09-12T02:41:54.782" v="9810" actId="478"/>
+          <ac:picMkLst>
+            <pc:docMk/>
+            <pc:sldMk cId="3982064419" sldId="303"/>
+            <ac:picMk id="3" creationId="{9A43353E-D0CB-25AF-A51C-9272E03FE301}"/>
+          </ac:picMkLst>
+        </pc:picChg>
+        <pc:picChg chg="add mod">
+          <ac:chgData name="James Hutchinson [jch233]" userId="0033b875-5cc3-4737-952c-3a06bb8a58cf" providerId="ADAL" clId="{0A0D2418-BC2C-411F-B66C-A1BF787D5897}" dt="2022-09-12T02:42:01.667" v="9813" actId="1076"/>
+          <ac:picMkLst>
+            <pc:docMk/>
+            <pc:sldMk cId="3982064419" sldId="303"/>
+            <ac:picMk id="5" creationId="{1DE991E8-B77D-4248-6106-851BFC0614F6}"/>
+          </ac:picMkLst>
+        </pc:picChg>
+        <pc:picChg chg="add mod">
+          <ac:chgData name="James Hutchinson [jch233]" userId="0033b875-5cc3-4737-952c-3a06bb8a58cf" providerId="ADAL" clId="{0A0D2418-BC2C-411F-B66C-A1BF787D5897}" dt="2022-09-12T02:42:51.787" v="9815" actId="1076"/>
+          <ac:picMkLst>
+            <pc:docMk/>
+            <pc:sldMk cId="3982064419" sldId="303"/>
+            <ac:picMk id="7" creationId="{364909E6-2B6F-CC1C-6D94-9C17E9C63703}"/>
+          </ac:picMkLst>
+        </pc:picChg>
+      </pc:sldChg>
+      <pc:sldChg chg="addSp delSp modSp new mod">
+        <pc:chgData name="James Hutchinson [jch233]" userId="0033b875-5cc3-4737-952c-3a06bb8a58cf" providerId="ADAL" clId="{0A0D2418-BC2C-411F-B66C-A1BF787D5897}" dt="2022-09-12T08:53:03.961" v="9897" actId="14100"/>
+        <pc:sldMkLst>
+          <pc:docMk/>
+          <pc:sldMk cId="4127874286" sldId="304"/>
+        </pc:sldMkLst>
+        <pc:spChg chg="add mod">
+          <ac:chgData name="James Hutchinson [jch233]" userId="0033b875-5cc3-4737-952c-3a06bb8a58cf" providerId="ADAL" clId="{0A0D2418-BC2C-411F-B66C-A1BF787D5897}" dt="2022-09-12T08:53:03.961" v="9897" actId="14100"/>
+          <ac:spMkLst>
+            <pc:docMk/>
+            <pc:sldMk cId="4127874286" sldId="304"/>
+            <ac:spMk id="8" creationId="{BB55679D-A268-8F5E-1EB4-1C3F780D393D}"/>
+          </ac:spMkLst>
+        </pc:spChg>
+        <pc:picChg chg="add del mod">
+          <ac:chgData name="James Hutchinson [jch233]" userId="0033b875-5cc3-4737-952c-3a06bb8a58cf" providerId="ADAL" clId="{0A0D2418-BC2C-411F-B66C-A1BF787D5897}" dt="2022-09-12T02:46:20.232" v="9821" actId="478"/>
+          <ac:picMkLst>
+            <pc:docMk/>
+            <pc:sldMk cId="4127874286" sldId="304"/>
+            <ac:picMk id="3" creationId="{83B0FD56-8CFB-B856-DA82-C045772D8614}"/>
+          </ac:picMkLst>
+        </pc:picChg>
+        <pc:picChg chg="add mod">
+          <ac:chgData name="James Hutchinson [jch233]" userId="0033b875-5cc3-4737-952c-3a06bb8a58cf" providerId="ADAL" clId="{0A0D2418-BC2C-411F-B66C-A1BF787D5897}" dt="2022-09-12T08:52:00.055" v="9833" actId="1076"/>
+          <ac:picMkLst>
+            <pc:docMk/>
+            <pc:sldMk cId="4127874286" sldId="304"/>
+            <ac:picMk id="5" creationId="{5E9F0E4E-36D5-E68E-5B9A-2AFD5474543B}"/>
+          </ac:picMkLst>
+        </pc:picChg>
+        <pc:picChg chg="add mod">
+          <ac:chgData name="James Hutchinson [jch233]" userId="0033b875-5cc3-4737-952c-3a06bb8a58cf" providerId="ADAL" clId="{0A0D2418-BC2C-411F-B66C-A1BF787D5897}" dt="2022-09-12T08:51:57.790" v="9832" actId="1076"/>
+          <ac:picMkLst>
+            <pc:docMk/>
+            <pc:sldMk cId="4127874286" sldId="304"/>
+            <ac:picMk id="7" creationId="{0CC760B1-B7E4-A90C-22ED-5C59EFA1AF7B}"/>
+          </ac:picMkLst>
+        </pc:picChg>
+      </pc:sldChg>
+      <pc:sldChg chg="addSp modSp new mod">
+        <pc:chgData name="James Hutchinson [jch233]" userId="0033b875-5cc3-4737-952c-3a06bb8a58cf" providerId="ADAL" clId="{0A0D2418-BC2C-411F-B66C-A1BF787D5897}" dt="2022-09-12T08:52:58.294" v="9888" actId="1076"/>
+        <pc:sldMkLst>
+          <pc:docMk/>
+          <pc:sldMk cId="2283614738" sldId="305"/>
+        </pc:sldMkLst>
+        <pc:spChg chg="add mod">
+          <ac:chgData name="James Hutchinson [jch233]" userId="0033b875-5cc3-4737-952c-3a06bb8a58cf" providerId="ADAL" clId="{0A0D2418-BC2C-411F-B66C-A1BF787D5897}" dt="2022-09-12T08:52:58.294" v="9888" actId="1076"/>
+          <ac:spMkLst>
+            <pc:docMk/>
+            <pc:sldMk cId="2283614738" sldId="305"/>
+            <ac:spMk id="6" creationId="{C7E99C73-04B5-F827-8E07-BF1F291821E4}"/>
+          </ac:spMkLst>
+        </pc:spChg>
+        <pc:picChg chg="add mod">
+          <ac:chgData name="James Hutchinson [jch233]" userId="0033b875-5cc3-4737-952c-3a06bb8a58cf" providerId="ADAL" clId="{0A0D2418-BC2C-411F-B66C-A1BF787D5897}" dt="2022-09-12T08:52:27.322" v="9860" actId="1076"/>
+          <ac:picMkLst>
+            <pc:docMk/>
+            <pc:sldMk cId="2283614738" sldId="305"/>
+            <ac:picMk id="3" creationId="{003C688F-291F-0227-8A0E-9E4C8C9B9A0C}"/>
+          </ac:picMkLst>
+        </pc:picChg>
+        <pc:picChg chg="add mod">
+          <ac:chgData name="James Hutchinson [jch233]" userId="0033b875-5cc3-4737-952c-3a06bb8a58cf" providerId="ADAL" clId="{0A0D2418-BC2C-411F-B66C-A1BF787D5897}" dt="2022-09-12T08:52:33.209" v="9862" actId="1076"/>
+          <ac:picMkLst>
+            <pc:docMk/>
+            <pc:sldMk cId="2283614738" sldId="305"/>
+            <ac:picMk id="5" creationId="{E1EB4C47-03B4-0DB3-D7AB-C44924A0F2B8}"/>
+          </ac:picMkLst>
+        </pc:picChg>
+      </pc:sldChg>
+      <pc:sldChg chg="addSp modSp new mod">
+        <pc:chgData name="James Hutchinson [jch233]" userId="0033b875-5cc3-4737-952c-3a06bb8a58cf" providerId="ADAL" clId="{0A0D2418-BC2C-411F-B66C-A1BF787D5897}" dt="2022-09-12T08:56:28.570" v="9951" actId="20577"/>
+        <pc:sldMkLst>
+          <pc:docMk/>
+          <pc:sldMk cId="8986824" sldId="306"/>
+        </pc:sldMkLst>
+        <pc:spChg chg="add mod">
+          <ac:chgData name="James Hutchinson [jch233]" userId="0033b875-5cc3-4737-952c-3a06bb8a58cf" providerId="ADAL" clId="{0A0D2418-BC2C-411F-B66C-A1BF787D5897}" dt="2022-09-12T08:56:28.570" v="9951" actId="20577"/>
+          <ac:spMkLst>
+            <pc:docMk/>
+            <pc:sldMk cId="8986824" sldId="306"/>
+            <ac:spMk id="6" creationId="{ABB6AA15-D61B-1256-AC59-8417DB6FDC18}"/>
+          </ac:spMkLst>
+        </pc:spChg>
+        <pc:picChg chg="add mod">
+          <ac:chgData name="James Hutchinson [jch233]" userId="0033b875-5cc3-4737-952c-3a06bb8a58cf" providerId="ADAL" clId="{0A0D2418-BC2C-411F-B66C-A1BF787D5897}" dt="2022-09-12T08:54:45.703" v="9917" actId="14100"/>
+          <ac:picMkLst>
+            <pc:docMk/>
+            <pc:sldMk cId="8986824" sldId="306"/>
+            <ac:picMk id="3" creationId="{BB2A3F6F-4541-7BFA-28AB-856579F0F518}"/>
+          </ac:picMkLst>
+        </pc:picChg>
+        <pc:picChg chg="add mod">
+          <ac:chgData name="James Hutchinson [jch233]" userId="0033b875-5cc3-4737-952c-3a06bb8a58cf" providerId="ADAL" clId="{0A0D2418-BC2C-411F-B66C-A1BF787D5897}" dt="2022-09-12T08:55:59.345" v="9920" actId="14100"/>
+          <ac:picMkLst>
+            <pc:docMk/>
+            <pc:sldMk cId="8986824" sldId="306"/>
+            <ac:picMk id="5" creationId="{879EA1DA-6B86-917C-F4BB-F39D2E10F80C}"/>
+          </ac:picMkLst>
+        </pc:picChg>
+      </pc:sldChg>
+      <pc:sldChg chg="modSp add mod ord">
+        <pc:chgData name="James Hutchinson [jch233]" userId="0033b875-5cc3-4737-952c-3a06bb8a58cf" providerId="ADAL" clId="{0A0D2418-BC2C-411F-B66C-A1BF787D5897}" dt="2022-09-12T08:57:33.088" v="9963" actId="207"/>
+        <pc:sldMkLst>
+          <pc:docMk/>
+          <pc:sldMk cId="2695931271" sldId="307"/>
+        </pc:sldMkLst>
+        <pc:spChg chg="mod">
+          <ac:chgData name="James Hutchinson [jch233]" userId="0033b875-5cc3-4737-952c-3a06bb8a58cf" providerId="ADAL" clId="{0A0D2418-BC2C-411F-B66C-A1BF787D5897}" dt="2022-09-12T08:57:33.088" v="9963" actId="207"/>
+          <ac:spMkLst>
+            <pc:docMk/>
+            <pc:sldMk cId="2695931271" sldId="307"/>
+            <ac:spMk id="2" creationId="{39B90DEC-3B6D-DC78-F46B-64A05D692045}"/>
+          </ac:spMkLst>
+        </pc:spChg>
+      </pc:sldChg>
     </pc:docChg>
   </pc:docChgLst>
 </pc:chgInfo>
+</file>
+
+<file path=ppt/ink/ink1.xml><?xml version="1.0" encoding="utf-8"?>
+<inkml:ink xmlns:inkml="http://www.w3.org/2003/InkML">
+  <inkml:definitions>
+    <inkml:context xml:id="ctx0">
+      <inkml:inkSource xml:id="inkSrc0">
+        <inkml:traceFormat>
+          <inkml:channel name="X" type="integer" min="-2.14748E9" max="2.14748E9" units="cm"/>
+          <inkml:channel name="Y" type="integer" min="-2.14748E9" max="2.14748E9" units="cm"/>
+        </inkml:traceFormat>
+        <inkml:channelProperties>
+          <inkml:channelProperty channel="X" name="resolution" value="1000" units="1/cm"/>
+          <inkml:channelProperty channel="Y" name="resolution" value="1000" units="1/cm"/>
+        </inkml:channelProperties>
+      </inkml:inkSource>
+      <inkml:timestamp xml:id="ts0" timeString="2022-09-12T02:21:29.971"/>
+    </inkml:context>
+    <inkml:brush xml:id="br0">
+      <inkml:brushProperty name="width" value="0.3" units="cm"/>
+      <inkml:brushProperty name="height" value="0.6" units="cm"/>
+      <inkml:brushProperty name="color" value="#FFFC00"/>
+      <inkml:brushProperty name="tip" value="rectangle"/>
+      <inkml:brushProperty name="rasterOp" value="maskPen"/>
+      <inkml:brushProperty name="ignorePressure" value="1"/>
+    </inkml:brush>
+  </inkml:definitions>
+  <inkml:trace contextRef="#ctx0" brushRef="#br0">0 54,'0'-1,"0"0,1 0,-1 0,0 0,1 0,-1 1,1-1,-1 0,1 0,-1 0,1 0,0 1,-1-1,1 0,0 1,0-1,0 1,-1-1,1 1,0-1,0 1,0-1,0 1,0 0,0-1,0 1,1 0,31-5,-29 4,176-1,-19 1,-76-12,-57 8,45-3,243 8,-293 0</inkml:trace>
+</inkml:ink>
+</file>
+
+<file path=ppt/ink/ink2.xml><?xml version="1.0" encoding="utf-8"?>
+<inkml:ink xmlns:inkml="http://www.w3.org/2003/InkML">
+  <inkml:definitions>
+    <inkml:context xml:id="ctx0">
+      <inkml:inkSource xml:id="inkSrc0">
+        <inkml:traceFormat>
+          <inkml:channel name="X" type="integer" min="-2.14748E9" max="2.14748E9" units="cm"/>
+          <inkml:channel name="Y" type="integer" min="-2.14748E9" max="2.14748E9" units="cm"/>
+        </inkml:traceFormat>
+        <inkml:channelProperties>
+          <inkml:channelProperty channel="X" name="resolution" value="1000" units="1/cm"/>
+          <inkml:channelProperty channel="Y" name="resolution" value="1000" units="1/cm"/>
+        </inkml:channelProperties>
+      </inkml:inkSource>
+      <inkml:timestamp xml:id="ts0" timeString="2022-09-12T02:21:32.821"/>
+    </inkml:context>
+    <inkml:brush xml:id="br0">
+      <inkml:brushProperty name="width" value="0.3" units="cm"/>
+      <inkml:brushProperty name="height" value="0.6" units="cm"/>
+      <inkml:brushProperty name="color" value="#FFFC00"/>
+      <inkml:brushProperty name="tip" value="rectangle"/>
+      <inkml:brushProperty name="rasterOp" value="maskPen"/>
+      <inkml:brushProperty name="ignorePressure" value="1"/>
+    </inkml:brush>
+  </inkml:definitions>
+  <inkml:trace contextRef="#ctx0" brushRef="#br0">0 0,'30'2,"-1"2,1 0,-1 2,56 19,-55-15,0-1,0-1,1-2,43 3,13-11,-55 1,-1 1,0 1,53 8,-47-2,-1-2,1-1,38-2,-52-3</inkml:trace>
+</inkml:ink>
 </file>
 
 <file path=ppt/slideLayouts/slideLayout1.xml><?xml version="1.0" encoding="utf-8"?>
@@ -8269,7 +9741,7 @@
           <a:p>
             <a:fld id="{7ECD257F-D30B-4913-A0AB-F4493B31D898}" type="datetimeFigureOut">
               <a:rPr lang="en-NZ" smtClean="0"/>
-              <a:t>2/09/2022</a:t>
+              <a:t>12/09/2022</a:t>
             </a:fld>
             <a:endParaRPr lang="en-NZ"/>
           </a:p>
@@ -8469,7 +9941,7 @@
           <a:p>
             <a:fld id="{7ECD257F-D30B-4913-A0AB-F4493B31D898}" type="datetimeFigureOut">
               <a:rPr lang="en-NZ" smtClean="0"/>
-              <a:t>2/09/2022</a:t>
+              <a:t>12/09/2022</a:t>
             </a:fld>
             <a:endParaRPr lang="en-NZ"/>
           </a:p>
@@ -8679,7 +10151,7 @@
           <a:p>
             <a:fld id="{7ECD257F-D30B-4913-A0AB-F4493B31D898}" type="datetimeFigureOut">
               <a:rPr lang="en-NZ" smtClean="0"/>
-              <a:t>2/09/2022</a:t>
+              <a:t>12/09/2022</a:t>
             </a:fld>
             <a:endParaRPr lang="en-NZ"/>
           </a:p>
@@ -8879,7 +10351,7 @@
           <a:p>
             <a:fld id="{7ECD257F-D30B-4913-A0AB-F4493B31D898}" type="datetimeFigureOut">
               <a:rPr lang="en-NZ" smtClean="0"/>
-              <a:t>2/09/2022</a:t>
+              <a:t>12/09/2022</a:t>
             </a:fld>
             <a:endParaRPr lang="en-NZ"/>
           </a:p>
@@ -9155,7 +10627,7 @@
           <a:p>
             <a:fld id="{7ECD257F-D30B-4913-A0AB-F4493B31D898}" type="datetimeFigureOut">
               <a:rPr lang="en-NZ" smtClean="0"/>
-              <a:t>2/09/2022</a:t>
+              <a:t>12/09/2022</a:t>
             </a:fld>
             <a:endParaRPr lang="en-NZ"/>
           </a:p>
@@ -9423,7 +10895,7 @@
           <a:p>
             <a:fld id="{7ECD257F-D30B-4913-A0AB-F4493B31D898}" type="datetimeFigureOut">
               <a:rPr lang="en-NZ" smtClean="0"/>
-              <a:t>2/09/2022</a:t>
+              <a:t>12/09/2022</a:t>
             </a:fld>
             <a:endParaRPr lang="en-NZ"/>
           </a:p>
@@ -9838,7 +11310,7 @@
           <a:p>
             <a:fld id="{7ECD257F-D30B-4913-A0AB-F4493B31D898}" type="datetimeFigureOut">
               <a:rPr lang="en-NZ" smtClean="0"/>
-              <a:t>2/09/2022</a:t>
+              <a:t>12/09/2022</a:t>
             </a:fld>
             <a:endParaRPr lang="en-NZ"/>
           </a:p>
@@ -9980,7 +11452,7 @@
           <a:p>
             <a:fld id="{7ECD257F-D30B-4913-A0AB-F4493B31D898}" type="datetimeFigureOut">
               <a:rPr lang="en-NZ" smtClean="0"/>
-              <a:t>2/09/2022</a:t>
+              <a:t>12/09/2022</a:t>
             </a:fld>
             <a:endParaRPr lang="en-NZ"/>
           </a:p>
@@ -10093,7 +11565,7 @@
           <a:p>
             <a:fld id="{7ECD257F-D30B-4913-A0AB-F4493B31D898}" type="datetimeFigureOut">
               <a:rPr lang="en-NZ" smtClean="0"/>
-              <a:t>2/09/2022</a:t>
+              <a:t>12/09/2022</a:t>
             </a:fld>
             <a:endParaRPr lang="en-NZ"/>
           </a:p>
@@ -10406,7 +11878,7 @@
           <a:p>
             <a:fld id="{7ECD257F-D30B-4913-A0AB-F4493B31D898}" type="datetimeFigureOut">
               <a:rPr lang="en-NZ" smtClean="0"/>
-              <a:t>2/09/2022</a:t>
+              <a:t>12/09/2022</a:t>
             </a:fld>
             <a:endParaRPr lang="en-NZ"/>
           </a:p>
@@ -10695,7 +12167,7 @@
           <a:p>
             <a:fld id="{7ECD257F-D30B-4913-A0AB-F4493B31D898}" type="datetimeFigureOut">
               <a:rPr lang="en-NZ" smtClean="0"/>
-              <a:t>2/09/2022</a:t>
+              <a:t>12/09/2022</a:t>
             </a:fld>
             <a:endParaRPr lang="en-NZ"/>
           </a:p>
@@ -10938,7 +12410,7 @@
           <a:p>
             <a:fld id="{7ECD257F-D30B-4913-A0AB-F4493B31D898}" type="datetimeFigureOut">
               <a:rPr lang="en-NZ" smtClean="0"/>
-              <a:t>2/09/2022</a:t>
+              <a:t>12/09/2022</a:t>
             </a:fld>
             <a:endParaRPr lang="en-NZ"/>
           </a:p>
@@ -11795,7 +13267,7 @@
                   <a:schemeClr val="bg1"/>
                 </a:solidFill>
               </a:rPr>
-              <a:t>Mock HTML / CSS Pages</a:t>
+              <a:t>Mock HTML / Forms</a:t>
             </a:r>
           </a:p>
           <a:p>
@@ -11943,8 +13415,8 @@
         </p:nvSpPr>
         <p:spPr>
           <a:xfrm>
-            <a:off x="0" y="5551714"/>
-            <a:ext cx="12192000" cy="1306286"/>
+            <a:off x="0" y="5748512"/>
+            <a:ext cx="12192000" cy="1109488"/>
           </a:xfrm>
           <a:prstGeom prst="rect">
             <a:avLst/>
@@ -12366,7 +13838,7 @@
         </p:nvSpPr>
         <p:spPr>
           <a:xfrm>
-            <a:off x="567158" y="5751829"/>
+            <a:off x="567157" y="5891836"/>
             <a:ext cx="2045413" cy="798261"/>
           </a:xfrm>
           <a:prstGeom prst="rect">
@@ -12418,7 +13890,7 @@
         </p:nvSpPr>
         <p:spPr>
           <a:xfrm>
-            <a:off x="705832" y="5774066"/>
+            <a:off x="705832" y="5973571"/>
             <a:ext cx="1365812" cy="276999"/>
           </a:xfrm>
           <a:prstGeom prst="rect">
@@ -12492,7 +13964,7 @@
         </p:nvSpPr>
         <p:spPr>
           <a:xfrm>
-            <a:off x="673533" y="6066357"/>
+            <a:off x="673533" y="6265862"/>
             <a:ext cx="1365812" cy="276999"/>
           </a:xfrm>
           <a:prstGeom prst="rect">
@@ -12614,7 +14086,7 @@
         </p:nvSpPr>
         <p:spPr>
           <a:xfrm>
-            <a:off x="2067119" y="1705904"/>
+            <a:off x="1706941" y="2498779"/>
             <a:ext cx="2075666" cy="336640"/>
           </a:xfrm>
           <a:prstGeom prst="rect">
@@ -12883,8 +14355,8 @@
         </p:nvSpPr>
         <p:spPr>
           <a:xfrm>
-            <a:off x="840565" y="2259256"/>
-            <a:ext cx="2293100" cy="1730204"/>
+            <a:off x="840565" y="2891439"/>
+            <a:ext cx="1694374" cy="1413906"/>
           </a:xfrm>
           <a:prstGeom prst="rect">
             <a:avLst/>
@@ -12939,8 +14411,8 @@
         </p:nvCxnSpPr>
         <p:spPr>
           <a:xfrm>
-            <a:off x="840564" y="2299843"/>
-            <a:ext cx="2293100" cy="1689617"/>
+            <a:off x="840563" y="2901970"/>
+            <a:ext cx="1694376" cy="1389227"/>
           </a:xfrm>
           <a:prstGeom prst="line">
             <a:avLst/>
@@ -12982,8 +14454,8 @@
         </p:nvCxnSpPr>
         <p:spPr>
           <a:xfrm flipV="1">
-            <a:off x="840563" y="2283585"/>
-            <a:ext cx="2293102" cy="1721167"/>
+            <a:off x="840563" y="2950534"/>
+            <a:ext cx="1694376" cy="1370103"/>
           </a:xfrm>
           <a:prstGeom prst="line">
             <a:avLst/>
@@ -13023,7 +14495,7 @@
         </p:nvSpPr>
         <p:spPr>
           <a:xfrm>
-            <a:off x="867381" y="4053316"/>
+            <a:off x="867381" y="4369201"/>
             <a:ext cx="4573176" cy="917777"/>
           </a:xfrm>
           <a:prstGeom prst="rect">
@@ -13089,8 +14561,8 @@
         </p:nvSpPr>
         <p:spPr>
           <a:xfrm>
-            <a:off x="3178733" y="2259256"/>
-            <a:ext cx="1640404" cy="418538"/>
+            <a:off x="3203791" y="2950534"/>
+            <a:ext cx="1388187" cy="367638"/>
           </a:xfrm>
           <a:prstGeom prst="rect">
             <a:avLst/>
@@ -13153,8 +14625,8 @@
         </p:nvSpPr>
         <p:spPr>
           <a:xfrm>
-            <a:off x="3192332" y="2838066"/>
-            <a:ext cx="1640404" cy="418538"/>
+            <a:off x="3178733" y="3454109"/>
+            <a:ext cx="1388187" cy="367638"/>
           </a:xfrm>
           <a:prstGeom prst="rect">
             <a:avLst/>
@@ -13212,8 +14684,8 @@
         </p:nvSpPr>
         <p:spPr>
           <a:xfrm>
-            <a:off x="3192332" y="3423606"/>
-            <a:ext cx="1640404" cy="418538"/>
+            <a:off x="3165271" y="3930593"/>
+            <a:ext cx="1424090" cy="367638"/>
           </a:xfrm>
           <a:prstGeom prst="rect">
             <a:avLst/>
@@ -13271,8 +14743,8 @@
         </p:nvSpPr>
         <p:spPr>
           <a:xfrm>
-            <a:off x="1243119" y="5071112"/>
-            <a:ext cx="1355632" cy="401216"/>
+            <a:off x="978722" y="5364982"/>
+            <a:ext cx="951441" cy="309162"/>
           </a:xfrm>
           <a:prstGeom prst="rect">
             <a:avLst/>
@@ -13330,8 +14802,8 @@
         </p:nvSpPr>
         <p:spPr>
           <a:xfrm>
-            <a:off x="3068206" y="5052196"/>
-            <a:ext cx="1355632" cy="401216"/>
+            <a:off x="2035908" y="5353529"/>
+            <a:ext cx="951441" cy="336910"/>
           </a:xfrm>
           <a:prstGeom prst="rect">
             <a:avLst/>
@@ -13873,6 +15345,179 @@
             <a:r>
               <a:rPr lang="en-NZ" sz="1200" dirty="0"/>
               <a:t>&lt;&lt;section&gt;&gt;</a:t>
+            </a:r>
+          </a:p>
+        </p:txBody>
+      </p:sp>
+      <p:sp>
+        <p:nvSpPr>
+          <p:cNvPr id="24" name="Rectangle 23">
+            <a:extLst>
+              <a:ext uri="{FF2B5EF4-FFF2-40B4-BE49-F238E27FC236}">
+                <a16:creationId xmlns:a16="http://schemas.microsoft.com/office/drawing/2014/main" id="{C67E0A9F-36EF-37D2-BE6A-39BEC6224357}"/>
+              </a:ext>
+            </a:extLst>
+          </p:cNvPr>
+          <p:cNvSpPr/>
+          <p:nvPr/>
+        </p:nvSpPr>
+        <p:spPr>
+          <a:xfrm>
+            <a:off x="1750173" y="1629598"/>
+            <a:ext cx="1992747" cy="791177"/>
+          </a:xfrm>
+          <a:prstGeom prst="rect">
+            <a:avLst/>
+          </a:prstGeom>
+          <a:noFill/>
+          <a:ln>
+            <a:solidFill>
+              <a:schemeClr val="tx1"/>
+            </a:solidFill>
+          </a:ln>
+        </p:spPr>
+        <p:style>
+          <a:lnRef idx="2">
+            <a:schemeClr val="accent1">
+              <a:shade val="50000"/>
+            </a:schemeClr>
+          </a:lnRef>
+          <a:fillRef idx="1">
+            <a:schemeClr val="accent1"/>
+          </a:fillRef>
+          <a:effectRef idx="0">
+            <a:schemeClr val="accent1"/>
+          </a:effectRef>
+          <a:fontRef idx="minor">
+            <a:schemeClr val="lt1"/>
+          </a:fontRef>
+        </p:style>
+        <p:txBody>
+          <a:bodyPr rtlCol="0" anchor="ctr"/>
+          <a:lstStyle/>
+          <a:p>
+            <a:pPr algn="ctr"/>
+            <a:endParaRPr lang="en-NZ"/>
+          </a:p>
+        </p:txBody>
+      </p:sp>
+      <p:cxnSp>
+        <p:nvCxnSpPr>
+          <p:cNvPr id="28" name="Straight Connector 27">
+            <a:extLst>
+              <a:ext uri="{FF2B5EF4-FFF2-40B4-BE49-F238E27FC236}">
+                <a16:creationId xmlns:a16="http://schemas.microsoft.com/office/drawing/2014/main" id="{697CA807-49A0-48E5-3C6D-E19D268443EA}"/>
+              </a:ext>
+            </a:extLst>
+          </p:cNvPr>
+          <p:cNvCxnSpPr>
+            <a:cxnSpLocks/>
+          </p:cNvCxnSpPr>
+          <p:nvPr/>
+        </p:nvCxnSpPr>
+        <p:spPr>
+          <a:xfrm>
+            <a:off x="1755985" y="1618433"/>
+            <a:ext cx="1967478" cy="787189"/>
+          </a:xfrm>
+          <a:prstGeom prst="line">
+            <a:avLst/>
+          </a:prstGeom>
+          <a:ln>
+            <a:solidFill>
+              <a:schemeClr val="tx1"/>
+            </a:solidFill>
+          </a:ln>
+        </p:spPr>
+        <p:style>
+          <a:lnRef idx="1">
+            <a:schemeClr val="accent1"/>
+          </a:lnRef>
+          <a:fillRef idx="0">
+            <a:schemeClr val="accent1"/>
+          </a:fillRef>
+          <a:effectRef idx="0">
+            <a:schemeClr val="accent1"/>
+          </a:effectRef>
+          <a:fontRef idx="minor">
+            <a:schemeClr val="tx1"/>
+          </a:fontRef>
+        </p:style>
+      </p:cxnSp>
+      <p:cxnSp>
+        <p:nvCxnSpPr>
+          <p:cNvPr id="31" name="Straight Connector 30">
+            <a:extLst>
+              <a:ext uri="{FF2B5EF4-FFF2-40B4-BE49-F238E27FC236}">
+                <a16:creationId xmlns:a16="http://schemas.microsoft.com/office/drawing/2014/main" id="{51E77C8F-8012-CA0B-405C-B817DA0A681A}"/>
+              </a:ext>
+            </a:extLst>
+          </p:cNvPr>
+          <p:cNvCxnSpPr>
+            <a:cxnSpLocks/>
+          </p:cNvCxnSpPr>
+          <p:nvPr/>
+        </p:nvCxnSpPr>
+        <p:spPr>
+          <a:xfrm flipV="1">
+            <a:off x="1762868" y="1660387"/>
+            <a:ext cx="1960595" cy="729895"/>
+          </a:xfrm>
+          <a:prstGeom prst="line">
+            <a:avLst/>
+          </a:prstGeom>
+          <a:ln>
+            <a:solidFill>
+              <a:schemeClr val="tx1"/>
+            </a:solidFill>
+          </a:ln>
+        </p:spPr>
+        <p:style>
+          <a:lnRef idx="1">
+            <a:schemeClr val="accent1"/>
+          </a:lnRef>
+          <a:fillRef idx="0">
+            <a:schemeClr val="accent1"/>
+          </a:fillRef>
+          <a:effectRef idx="0">
+            <a:schemeClr val="accent1"/>
+          </a:effectRef>
+          <a:fontRef idx="minor">
+            <a:schemeClr val="tx1"/>
+          </a:fontRef>
+        </p:style>
+      </p:cxnSp>
+      <p:sp>
+        <p:nvSpPr>
+          <p:cNvPr id="32" name="TextBox 31">
+            <a:extLst>
+              <a:ext uri="{FF2B5EF4-FFF2-40B4-BE49-F238E27FC236}">
+                <a16:creationId xmlns:a16="http://schemas.microsoft.com/office/drawing/2014/main" id="{0A03D79F-A7CE-06BD-E2C8-9C9952D1CF4E}"/>
+              </a:ext>
+            </a:extLst>
+          </p:cNvPr>
+          <p:cNvSpPr txBox="1"/>
+          <p:nvPr/>
+        </p:nvSpPr>
+        <p:spPr>
+          <a:xfrm>
+            <a:off x="2295614" y="1631962"/>
+            <a:ext cx="1117191" cy="276999"/>
+          </a:xfrm>
+          <a:prstGeom prst="rect">
+            <a:avLst/>
+          </a:prstGeom>
+          <a:noFill/>
+        </p:spPr>
+        <p:txBody>
+          <a:bodyPr wrap="square" rtlCol="0">
+            <a:spAutoFit/>
+          </a:bodyPr>
+          <a:lstStyle/>
+          <a:p>
+            <a:r>
+              <a:rPr lang="en-NZ" sz="1200" dirty="0"/>
+              <a:t>Business logo</a:t>
             </a:r>
           </a:p>
         </p:txBody>
@@ -14503,7 +16148,7 @@
                   <a:srgbClr val="FF0000"/>
                 </a:solidFill>
               </a:rPr>
-              <a:t>Activity page (not implementing static)</a:t>
+              <a:t>Activity page (not implementing)</a:t>
             </a:r>
           </a:p>
         </p:txBody>
@@ -17854,7 +19499,7 @@
                   <a:srgbClr val="FF0000"/>
                 </a:solidFill>
               </a:rPr>
-              <a:t>Cart / Checkout page (not implementing static)</a:t>
+              <a:t>Cart / Checkout page (not implementing)</a:t>
             </a:r>
           </a:p>
         </p:txBody>
@@ -20999,8 +22644,8 @@
         </p:nvSpPr>
         <p:spPr>
           <a:xfrm>
-            <a:off x="4566920" y="-8261"/>
-            <a:ext cx="2717800" cy="369332"/>
+            <a:off x="3907789" y="0"/>
+            <a:ext cx="3937000" cy="369332"/>
           </a:xfrm>
           <a:prstGeom prst="rect">
             <a:avLst/>
@@ -21019,7 +22664,7 @@
                   <a:srgbClr val="FF0000"/>
                 </a:solidFill>
               </a:rPr>
-              <a:t>Business users page</a:t>
+              <a:t>Business users page (not implementing)</a:t>
             </a:r>
           </a:p>
         </p:txBody>
@@ -23807,7 +25452,7 @@
             </a:r>
             <a:r>
               <a:rPr lang="en-NZ" sz="2400" dirty="0"/>
-              <a:t>As a buyer I should be able to purchase items</a:t>
+              <a:t>As a buyer I should be able to Search listings</a:t>
             </a:r>
             <a:endParaRPr lang="en-NZ" dirty="0"/>
           </a:p>
@@ -23846,7 +25491,7 @@
             </a:pPr>
             <a:r>
               <a:rPr lang="en-NZ" sz="2000" b="1" dirty="0"/>
-              <a:t>Scenario – I purchase a box of stainless-steel screws for $80 shipping included</a:t>
+              <a:t>Scenario – I search for ‘apples’ on listing page </a:t>
             </a:r>
           </a:p>
           <a:p>
@@ -23864,7 +25509,7 @@
             </a:pPr>
             <a:r>
               <a:rPr lang="en-NZ" sz="2000" dirty="0"/>
-              <a:t>When I purchase the item </a:t>
+              <a:t>And there is listings for ‘apples’</a:t>
             </a:r>
           </a:p>
           <a:p>
@@ -23873,7 +25518,7 @@
             </a:pPr>
             <a:r>
               <a:rPr lang="en-NZ" sz="2000" dirty="0"/>
-              <a:t>And checkout </a:t>
+              <a:t>When I type ‘apples’ in the search input </a:t>
             </a:r>
           </a:p>
           <a:p>
@@ -23882,7 +25527,7 @@
             </a:pPr>
             <a:r>
               <a:rPr lang="en-NZ" sz="2000" dirty="0"/>
-              <a:t>And confirm purchase from the cart page</a:t>
+              <a:t>And click search button</a:t>
             </a:r>
           </a:p>
           <a:p>
@@ -23891,16 +25536,7 @@
             </a:pPr>
             <a:r>
               <a:rPr lang="en-NZ" sz="2000" dirty="0"/>
-              <a:t>Then my business will get an invoice of $80 </a:t>
-            </a:r>
-          </a:p>
-          <a:p>
-            <a:pPr marL="0" indent="0">
-              <a:buNone/>
-            </a:pPr>
-            <a:r>
-              <a:rPr lang="en-NZ" sz="2000" dirty="0"/>
-              <a:t>And the screws are sent to my address</a:t>
+              <a:t>Then all the listings with ‘apples’ in the category name or description should be displayed</a:t>
             </a:r>
           </a:p>
         </p:txBody>
@@ -24103,7 +25739,7 @@
             </a:pPr>
             <a:r>
               <a:rPr lang="en-NZ" sz="2000" b="1" dirty="0"/>
-              <a:t>Scenario – I purchase a motorbike for $8000 shipping included</a:t>
+              <a:t>Scenario – I search for ‘cauliflower’ on listing page </a:t>
             </a:r>
           </a:p>
           <a:p>
@@ -24123,7 +25759,7 @@
             </a:pPr>
             <a:r>
               <a:rPr lang="en-NZ" sz="2000" dirty="0"/>
-              <a:t>But my business has overdue payments to the motorbike business </a:t>
+              <a:t>But there is no listing for ‘cauliflower’</a:t>
             </a:r>
           </a:p>
           <a:p>
@@ -24133,7 +25769,7 @@
             </a:pPr>
             <a:r>
               <a:rPr lang="en-NZ" sz="2000" dirty="0"/>
-              <a:t>When I purchase the item </a:t>
+              <a:t>When I type ‘cauliflower’ in the search input </a:t>
             </a:r>
           </a:p>
           <a:p>
@@ -24143,7 +25779,7 @@
             </a:pPr>
             <a:r>
               <a:rPr lang="en-NZ" sz="2000" dirty="0"/>
-              <a:t>And checkout </a:t>
+              <a:t>And click search button</a:t>
             </a:r>
           </a:p>
           <a:p>
@@ -24153,7 +25789,7 @@
             </a:pPr>
             <a:r>
               <a:rPr lang="en-NZ" sz="2000" dirty="0"/>
-              <a:t>And confirm purchase from the cart page</a:t>
+              <a:t>Then there will be no listings shown</a:t>
             </a:r>
           </a:p>
           <a:p>
@@ -24163,17 +25799,15 @@
             </a:pPr>
             <a:r>
               <a:rPr lang="en-NZ" sz="2000" dirty="0"/>
-              <a:t>Then my business will get an email saying they won’t release the motorbike until debt is paid </a:t>
-            </a:r>
-          </a:p>
-          <a:p>
-            <a:pPr marL="0" indent="0">
-              <a:buFont typeface="Arial" panose="020B0604020202020204" pitchFamily="34" charset="0"/>
-              <a:buNone/>
-            </a:pPr>
+              <a:t>And a message will </a:t>
+            </a:r>
+            <a:r>
+              <a:rPr lang="en-NZ" sz="2000" dirty="0" err="1"/>
+              <a:t>promp</a:t>
+            </a:r>
             <a:r>
               <a:rPr lang="en-NZ" sz="2000" dirty="0"/>
-              <a:t>And the purchase will be flagged</a:t>
+              <a:t> stating ‘No Results Found’</a:t>
             </a:r>
           </a:p>
         </p:txBody>
@@ -24242,7 +25876,7 @@
             </a:r>
             <a:r>
               <a:rPr lang="en-NZ" sz="2400" dirty="0"/>
-              <a:t>As a seller I should be able to add items to my account to sell </a:t>
+              <a:t>As a seller I should be able to add listings to my account to sell </a:t>
             </a:r>
             <a:endParaRPr lang="en-NZ" dirty="0"/>
           </a:p>
@@ -24281,7 +25915,7 @@
             </a:pPr>
             <a:r>
               <a:rPr lang="en-NZ" sz="2000" b="1" dirty="0"/>
-              <a:t>Scenario – I add an item with all the required information</a:t>
+              <a:t>Scenario – I add a listing with all the required information</a:t>
             </a:r>
           </a:p>
           <a:p>
@@ -24511,7 +26145,7 @@
             </a:pPr>
             <a:r>
               <a:rPr lang="en-NZ" sz="2000" b="1" dirty="0"/>
-              <a:t>Scenario – I add an item but do not input product price</a:t>
+              <a:t>Scenario – I add a listing but do not input product price</a:t>
             </a:r>
           </a:p>
           <a:p>
@@ -26029,10 +27663,780 @@
           <a:chExt cx="0" cy="0"/>
         </a:xfrm>
       </p:grpSpPr>
+      <p:pic>
+        <p:nvPicPr>
+          <p:cNvPr id="3" name="Picture 2">
+            <a:extLst>
+              <a:ext uri="{FF2B5EF4-FFF2-40B4-BE49-F238E27FC236}">
+                <a16:creationId xmlns:a16="http://schemas.microsoft.com/office/drawing/2014/main" id="{CA16E82F-7123-4CC4-1C13-3F819BFD0888}"/>
+              </a:ext>
+            </a:extLst>
+          </p:cNvPr>
+          <p:cNvPicPr>
+            <a:picLocks noChangeAspect="1"/>
+          </p:cNvPicPr>
+          <p:nvPr/>
+        </p:nvPicPr>
+        <p:blipFill>
+          <a:blip r:embed="rId2"/>
+          <a:stretch>
+            <a:fillRect/>
+          </a:stretch>
+        </p:blipFill>
+        <p:spPr>
+          <a:xfrm>
+            <a:off x="1014608" y="224444"/>
+            <a:ext cx="3202985" cy="2287847"/>
+          </a:xfrm>
+          <a:prstGeom prst="rect">
+            <a:avLst/>
+          </a:prstGeom>
+        </p:spPr>
+      </p:pic>
+      <p:pic>
+        <p:nvPicPr>
+          <p:cNvPr id="5" name="Picture 4">
+            <a:extLst>
+              <a:ext uri="{FF2B5EF4-FFF2-40B4-BE49-F238E27FC236}">
+                <a16:creationId xmlns:a16="http://schemas.microsoft.com/office/drawing/2014/main" id="{3EA26951-3D08-F21D-A706-BC32A052B933}"/>
+              </a:ext>
+            </a:extLst>
+          </p:cNvPr>
+          <p:cNvPicPr>
+            <a:picLocks noChangeAspect="1"/>
+          </p:cNvPicPr>
+          <p:nvPr/>
+        </p:nvPicPr>
+        <p:blipFill>
+          <a:blip r:embed="rId3"/>
+          <a:stretch>
+            <a:fillRect/>
+          </a:stretch>
+        </p:blipFill>
+        <p:spPr>
+          <a:xfrm>
+            <a:off x="940370" y="2583295"/>
+            <a:ext cx="4027291" cy="2635250"/>
+          </a:xfrm>
+          <a:prstGeom prst="rect">
+            <a:avLst/>
+          </a:prstGeom>
+        </p:spPr>
+      </p:pic>
+      <p:pic>
+        <p:nvPicPr>
+          <p:cNvPr id="7" name="Picture 6">
+            <a:extLst>
+              <a:ext uri="{FF2B5EF4-FFF2-40B4-BE49-F238E27FC236}">
+                <a16:creationId xmlns:a16="http://schemas.microsoft.com/office/drawing/2014/main" id="{06FD91F8-FC72-5C2F-69E5-8BA786C9BC26}"/>
+              </a:ext>
+            </a:extLst>
+          </p:cNvPr>
+          <p:cNvPicPr>
+            <a:picLocks noChangeAspect="1"/>
+          </p:cNvPicPr>
+          <p:nvPr/>
+        </p:nvPicPr>
+        <p:blipFill>
+          <a:blip r:embed="rId4"/>
+          <a:stretch>
+            <a:fillRect/>
+          </a:stretch>
+        </p:blipFill>
+        <p:spPr>
+          <a:xfrm>
+            <a:off x="1014608" y="5374120"/>
+            <a:ext cx="3295650" cy="857250"/>
+          </a:xfrm>
+          <a:prstGeom prst="rect">
+            <a:avLst/>
+          </a:prstGeom>
+        </p:spPr>
+      </p:pic>
+      <p:pic>
+        <p:nvPicPr>
+          <p:cNvPr id="9" name="Picture 8">
+            <a:extLst>
+              <a:ext uri="{FF2B5EF4-FFF2-40B4-BE49-F238E27FC236}">
+                <a16:creationId xmlns:a16="http://schemas.microsoft.com/office/drawing/2014/main" id="{EA2032D6-D18A-F107-FE8A-47285F2089AB}"/>
+              </a:ext>
+            </a:extLst>
+          </p:cNvPr>
+          <p:cNvPicPr>
+            <a:picLocks noChangeAspect="1"/>
+          </p:cNvPicPr>
+          <p:nvPr/>
+        </p:nvPicPr>
+        <p:blipFill>
+          <a:blip r:embed="rId5"/>
+          <a:stretch>
+            <a:fillRect/>
+          </a:stretch>
+        </p:blipFill>
+        <p:spPr>
+          <a:xfrm>
+            <a:off x="6870700" y="224444"/>
+            <a:ext cx="4122882" cy="2410838"/>
+          </a:xfrm>
+          <a:prstGeom prst="rect">
+            <a:avLst/>
+          </a:prstGeom>
+        </p:spPr>
+      </p:pic>
+      <p:pic>
+        <p:nvPicPr>
+          <p:cNvPr id="11" name="Picture 10">
+            <a:extLst>
+              <a:ext uri="{FF2B5EF4-FFF2-40B4-BE49-F238E27FC236}">
+                <a16:creationId xmlns:a16="http://schemas.microsoft.com/office/drawing/2014/main" id="{6449BFBE-264A-AA91-93B3-749B6A9CFD58}"/>
+              </a:ext>
+            </a:extLst>
+          </p:cNvPr>
+          <p:cNvPicPr>
+            <a:picLocks noChangeAspect="1"/>
+          </p:cNvPicPr>
+          <p:nvPr/>
+        </p:nvPicPr>
+        <p:blipFill>
+          <a:blip r:embed="rId6"/>
+          <a:stretch>
+            <a:fillRect/>
+          </a:stretch>
+        </p:blipFill>
+        <p:spPr>
+          <a:xfrm>
+            <a:off x="6870700" y="2946369"/>
+            <a:ext cx="3829050" cy="1276350"/>
+          </a:xfrm>
+          <a:prstGeom prst="rect">
+            <a:avLst/>
+          </a:prstGeom>
+        </p:spPr>
+      </p:pic>
+      <p:pic>
+        <p:nvPicPr>
+          <p:cNvPr id="13" name="Picture 12">
+            <a:extLst>
+              <a:ext uri="{FF2B5EF4-FFF2-40B4-BE49-F238E27FC236}">
+                <a16:creationId xmlns:a16="http://schemas.microsoft.com/office/drawing/2014/main" id="{B138F2AB-B268-85CE-6DFD-FD013532F31A}"/>
+              </a:ext>
+            </a:extLst>
+          </p:cNvPr>
+          <p:cNvPicPr>
+            <a:picLocks noChangeAspect="1"/>
+          </p:cNvPicPr>
+          <p:nvPr/>
+        </p:nvPicPr>
+        <p:blipFill>
+          <a:blip r:embed="rId7"/>
+          <a:stretch>
+            <a:fillRect/>
+          </a:stretch>
+        </p:blipFill>
+        <p:spPr>
+          <a:xfrm>
+            <a:off x="6870700" y="4533806"/>
+            <a:ext cx="4333875" cy="1866900"/>
+          </a:xfrm>
+          <a:prstGeom prst="rect">
+            <a:avLst/>
+          </a:prstGeom>
+        </p:spPr>
+      </p:pic>
     </p:spTree>
     <p:extLst>
       <p:ext uri="{BB962C8B-B14F-4D97-AF65-F5344CB8AC3E}">
         <p14:creationId xmlns:p14="http://schemas.microsoft.com/office/powerpoint/2010/main" val="2741093739"/>
+      </p:ext>
+    </p:extLst>
+  </p:cSld>
+  <p:clrMapOvr>
+    <a:masterClrMapping/>
+  </p:clrMapOvr>
+</p:sld>
+</file>
+
+<file path=ppt/slides/slide23.xml><?xml version="1.0" encoding="utf-8"?>
+<p:sld xmlns:a="http://schemas.openxmlformats.org/drawingml/2006/main" xmlns:r="http://schemas.openxmlformats.org/officeDocument/2006/relationships" xmlns:p="http://schemas.openxmlformats.org/presentationml/2006/main">
+  <p:cSld>
+    <p:spTree>
+      <p:nvGrpSpPr>
+        <p:cNvPr id="1" name=""/>
+        <p:cNvGrpSpPr/>
+        <p:nvPr/>
+      </p:nvGrpSpPr>
+      <p:grpSpPr>
+        <a:xfrm>
+          <a:off x="0" y="0"/>
+          <a:ext cx="0" cy="0"/>
+          <a:chOff x="0" y="0"/>
+          <a:chExt cx="0" cy="0"/>
+        </a:xfrm>
+      </p:grpSpPr>
+      <p:pic>
+        <p:nvPicPr>
+          <p:cNvPr id="4" name="Picture 3">
+            <a:extLst>
+              <a:ext uri="{FF2B5EF4-FFF2-40B4-BE49-F238E27FC236}">
+                <a16:creationId xmlns:a16="http://schemas.microsoft.com/office/drawing/2014/main" id="{3D355457-982C-309E-F54F-EC922067B45D}"/>
+              </a:ext>
+            </a:extLst>
+          </p:cNvPr>
+          <p:cNvPicPr>
+            <a:picLocks noChangeAspect="1"/>
+          </p:cNvPicPr>
+          <p:nvPr/>
+        </p:nvPicPr>
+        <p:blipFill>
+          <a:blip r:embed="rId2"/>
+          <a:stretch>
+            <a:fillRect/>
+          </a:stretch>
+        </p:blipFill>
+        <p:spPr>
+          <a:xfrm>
+            <a:off x="624366" y="681752"/>
+            <a:ext cx="10943268" cy="5494496"/>
+          </a:xfrm>
+          <a:prstGeom prst="rect">
+            <a:avLst/>
+          </a:prstGeom>
+        </p:spPr>
+      </p:pic>
+    </p:spTree>
+    <p:extLst>
+      <p:ext uri="{BB962C8B-B14F-4D97-AF65-F5344CB8AC3E}">
+        <p14:creationId xmlns:p14="http://schemas.microsoft.com/office/powerpoint/2010/main" val="3626879066"/>
+      </p:ext>
+    </p:extLst>
+  </p:cSld>
+  <p:clrMapOvr>
+    <a:masterClrMapping/>
+  </p:clrMapOvr>
+</p:sld>
+</file>
+
+<file path=ppt/slides/slide24.xml><?xml version="1.0" encoding="utf-8"?>
+<p:sld xmlns:a="http://schemas.openxmlformats.org/drawingml/2006/main" xmlns:r="http://schemas.openxmlformats.org/officeDocument/2006/relationships" xmlns:p="http://schemas.openxmlformats.org/presentationml/2006/main">
+  <p:cSld>
+    <p:spTree>
+      <p:nvGrpSpPr>
+        <p:cNvPr id="1" name=""/>
+        <p:cNvGrpSpPr/>
+        <p:nvPr/>
+      </p:nvGrpSpPr>
+      <p:grpSpPr>
+        <a:xfrm>
+          <a:off x="0" y="0"/>
+          <a:ext cx="0" cy="0"/>
+          <a:chOff x="0" y="0"/>
+          <a:chExt cx="0" cy="0"/>
+        </a:xfrm>
+      </p:grpSpPr>
+      <p:pic>
+        <p:nvPicPr>
+          <p:cNvPr id="3" name="Picture 2">
+            <a:extLst>
+              <a:ext uri="{FF2B5EF4-FFF2-40B4-BE49-F238E27FC236}">
+                <a16:creationId xmlns:a16="http://schemas.microsoft.com/office/drawing/2014/main" id="{20624ED5-6EF1-977F-4314-5F09FC87BAC1}"/>
+              </a:ext>
+            </a:extLst>
+          </p:cNvPr>
+          <p:cNvPicPr>
+            <a:picLocks noChangeAspect="1"/>
+          </p:cNvPicPr>
+          <p:nvPr/>
+        </p:nvPicPr>
+        <p:blipFill>
+          <a:blip r:embed="rId2"/>
+          <a:stretch>
+            <a:fillRect/>
+          </a:stretch>
+        </p:blipFill>
+        <p:spPr>
+          <a:xfrm>
+            <a:off x="609124" y="693183"/>
+            <a:ext cx="10973751" cy="5471634"/>
+          </a:xfrm>
+          <a:prstGeom prst="rect">
+            <a:avLst/>
+          </a:prstGeom>
+        </p:spPr>
+      </p:pic>
+    </p:spTree>
+    <p:extLst>
+      <p:ext uri="{BB962C8B-B14F-4D97-AF65-F5344CB8AC3E}">
+        <p14:creationId xmlns:p14="http://schemas.microsoft.com/office/powerpoint/2010/main" val="4214542789"/>
+      </p:ext>
+    </p:extLst>
+  </p:cSld>
+  <p:clrMapOvr>
+    <a:masterClrMapping/>
+  </p:clrMapOvr>
+</p:sld>
+</file>
+
+<file path=ppt/slides/slide25.xml><?xml version="1.0" encoding="utf-8"?>
+<p:sld xmlns:a="http://schemas.openxmlformats.org/drawingml/2006/main" xmlns:r="http://schemas.openxmlformats.org/officeDocument/2006/relationships" xmlns:p="http://schemas.openxmlformats.org/presentationml/2006/main">
+  <p:cSld>
+    <p:spTree>
+      <p:nvGrpSpPr>
+        <p:cNvPr id="1" name=""/>
+        <p:cNvGrpSpPr/>
+        <p:nvPr/>
+      </p:nvGrpSpPr>
+      <p:grpSpPr>
+        <a:xfrm>
+          <a:off x="0" y="0"/>
+          <a:ext cx="0" cy="0"/>
+          <a:chOff x="0" y="0"/>
+          <a:chExt cx="0" cy="0"/>
+        </a:xfrm>
+      </p:grpSpPr>
+      <p:pic>
+        <p:nvPicPr>
+          <p:cNvPr id="4" name="Picture 3">
+            <a:extLst>
+              <a:ext uri="{FF2B5EF4-FFF2-40B4-BE49-F238E27FC236}">
+                <a16:creationId xmlns:a16="http://schemas.microsoft.com/office/drawing/2014/main" id="{58742A59-C38A-7FC5-7024-28F0435EAF4F}"/>
+              </a:ext>
+            </a:extLst>
+          </p:cNvPr>
+          <p:cNvPicPr>
+            <a:picLocks noChangeAspect="1"/>
+          </p:cNvPicPr>
+          <p:nvPr/>
+        </p:nvPicPr>
+        <p:blipFill>
+          <a:blip r:embed="rId2"/>
+          <a:stretch>
+            <a:fillRect/>
+          </a:stretch>
+        </p:blipFill>
+        <p:spPr>
+          <a:xfrm>
+            <a:off x="790142" y="832203"/>
+            <a:ext cx="9983065" cy="3254022"/>
+          </a:xfrm>
+          <a:prstGeom prst="rect">
+            <a:avLst/>
+          </a:prstGeom>
+        </p:spPr>
+      </p:pic>
+    </p:spTree>
+    <p:extLst>
+      <p:ext uri="{BB962C8B-B14F-4D97-AF65-F5344CB8AC3E}">
+        <p14:creationId xmlns:p14="http://schemas.microsoft.com/office/powerpoint/2010/main" val="805090397"/>
+      </p:ext>
+    </p:extLst>
+  </p:cSld>
+  <p:clrMapOvr>
+    <a:masterClrMapping/>
+  </p:clrMapOvr>
+</p:sld>
+</file>
+
+<file path=ppt/slides/slide26.xml><?xml version="1.0" encoding="utf-8"?>
+<p:sld xmlns:a="http://schemas.openxmlformats.org/drawingml/2006/main" xmlns:r="http://schemas.openxmlformats.org/officeDocument/2006/relationships" xmlns:p="http://schemas.openxmlformats.org/presentationml/2006/main">
+  <p:cSld>
+    <p:spTree>
+      <p:nvGrpSpPr>
+        <p:cNvPr id="1" name=""/>
+        <p:cNvGrpSpPr/>
+        <p:nvPr/>
+      </p:nvGrpSpPr>
+      <p:grpSpPr>
+        <a:xfrm>
+          <a:off x="0" y="0"/>
+          <a:ext cx="0" cy="0"/>
+          <a:chOff x="0" y="0"/>
+          <a:chExt cx="0" cy="0"/>
+        </a:xfrm>
+      </p:grpSpPr>
+      <p:pic>
+        <p:nvPicPr>
+          <p:cNvPr id="3" name="Picture 2">
+            <a:extLst>
+              <a:ext uri="{FF2B5EF4-FFF2-40B4-BE49-F238E27FC236}">
+                <a16:creationId xmlns:a16="http://schemas.microsoft.com/office/drawing/2014/main" id="{06C40020-E8C1-761B-F9F0-6F966A34AD45}"/>
+              </a:ext>
+            </a:extLst>
+          </p:cNvPr>
+          <p:cNvPicPr>
+            <a:picLocks noChangeAspect="1"/>
+          </p:cNvPicPr>
+          <p:nvPr/>
+        </p:nvPicPr>
+        <p:blipFill>
+          <a:blip r:embed="rId2"/>
+          <a:stretch>
+            <a:fillRect/>
+          </a:stretch>
+        </p:blipFill>
+        <p:spPr>
+          <a:xfrm>
+            <a:off x="1740792" y="571252"/>
+            <a:ext cx="8710415" cy="5715495"/>
+          </a:xfrm>
+          <a:prstGeom prst="rect">
+            <a:avLst/>
+          </a:prstGeom>
+        </p:spPr>
+      </p:pic>
+    </p:spTree>
+    <p:extLst>
+      <p:ext uri="{BB962C8B-B14F-4D97-AF65-F5344CB8AC3E}">
+        <p14:creationId xmlns:p14="http://schemas.microsoft.com/office/powerpoint/2010/main" val="712763827"/>
+      </p:ext>
+    </p:extLst>
+  </p:cSld>
+  <p:clrMapOvr>
+    <a:masterClrMapping/>
+  </p:clrMapOvr>
+</p:sld>
+</file>
+
+<file path=ppt/slides/slide27.xml><?xml version="1.0" encoding="utf-8"?>
+<p:sld xmlns:a="http://schemas.openxmlformats.org/drawingml/2006/main" xmlns:r="http://schemas.openxmlformats.org/officeDocument/2006/relationships" xmlns:p="http://schemas.openxmlformats.org/presentationml/2006/main">
+  <p:cSld>
+    <p:spTree>
+      <p:nvGrpSpPr>
+        <p:cNvPr id="1" name=""/>
+        <p:cNvGrpSpPr/>
+        <p:nvPr/>
+      </p:nvGrpSpPr>
+      <p:grpSpPr>
+        <a:xfrm>
+          <a:off x="0" y="0"/>
+          <a:ext cx="0" cy="0"/>
+          <a:chOff x="0" y="0"/>
+          <a:chExt cx="0" cy="0"/>
+        </a:xfrm>
+      </p:grpSpPr>
+      <p:pic>
+        <p:nvPicPr>
+          <p:cNvPr id="3" name="Picture 2">
+            <a:extLst>
+              <a:ext uri="{FF2B5EF4-FFF2-40B4-BE49-F238E27FC236}">
+                <a16:creationId xmlns:a16="http://schemas.microsoft.com/office/drawing/2014/main" id="{BAA9889D-667C-8970-F3FA-6A7C168DE1EF}"/>
+              </a:ext>
+            </a:extLst>
+          </p:cNvPr>
+          <p:cNvPicPr>
+            <a:picLocks noChangeAspect="1"/>
+          </p:cNvPicPr>
+          <p:nvPr/>
+        </p:nvPicPr>
+        <p:blipFill>
+          <a:blip r:embed="rId2"/>
+          <a:stretch>
+            <a:fillRect/>
+          </a:stretch>
+        </p:blipFill>
+        <p:spPr>
+          <a:xfrm>
+            <a:off x="1512173" y="1497184"/>
+            <a:ext cx="9167654" cy="3368332"/>
+          </a:xfrm>
+          <a:prstGeom prst="rect">
+            <a:avLst/>
+          </a:prstGeom>
+        </p:spPr>
+      </p:pic>
+    </p:spTree>
+    <p:extLst>
+      <p:ext uri="{BB962C8B-B14F-4D97-AF65-F5344CB8AC3E}">
+        <p14:creationId xmlns:p14="http://schemas.microsoft.com/office/powerpoint/2010/main" val="1383887712"/>
+      </p:ext>
+    </p:extLst>
+  </p:cSld>
+  <p:clrMapOvr>
+    <a:masterClrMapping/>
+  </p:clrMapOvr>
+</p:sld>
+</file>
+
+<file path=ppt/slides/slide28.xml><?xml version="1.0" encoding="utf-8"?>
+<p:sld xmlns:a="http://schemas.openxmlformats.org/drawingml/2006/main" xmlns:r="http://schemas.openxmlformats.org/officeDocument/2006/relationships" xmlns:p="http://schemas.openxmlformats.org/presentationml/2006/main">
+  <p:cSld>
+    <p:spTree>
+      <p:nvGrpSpPr>
+        <p:cNvPr id="1" name=""/>
+        <p:cNvGrpSpPr/>
+        <p:nvPr/>
+      </p:nvGrpSpPr>
+      <p:grpSpPr>
+        <a:xfrm>
+          <a:off x="0" y="0"/>
+          <a:ext cx="0" cy="0"/>
+          <a:chOff x="0" y="0"/>
+          <a:chExt cx="0" cy="0"/>
+        </a:xfrm>
+      </p:grpSpPr>
+      <p:pic>
+        <p:nvPicPr>
+          <p:cNvPr id="3" name="Picture 2">
+            <a:extLst>
+              <a:ext uri="{FF2B5EF4-FFF2-40B4-BE49-F238E27FC236}">
+                <a16:creationId xmlns:a16="http://schemas.microsoft.com/office/drawing/2014/main" id="{47083A30-7731-3F85-9972-E57658DAA2B5}"/>
+              </a:ext>
+            </a:extLst>
+          </p:cNvPr>
+          <p:cNvPicPr>
+            <a:picLocks noChangeAspect="1"/>
+          </p:cNvPicPr>
+          <p:nvPr/>
+        </p:nvPicPr>
+        <p:blipFill>
+          <a:blip r:embed="rId2"/>
+          <a:stretch>
+            <a:fillRect/>
+          </a:stretch>
+        </p:blipFill>
+        <p:spPr>
+          <a:xfrm>
+            <a:off x="3676440" y="1466680"/>
+            <a:ext cx="4839119" cy="3924640"/>
+          </a:xfrm>
+          <a:prstGeom prst="rect">
+            <a:avLst/>
+          </a:prstGeom>
+        </p:spPr>
+      </p:pic>
+    </p:spTree>
+    <p:extLst>
+      <p:ext uri="{BB962C8B-B14F-4D97-AF65-F5344CB8AC3E}">
+        <p14:creationId xmlns:p14="http://schemas.microsoft.com/office/powerpoint/2010/main" val="2102181425"/>
+      </p:ext>
+    </p:extLst>
+  </p:cSld>
+  <p:clrMapOvr>
+    <a:masterClrMapping/>
+  </p:clrMapOvr>
+</p:sld>
+</file>
+
+<file path=ppt/slides/slide29.xml><?xml version="1.0" encoding="utf-8"?>
+<p:sld xmlns:a="http://schemas.openxmlformats.org/drawingml/2006/main" xmlns:r="http://schemas.openxmlformats.org/officeDocument/2006/relationships" xmlns:p="http://schemas.openxmlformats.org/presentationml/2006/main">
+  <p:cSld>
+    <p:spTree>
+      <p:nvGrpSpPr>
+        <p:cNvPr id="1" name=""/>
+        <p:cNvGrpSpPr/>
+        <p:nvPr/>
+      </p:nvGrpSpPr>
+      <p:grpSpPr>
+        <a:xfrm>
+          <a:off x="0" y="0"/>
+          <a:ext cx="0" cy="0"/>
+          <a:chOff x="0" y="0"/>
+          <a:chExt cx="0" cy="0"/>
+        </a:xfrm>
+      </p:grpSpPr>
+      <p:pic>
+        <p:nvPicPr>
+          <p:cNvPr id="9" name="Picture 8">
+            <a:extLst>
+              <a:ext uri="{FF2B5EF4-FFF2-40B4-BE49-F238E27FC236}">
+                <a16:creationId xmlns:a16="http://schemas.microsoft.com/office/drawing/2014/main" id="{61942B39-B36D-91A1-B919-40FA50AB4299}"/>
+              </a:ext>
+            </a:extLst>
+          </p:cNvPr>
+          <p:cNvPicPr>
+            <a:picLocks noChangeAspect="1"/>
+          </p:cNvPicPr>
+          <p:nvPr/>
+        </p:nvPicPr>
+        <p:blipFill>
+          <a:blip r:embed="rId2"/>
+          <a:stretch>
+            <a:fillRect/>
+          </a:stretch>
+        </p:blipFill>
+        <p:spPr>
+          <a:xfrm>
+            <a:off x="1788288" y="1482025"/>
+            <a:ext cx="7834039" cy="1493649"/>
+          </a:xfrm>
+          <a:prstGeom prst="rect">
+            <a:avLst/>
+          </a:prstGeom>
+        </p:spPr>
+      </p:pic>
+      <p:pic>
+        <p:nvPicPr>
+          <p:cNvPr id="11" name="Picture 10">
+            <a:extLst>
+              <a:ext uri="{FF2B5EF4-FFF2-40B4-BE49-F238E27FC236}">
+                <a16:creationId xmlns:a16="http://schemas.microsoft.com/office/drawing/2014/main" id="{9984A98B-44A7-A958-EFB4-796C9022447D}"/>
+              </a:ext>
+            </a:extLst>
+          </p:cNvPr>
+          <p:cNvPicPr>
+            <a:picLocks noChangeAspect="1"/>
+          </p:cNvPicPr>
+          <p:nvPr/>
+        </p:nvPicPr>
+        <p:blipFill>
+          <a:blip r:embed="rId3"/>
+          <a:stretch>
+            <a:fillRect/>
+          </a:stretch>
+        </p:blipFill>
+        <p:spPr>
+          <a:xfrm>
+            <a:off x="1887357" y="3429000"/>
+            <a:ext cx="7635902" cy="2591025"/>
+          </a:xfrm>
+          <a:prstGeom prst="rect">
+            <a:avLst/>
+          </a:prstGeom>
+        </p:spPr>
+      </p:pic>
+      <p:sp>
+        <p:nvSpPr>
+          <p:cNvPr id="12" name="TextBox 11">
+            <a:extLst>
+              <a:ext uri="{FF2B5EF4-FFF2-40B4-BE49-F238E27FC236}">
+                <a16:creationId xmlns:a16="http://schemas.microsoft.com/office/drawing/2014/main" id="{973E11A9-2128-7B8C-1456-8F4A4B92E12E}"/>
+              </a:ext>
+            </a:extLst>
+          </p:cNvPr>
+          <p:cNvSpPr txBox="1"/>
+          <p:nvPr/>
+        </p:nvSpPr>
+        <p:spPr>
+          <a:xfrm>
+            <a:off x="1971675" y="381000"/>
+            <a:ext cx="7267575" cy="461665"/>
+          </a:xfrm>
+          <a:prstGeom prst="rect">
+            <a:avLst/>
+          </a:prstGeom>
+          <a:noFill/>
+        </p:spPr>
+        <p:txBody>
+          <a:bodyPr wrap="square" rtlCol="0">
+            <a:spAutoFit/>
+          </a:bodyPr>
+          <a:lstStyle/>
+          <a:p>
+            <a:r>
+              <a:rPr lang="en-NZ" sz="2400" dirty="0">
+                <a:latin typeface="Verdana" panose="020B0604030504040204" pitchFamily="34" charset="0"/>
+                <a:ea typeface="Verdana" panose="020B0604030504040204" pitchFamily="34" charset="0"/>
+              </a:rPr>
+              <a:t>QUERIES – Insert / update query</a:t>
+            </a:r>
+          </a:p>
+        </p:txBody>
+      </p:sp>
+      <mc:AlternateContent xmlns:mc="http://schemas.openxmlformats.org/markup-compatibility/2006">
+        <mc:Choice xmlns:p14="http://schemas.microsoft.com/office/powerpoint/2010/main" Requires="p14">
+          <p:contentPart p14:bwMode="auto" r:id="rId4">
+            <p14:nvContentPartPr>
+              <p14:cNvPr id="13" name="Ink 12">
+                <a:extLst>
+                  <a:ext uri="{FF2B5EF4-FFF2-40B4-BE49-F238E27FC236}">
+                    <a16:creationId xmlns:a16="http://schemas.microsoft.com/office/drawing/2014/main" id="{B5F70BEC-1E29-4748-7CE4-AAFAD980F0DA}"/>
+                  </a:ext>
+                </a:extLst>
+              </p14:cNvPr>
+              <p14:cNvContentPartPr/>
+              <p14:nvPr/>
+            </p14:nvContentPartPr>
+            <p14:xfrm>
+              <a:off x="7001100" y="2466525"/>
+              <a:ext cx="332640" cy="19440"/>
+            </p14:xfrm>
+          </p:contentPart>
+        </mc:Choice>
+        <mc:Fallback>
+          <p:pic>
+            <p:nvPicPr>
+              <p:cNvPr id="13" name="Ink 12">
+                <a:extLst>
+                  <a:ext uri="{FF2B5EF4-FFF2-40B4-BE49-F238E27FC236}">
+                    <a16:creationId xmlns:a16="http://schemas.microsoft.com/office/drawing/2014/main" id="{B5F70BEC-1E29-4748-7CE4-AAFAD980F0DA}"/>
+                  </a:ext>
+                </a:extLst>
+              </p:cNvPr>
+              <p:cNvPicPr/>
+              <p:nvPr/>
+            </p:nvPicPr>
+            <p:blipFill>
+              <a:blip r:embed="rId5"/>
+              <a:stretch>
+                <a:fillRect/>
+              </a:stretch>
+            </p:blipFill>
+            <p:spPr>
+              <a:xfrm>
+                <a:off x="6947100" y="2358885"/>
+                <a:ext cx="440280" cy="235080"/>
+              </a:xfrm>
+              <a:prstGeom prst="rect">
+                <a:avLst/>
+              </a:prstGeom>
+            </p:spPr>
+          </p:pic>
+        </mc:Fallback>
+      </mc:AlternateContent>
+      <mc:AlternateContent xmlns:mc="http://schemas.openxmlformats.org/markup-compatibility/2006">
+        <mc:Choice xmlns:p14="http://schemas.microsoft.com/office/powerpoint/2010/main" Requires="p14">
+          <p:contentPart p14:bwMode="auto" r:id="rId6">
+            <p14:nvContentPartPr>
+              <p14:cNvPr id="14" name="Ink 13">
+                <a:extLst>
+                  <a:ext uri="{FF2B5EF4-FFF2-40B4-BE49-F238E27FC236}">
+                    <a16:creationId xmlns:a16="http://schemas.microsoft.com/office/drawing/2014/main" id="{C8C5923A-A44A-8230-2A4C-F7B3AC00AC6A}"/>
+                  </a:ext>
+                </a:extLst>
+              </p14:cNvPr>
+              <p14:cNvContentPartPr/>
+              <p14:nvPr/>
+            </p14:nvContentPartPr>
+            <p14:xfrm>
+              <a:off x="7038900" y="5333925"/>
+              <a:ext cx="313920" cy="38880"/>
+            </p14:xfrm>
+          </p:contentPart>
+        </mc:Choice>
+        <mc:Fallback>
+          <p:pic>
+            <p:nvPicPr>
+              <p:cNvPr id="14" name="Ink 13">
+                <a:extLst>
+                  <a:ext uri="{FF2B5EF4-FFF2-40B4-BE49-F238E27FC236}">
+                    <a16:creationId xmlns:a16="http://schemas.microsoft.com/office/drawing/2014/main" id="{C8C5923A-A44A-8230-2A4C-F7B3AC00AC6A}"/>
+                  </a:ext>
+                </a:extLst>
+              </p:cNvPr>
+              <p:cNvPicPr/>
+              <p:nvPr/>
+            </p:nvPicPr>
+            <p:blipFill>
+              <a:blip r:embed="rId7"/>
+              <a:stretch>
+                <a:fillRect/>
+              </a:stretch>
+            </p:blipFill>
+            <p:spPr>
+              <a:xfrm>
+                <a:off x="6984900" y="5225925"/>
+                <a:ext cx="421560" cy="254520"/>
+              </a:xfrm>
+              <a:prstGeom prst="rect">
+                <a:avLst/>
+              </a:prstGeom>
+            </p:spPr>
+          </p:pic>
+        </mc:Fallback>
+      </mc:AlternateContent>
+    </p:spTree>
+    <p:extLst>
+      <p:ext uri="{BB962C8B-B14F-4D97-AF65-F5344CB8AC3E}">
+        <p14:creationId xmlns:p14="http://schemas.microsoft.com/office/powerpoint/2010/main" val="2466866526"/>
       </p:ext>
     </p:extLst>
   </p:cSld>
@@ -26074,7 +28478,7 @@
         <p:spPr>
           <a:xfrm>
             <a:off x="0" y="0"/>
-            <a:ext cx="12192000" cy="1576873"/>
+            <a:ext cx="12192000" cy="1138128"/>
           </a:xfrm>
           <a:prstGeom prst="rect">
             <a:avLst/>
@@ -26165,10 +28569,10 @@
       </p:sp>
       <p:sp>
         <p:nvSpPr>
-          <p:cNvPr id="6" name="Rectangle 5">
-            <a:extLst>
-              <a:ext uri="{FF2B5EF4-FFF2-40B4-BE49-F238E27FC236}">
-                <a16:creationId xmlns:a16="http://schemas.microsoft.com/office/drawing/2014/main" id="{F5922433-C5B8-800B-F5C9-8F3D6EDFA64C}"/>
+          <p:cNvPr id="16" name="Rectangle 15">
+            <a:extLst>
+              <a:ext uri="{FF2B5EF4-FFF2-40B4-BE49-F238E27FC236}">
+                <a16:creationId xmlns:a16="http://schemas.microsoft.com/office/drawing/2014/main" id="{B1A4C849-D9F8-2D2C-98AB-B360E4594BDF}"/>
               </a:ext>
             </a:extLst>
           </p:cNvPr>
@@ -26177,8 +28581,8 @@
         </p:nvSpPr>
         <p:spPr>
           <a:xfrm>
-            <a:off x="3984172" y="2500609"/>
-            <a:ext cx="3377681" cy="2220686"/>
+            <a:off x="276300" y="80530"/>
+            <a:ext cx="1597306" cy="1021681"/>
           </a:xfrm>
           <a:prstGeom prst="rect">
             <a:avLst/>
@@ -26215,526 +28619,6 @@
           </a:p>
         </p:txBody>
       </p:sp>
-      <p:sp>
-        <p:nvSpPr>
-          <p:cNvPr id="7" name="Rectangle 6">
-            <a:extLst>
-              <a:ext uri="{FF2B5EF4-FFF2-40B4-BE49-F238E27FC236}">
-                <a16:creationId xmlns:a16="http://schemas.microsoft.com/office/drawing/2014/main" id="{C7C146C1-D1BB-668F-D094-96F86370315D}"/>
-              </a:ext>
-            </a:extLst>
-          </p:cNvPr>
-          <p:cNvSpPr/>
-          <p:nvPr/>
-        </p:nvSpPr>
-        <p:spPr>
-          <a:xfrm>
-            <a:off x="4175760" y="2817850"/>
-            <a:ext cx="3018142" cy="298579"/>
-          </a:xfrm>
-          <a:prstGeom prst="rect">
-            <a:avLst/>
-          </a:prstGeom>
-          <a:noFill/>
-          <a:ln>
-            <a:solidFill>
-              <a:schemeClr val="tx1"/>
-            </a:solidFill>
-          </a:ln>
-        </p:spPr>
-        <p:style>
-          <a:lnRef idx="2">
-            <a:schemeClr val="accent1">
-              <a:shade val="50000"/>
-            </a:schemeClr>
-          </a:lnRef>
-          <a:fillRef idx="1">
-            <a:schemeClr val="accent1"/>
-          </a:fillRef>
-          <a:effectRef idx="0">
-            <a:schemeClr val="accent1"/>
-          </a:effectRef>
-          <a:fontRef idx="minor">
-            <a:schemeClr val="lt1"/>
-          </a:fontRef>
-        </p:style>
-        <p:txBody>
-          <a:bodyPr rtlCol="0" anchor="ctr"/>
-          <a:lstStyle/>
-          <a:p>
-            <a:pPr algn="ctr"/>
-            <a:endParaRPr lang="en-NZ"/>
-          </a:p>
-        </p:txBody>
-      </p:sp>
-      <p:sp>
-        <p:nvSpPr>
-          <p:cNvPr id="8" name="Rectangle 7">
-            <a:extLst>
-              <a:ext uri="{FF2B5EF4-FFF2-40B4-BE49-F238E27FC236}">
-                <a16:creationId xmlns:a16="http://schemas.microsoft.com/office/drawing/2014/main" id="{B9FF3BFA-5BD9-F6C8-E15C-D6BBC101E8C9}"/>
-              </a:ext>
-            </a:extLst>
-          </p:cNvPr>
-          <p:cNvSpPr/>
-          <p:nvPr/>
-        </p:nvSpPr>
-        <p:spPr>
-          <a:xfrm>
-            <a:off x="4175760" y="3284380"/>
-            <a:ext cx="3018142" cy="298579"/>
-          </a:xfrm>
-          <a:prstGeom prst="rect">
-            <a:avLst/>
-          </a:prstGeom>
-          <a:noFill/>
-          <a:ln>
-            <a:solidFill>
-              <a:schemeClr val="tx1"/>
-            </a:solidFill>
-          </a:ln>
-        </p:spPr>
-        <p:style>
-          <a:lnRef idx="2">
-            <a:schemeClr val="accent1">
-              <a:shade val="50000"/>
-            </a:schemeClr>
-          </a:lnRef>
-          <a:fillRef idx="1">
-            <a:schemeClr val="accent1"/>
-          </a:fillRef>
-          <a:effectRef idx="0">
-            <a:schemeClr val="accent1"/>
-          </a:effectRef>
-          <a:fontRef idx="minor">
-            <a:schemeClr val="lt1"/>
-          </a:fontRef>
-        </p:style>
-        <p:txBody>
-          <a:bodyPr rtlCol="0" anchor="ctr"/>
-          <a:lstStyle/>
-          <a:p>
-            <a:pPr algn="ctr"/>
-            <a:endParaRPr lang="en-NZ"/>
-          </a:p>
-        </p:txBody>
-      </p:sp>
-      <p:sp>
-        <p:nvSpPr>
-          <p:cNvPr id="9" name="Rectangle 8">
-            <a:extLst>
-              <a:ext uri="{FF2B5EF4-FFF2-40B4-BE49-F238E27FC236}">
-                <a16:creationId xmlns:a16="http://schemas.microsoft.com/office/drawing/2014/main" id="{5E9EFF34-5341-4681-A1EC-62DACA095817}"/>
-              </a:ext>
-            </a:extLst>
-          </p:cNvPr>
-          <p:cNvSpPr/>
-          <p:nvPr/>
-        </p:nvSpPr>
-        <p:spPr>
-          <a:xfrm>
-            <a:off x="4175760" y="3610952"/>
-            <a:ext cx="2133600" cy="186614"/>
-          </a:xfrm>
-          <a:prstGeom prst="rect">
-            <a:avLst/>
-          </a:prstGeom>
-          <a:noFill/>
-          <a:ln>
-            <a:solidFill>
-              <a:schemeClr val="tx1"/>
-            </a:solidFill>
-          </a:ln>
-        </p:spPr>
-        <p:style>
-          <a:lnRef idx="2">
-            <a:schemeClr val="accent1">
-              <a:shade val="50000"/>
-            </a:schemeClr>
-          </a:lnRef>
-          <a:fillRef idx="1">
-            <a:schemeClr val="accent1"/>
-          </a:fillRef>
-          <a:effectRef idx="0">
-            <a:schemeClr val="accent1"/>
-          </a:effectRef>
-          <a:fontRef idx="minor">
-            <a:schemeClr val="lt1"/>
-          </a:fontRef>
-        </p:style>
-        <p:txBody>
-          <a:bodyPr rtlCol="0" anchor="ctr"/>
-          <a:lstStyle/>
-          <a:p>
-            <a:pPr algn="ctr"/>
-            <a:endParaRPr lang="en-NZ"/>
-          </a:p>
-        </p:txBody>
-      </p:sp>
-      <p:sp>
-        <p:nvSpPr>
-          <p:cNvPr id="10" name="Rectangle 9">
-            <a:extLst>
-              <a:ext uri="{FF2B5EF4-FFF2-40B4-BE49-F238E27FC236}">
-                <a16:creationId xmlns:a16="http://schemas.microsoft.com/office/drawing/2014/main" id="{9A79A027-DB53-5405-BE25-3E47815C747E}"/>
-              </a:ext>
-            </a:extLst>
-          </p:cNvPr>
-          <p:cNvSpPr/>
-          <p:nvPr/>
-        </p:nvSpPr>
-        <p:spPr>
-          <a:xfrm>
-            <a:off x="5009191" y="3943379"/>
-            <a:ext cx="1351280" cy="370841"/>
-          </a:xfrm>
-          <a:prstGeom prst="rect">
-            <a:avLst/>
-          </a:prstGeom>
-          <a:noFill/>
-          <a:ln>
-            <a:solidFill>
-              <a:schemeClr val="tx1"/>
-            </a:solidFill>
-          </a:ln>
-        </p:spPr>
-        <p:style>
-          <a:lnRef idx="2">
-            <a:schemeClr val="accent1">
-              <a:shade val="50000"/>
-            </a:schemeClr>
-          </a:lnRef>
-          <a:fillRef idx="1">
-            <a:schemeClr val="accent1"/>
-          </a:fillRef>
-          <a:effectRef idx="0">
-            <a:schemeClr val="accent1"/>
-          </a:effectRef>
-          <a:fontRef idx="minor">
-            <a:schemeClr val="lt1"/>
-          </a:fontRef>
-        </p:style>
-        <p:txBody>
-          <a:bodyPr rtlCol="0" anchor="ctr"/>
-          <a:lstStyle/>
-          <a:p>
-            <a:pPr algn="ctr"/>
-            <a:endParaRPr lang="en-NZ"/>
-          </a:p>
-        </p:txBody>
-      </p:sp>
-      <p:sp>
-        <p:nvSpPr>
-          <p:cNvPr id="11" name="Rectangle 10">
-            <a:extLst>
-              <a:ext uri="{FF2B5EF4-FFF2-40B4-BE49-F238E27FC236}">
-                <a16:creationId xmlns:a16="http://schemas.microsoft.com/office/drawing/2014/main" id="{8EE7034E-0381-E997-2FA6-2998B505A965}"/>
-              </a:ext>
-            </a:extLst>
-          </p:cNvPr>
-          <p:cNvSpPr/>
-          <p:nvPr/>
-        </p:nvSpPr>
-        <p:spPr>
-          <a:xfrm>
-            <a:off x="4175760" y="4396382"/>
-            <a:ext cx="2133600" cy="222743"/>
-          </a:xfrm>
-          <a:prstGeom prst="rect">
-            <a:avLst/>
-          </a:prstGeom>
-          <a:noFill/>
-          <a:ln>
-            <a:solidFill>
-              <a:schemeClr val="tx1"/>
-            </a:solidFill>
-          </a:ln>
-        </p:spPr>
-        <p:style>
-          <a:lnRef idx="2">
-            <a:schemeClr val="accent1">
-              <a:shade val="50000"/>
-            </a:schemeClr>
-          </a:lnRef>
-          <a:fillRef idx="1">
-            <a:schemeClr val="accent1"/>
-          </a:fillRef>
-          <a:effectRef idx="0">
-            <a:schemeClr val="accent1"/>
-          </a:effectRef>
-          <a:fontRef idx="minor">
-            <a:schemeClr val="lt1"/>
-          </a:fontRef>
-        </p:style>
-        <p:txBody>
-          <a:bodyPr rtlCol="0" anchor="ctr"/>
-          <a:lstStyle/>
-          <a:p>
-            <a:pPr algn="ctr"/>
-            <a:endParaRPr lang="en-NZ"/>
-          </a:p>
-        </p:txBody>
-      </p:sp>
-      <p:sp>
-        <p:nvSpPr>
-          <p:cNvPr id="12" name="Rectangle 11">
-            <a:extLst>
-              <a:ext uri="{FF2B5EF4-FFF2-40B4-BE49-F238E27FC236}">
-                <a16:creationId xmlns:a16="http://schemas.microsoft.com/office/drawing/2014/main" id="{634F20E0-17CA-2F84-1D2F-EF680A48AF7D}"/>
-              </a:ext>
-            </a:extLst>
-          </p:cNvPr>
-          <p:cNvSpPr/>
-          <p:nvPr/>
-        </p:nvSpPr>
-        <p:spPr>
-          <a:xfrm>
-            <a:off x="4216400" y="2836821"/>
-            <a:ext cx="853440" cy="249555"/>
-          </a:xfrm>
-          <a:prstGeom prst="rect">
-            <a:avLst/>
-          </a:prstGeom>
-          <a:noFill/>
-          <a:ln>
-            <a:solidFill>
-              <a:schemeClr val="tx1"/>
-            </a:solidFill>
-          </a:ln>
-        </p:spPr>
-        <p:style>
-          <a:lnRef idx="2">
-            <a:schemeClr val="accent1">
-              <a:shade val="50000"/>
-            </a:schemeClr>
-          </a:lnRef>
-          <a:fillRef idx="1">
-            <a:schemeClr val="accent1"/>
-          </a:fillRef>
-          <a:effectRef idx="0">
-            <a:schemeClr val="accent1"/>
-          </a:effectRef>
-          <a:fontRef idx="minor">
-            <a:schemeClr val="lt1"/>
-          </a:fontRef>
-        </p:style>
-        <p:txBody>
-          <a:bodyPr rtlCol="0" anchor="ctr"/>
-          <a:lstStyle/>
-          <a:p>
-            <a:pPr algn="ctr"/>
-            <a:endParaRPr lang="en-NZ"/>
-          </a:p>
-        </p:txBody>
-      </p:sp>
-      <p:sp>
-        <p:nvSpPr>
-          <p:cNvPr id="13" name="Rectangle 12">
-            <a:extLst>
-              <a:ext uri="{FF2B5EF4-FFF2-40B4-BE49-F238E27FC236}">
-                <a16:creationId xmlns:a16="http://schemas.microsoft.com/office/drawing/2014/main" id="{06F00DD8-17E7-E779-D188-F315AD460BF1}"/>
-              </a:ext>
-            </a:extLst>
-          </p:cNvPr>
-          <p:cNvSpPr/>
-          <p:nvPr/>
-        </p:nvSpPr>
-        <p:spPr>
-          <a:xfrm>
-            <a:off x="4216400" y="3304701"/>
-            <a:ext cx="853440" cy="253745"/>
-          </a:xfrm>
-          <a:prstGeom prst="rect">
-            <a:avLst/>
-          </a:prstGeom>
-          <a:noFill/>
-          <a:ln>
-            <a:solidFill>
-              <a:schemeClr val="tx1"/>
-            </a:solidFill>
-          </a:ln>
-        </p:spPr>
-        <p:style>
-          <a:lnRef idx="2">
-            <a:schemeClr val="accent1">
-              <a:shade val="50000"/>
-            </a:schemeClr>
-          </a:lnRef>
-          <a:fillRef idx="1">
-            <a:schemeClr val="accent1"/>
-          </a:fillRef>
-          <a:effectRef idx="0">
-            <a:schemeClr val="accent1"/>
-          </a:effectRef>
-          <a:fontRef idx="minor">
-            <a:schemeClr val="lt1"/>
-          </a:fontRef>
-        </p:style>
-        <p:txBody>
-          <a:bodyPr rtlCol="0" anchor="ctr"/>
-          <a:lstStyle/>
-          <a:p>
-            <a:pPr algn="ctr"/>
-            <a:endParaRPr lang="en-NZ"/>
-          </a:p>
-        </p:txBody>
-      </p:sp>
-      <p:sp>
-        <p:nvSpPr>
-          <p:cNvPr id="14" name="Rectangle 13">
-            <a:extLst>
-              <a:ext uri="{FF2B5EF4-FFF2-40B4-BE49-F238E27FC236}">
-                <a16:creationId xmlns:a16="http://schemas.microsoft.com/office/drawing/2014/main" id="{F256ABB4-64B6-0662-3965-72A1C66E2A9F}"/>
-              </a:ext>
-            </a:extLst>
-          </p:cNvPr>
-          <p:cNvSpPr/>
-          <p:nvPr/>
-        </p:nvSpPr>
-        <p:spPr>
-          <a:xfrm>
-            <a:off x="5088876" y="2836821"/>
-            <a:ext cx="2081543" cy="249555"/>
-          </a:xfrm>
-          <a:prstGeom prst="rect">
-            <a:avLst/>
-          </a:prstGeom>
-          <a:noFill/>
-          <a:ln>
-            <a:solidFill>
-              <a:schemeClr val="tx1"/>
-            </a:solidFill>
-          </a:ln>
-        </p:spPr>
-        <p:style>
-          <a:lnRef idx="2">
-            <a:schemeClr val="accent1">
-              <a:shade val="50000"/>
-            </a:schemeClr>
-          </a:lnRef>
-          <a:fillRef idx="1">
-            <a:schemeClr val="accent1"/>
-          </a:fillRef>
-          <a:effectRef idx="0">
-            <a:schemeClr val="accent1"/>
-          </a:effectRef>
-          <a:fontRef idx="minor">
-            <a:schemeClr val="lt1"/>
-          </a:fontRef>
-        </p:style>
-        <p:txBody>
-          <a:bodyPr rtlCol="0" anchor="ctr"/>
-          <a:lstStyle/>
-          <a:p>
-            <a:pPr algn="ctr"/>
-            <a:endParaRPr lang="en-NZ"/>
-          </a:p>
-        </p:txBody>
-      </p:sp>
-      <p:sp>
-        <p:nvSpPr>
-          <p:cNvPr id="15" name="Rectangle 14">
-            <a:extLst>
-              <a:ext uri="{FF2B5EF4-FFF2-40B4-BE49-F238E27FC236}">
-                <a16:creationId xmlns:a16="http://schemas.microsoft.com/office/drawing/2014/main" id="{3A363EB3-07A6-4FE1-4070-E711081D49CD}"/>
-              </a:ext>
-            </a:extLst>
-          </p:cNvPr>
-          <p:cNvSpPr/>
-          <p:nvPr/>
-        </p:nvSpPr>
-        <p:spPr>
-          <a:xfrm>
-            <a:off x="5088876" y="3308891"/>
-            <a:ext cx="2081543" cy="249555"/>
-          </a:xfrm>
-          <a:prstGeom prst="rect">
-            <a:avLst/>
-          </a:prstGeom>
-          <a:noFill/>
-          <a:ln>
-            <a:solidFill>
-              <a:schemeClr val="tx1"/>
-            </a:solidFill>
-          </a:ln>
-        </p:spPr>
-        <p:style>
-          <a:lnRef idx="2">
-            <a:schemeClr val="accent1">
-              <a:shade val="50000"/>
-            </a:schemeClr>
-          </a:lnRef>
-          <a:fillRef idx="1">
-            <a:schemeClr val="accent1"/>
-          </a:fillRef>
-          <a:effectRef idx="0">
-            <a:schemeClr val="accent1"/>
-          </a:effectRef>
-          <a:fontRef idx="minor">
-            <a:schemeClr val="lt1"/>
-          </a:fontRef>
-        </p:style>
-        <p:txBody>
-          <a:bodyPr rtlCol="0" anchor="ctr"/>
-          <a:lstStyle/>
-          <a:p>
-            <a:pPr algn="ctr"/>
-            <a:endParaRPr lang="en-NZ"/>
-          </a:p>
-        </p:txBody>
-      </p:sp>
-      <p:sp>
-        <p:nvSpPr>
-          <p:cNvPr id="16" name="Rectangle 15">
-            <a:extLst>
-              <a:ext uri="{FF2B5EF4-FFF2-40B4-BE49-F238E27FC236}">
-                <a16:creationId xmlns:a16="http://schemas.microsoft.com/office/drawing/2014/main" id="{B1A4C849-D9F8-2D2C-98AB-B360E4594BDF}"/>
-              </a:ext>
-            </a:extLst>
-          </p:cNvPr>
-          <p:cNvSpPr/>
-          <p:nvPr/>
-        </p:nvSpPr>
-        <p:spPr>
-          <a:xfrm>
-            <a:off x="355600" y="146595"/>
-            <a:ext cx="2021840" cy="1306286"/>
-          </a:xfrm>
-          <a:prstGeom prst="rect">
-            <a:avLst/>
-          </a:prstGeom>
-          <a:noFill/>
-          <a:ln>
-            <a:solidFill>
-              <a:schemeClr val="tx1"/>
-            </a:solidFill>
-          </a:ln>
-        </p:spPr>
-        <p:style>
-          <a:lnRef idx="2">
-            <a:schemeClr val="accent1">
-              <a:shade val="50000"/>
-            </a:schemeClr>
-          </a:lnRef>
-          <a:fillRef idx="1">
-            <a:schemeClr val="accent1"/>
-          </a:fillRef>
-          <a:effectRef idx="0">
-            <a:schemeClr val="accent1"/>
-          </a:effectRef>
-          <a:fontRef idx="minor">
-            <a:schemeClr val="lt1"/>
-          </a:fontRef>
-        </p:style>
-        <p:txBody>
-          <a:bodyPr rtlCol="0" anchor="ctr"/>
-          <a:lstStyle/>
-          <a:p>
-            <a:pPr algn="ctr"/>
-            <a:endParaRPr lang="en-NZ"/>
-          </a:p>
-        </p:txBody>
-      </p:sp>
       <p:cxnSp>
         <p:nvCxnSpPr>
           <p:cNvPr id="18" name="Straight Connector 17">
@@ -26744,13 +28628,15 @@
               </a:ext>
             </a:extLst>
           </p:cNvPr>
-          <p:cNvCxnSpPr/>
+          <p:cNvCxnSpPr>
+            <a:cxnSpLocks/>
+          </p:cNvCxnSpPr>
           <p:nvPr/>
         </p:nvCxnSpPr>
         <p:spPr>
           <a:xfrm>
-            <a:off x="355600" y="146595"/>
-            <a:ext cx="2021840" cy="1306286"/>
+            <a:off x="276300" y="80530"/>
+            <a:ext cx="1562791" cy="1004003"/>
           </a:xfrm>
           <a:prstGeom prst="line">
             <a:avLst/>
@@ -26792,8 +28678,8 @@
         </p:nvCxnSpPr>
         <p:spPr>
           <a:xfrm flipH="1">
-            <a:off x="355600" y="146595"/>
-            <a:ext cx="2021840" cy="1306286"/>
+            <a:off x="302692" y="74645"/>
+            <a:ext cx="1570914" cy="1027566"/>
           </a:xfrm>
           <a:prstGeom prst="line">
             <a:avLst/>
@@ -26821,10 +28707,10 @@
       </p:cxnSp>
       <p:sp>
         <p:nvSpPr>
-          <p:cNvPr id="23" name="TextBox 22">
-            <a:extLst>
-              <a:ext uri="{FF2B5EF4-FFF2-40B4-BE49-F238E27FC236}">
-                <a16:creationId xmlns:a16="http://schemas.microsoft.com/office/drawing/2014/main" id="{F195A261-6B52-951E-C348-661C8E47B439}"/>
+          <p:cNvPr id="41" name="TextBox 40">
+            <a:extLst>
+              <a:ext uri="{FF2B5EF4-FFF2-40B4-BE49-F238E27FC236}">
+                <a16:creationId xmlns:a16="http://schemas.microsoft.com/office/drawing/2014/main" id="{94E41234-B2E6-5D59-FD8D-E52702986355}"/>
               </a:ext>
             </a:extLst>
           </p:cNvPr>
@@ -26833,13 +28719,16 @@
         </p:nvSpPr>
         <p:spPr>
           <a:xfrm>
-            <a:off x="4250572" y="2835495"/>
-            <a:ext cx="848993" cy="246221"/>
-          </a:xfrm>
-          <a:prstGeom prst="rect">
-            <a:avLst/>
-          </a:prstGeom>
-          <a:noFill/>
+            <a:off x="4616422" y="549007"/>
+            <a:ext cx="1730540" cy="369332"/>
+          </a:xfrm>
+          <a:prstGeom prst="rect">
+            <a:avLst/>
+          </a:prstGeom>
+          <a:noFill/>
+          <a:ln>
+            <a:noFill/>
+          </a:ln>
         </p:spPr>
         <p:txBody>
           <a:bodyPr wrap="square" rtlCol="0">
@@ -26848,289 +28737,6 @@
           <a:lstStyle/>
           <a:p>
             <a:r>
-              <a:rPr lang="en-NZ" sz="1000" dirty="0"/>
-              <a:t>Username</a:t>
-            </a:r>
-          </a:p>
-        </p:txBody>
-      </p:sp>
-      <p:sp>
-        <p:nvSpPr>
-          <p:cNvPr id="24" name="TextBox 23">
-            <a:extLst>
-              <a:ext uri="{FF2B5EF4-FFF2-40B4-BE49-F238E27FC236}">
-                <a16:creationId xmlns:a16="http://schemas.microsoft.com/office/drawing/2014/main" id="{074515EC-5A82-411F-C86A-1ADB5CE6F759}"/>
-              </a:ext>
-            </a:extLst>
-          </p:cNvPr>
-          <p:cNvSpPr txBox="1"/>
-          <p:nvPr/>
-        </p:nvSpPr>
-        <p:spPr>
-          <a:xfrm>
-            <a:off x="4216400" y="3262242"/>
-            <a:ext cx="848993" cy="276999"/>
-          </a:xfrm>
-          <a:prstGeom prst="rect">
-            <a:avLst/>
-          </a:prstGeom>
-          <a:noFill/>
-        </p:spPr>
-        <p:txBody>
-          <a:bodyPr wrap="square" rtlCol="0">
-            <a:spAutoFit/>
-          </a:bodyPr>
-          <a:lstStyle/>
-          <a:p>
-            <a:r>
-              <a:rPr lang="en-NZ" sz="1200" dirty="0"/>
-              <a:t>Password</a:t>
-            </a:r>
-          </a:p>
-        </p:txBody>
-      </p:sp>
-      <p:sp>
-        <p:nvSpPr>
-          <p:cNvPr id="25" name="TextBox 24">
-            <a:extLst>
-              <a:ext uri="{FF2B5EF4-FFF2-40B4-BE49-F238E27FC236}">
-                <a16:creationId xmlns:a16="http://schemas.microsoft.com/office/drawing/2014/main" id="{E12F6765-B0A3-4A09-0ABC-926F3EFDCEA0}"/>
-              </a:ext>
-            </a:extLst>
-          </p:cNvPr>
-          <p:cNvSpPr txBox="1"/>
-          <p:nvPr/>
-        </p:nvSpPr>
-        <p:spPr>
-          <a:xfrm>
-            <a:off x="5234939" y="2820813"/>
-            <a:ext cx="1935480" cy="276999"/>
-          </a:xfrm>
-          <a:prstGeom prst="rect">
-            <a:avLst/>
-          </a:prstGeom>
-          <a:noFill/>
-        </p:spPr>
-        <p:txBody>
-          <a:bodyPr wrap="square" rtlCol="0">
-            <a:spAutoFit/>
-          </a:bodyPr>
-          <a:lstStyle/>
-          <a:p>
-            <a:r>
-              <a:rPr lang="en-NZ" sz="1200" dirty="0"/>
-              <a:t>&lt;&lt;Input&gt;&gt;</a:t>
-            </a:r>
-          </a:p>
-        </p:txBody>
-      </p:sp>
-      <p:sp>
-        <p:nvSpPr>
-          <p:cNvPr id="26" name="TextBox 25">
-            <a:extLst>
-              <a:ext uri="{FF2B5EF4-FFF2-40B4-BE49-F238E27FC236}">
-                <a16:creationId xmlns:a16="http://schemas.microsoft.com/office/drawing/2014/main" id="{4A3FD9B3-0C25-B66C-B597-A016EFCAD913}"/>
-              </a:ext>
-            </a:extLst>
-          </p:cNvPr>
-          <p:cNvSpPr txBox="1"/>
-          <p:nvPr/>
-        </p:nvSpPr>
-        <p:spPr>
-          <a:xfrm>
-            <a:off x="5234939" y="3272660"/>
-            <a:ext cx="1935480" cy="276999"/>
-          </a:xfrm>
-          <a:prstGeom prst="rect">
-            <a:avLst/>
-          </a:prstGeom>
-          <a:noFill/>
-        </p:spPr>
-        <p:txBody>
-          <a:bodyPr wrap="square" rtlCol="0">
-            <a:spAutoFit/>
-          </a:bodyPr>
-          <a:lstStyle/>
-          <a:p>
-            <a:r>
-              <a:rPr lang="en-NZ" sz="1200" dirty="0"/>
-              <a:t>&lt;&lt;Input&gt;&gt;</a:t>
-            </a:r>
-          </a:p>
-        </p:txBody>
-      </p:sp>
-      <p:sp>
-        <p:nvSpPr>
-          <p:cNvPr id="27" name="TextBox 26">
-            <a:extLst>
-              <a:ext uri="{FF2B5EF4-FFF2-40B4-BE49-F238E27FC236}">
-                <a16:creationId xmlns:a16="http://schemas.microsoft.com/office/drawing/2014/main" id="{1A3087AF-99D9-1CCF-831B-F2C3B9125810}"/>
-              </a:ext>
-            </a:extLst>
-          </p:cNvPr>
-          <p:cNvSpPr txBox="1"/>
-          <p:nvPr/>
-        </p:nvSpPr>
-        <p:spPr>
-          <a:xfrm>
-            <a:off x="5242560" y="3955658"/>
-            <a:ext cx="1040773" cy="338554"/>
-          </a:xfrm>
-          <a:prstGeom prst="rect">
-            <a:avLst/>
-          </a:prstGeom>
-          <a:noFill/>
-        </p:spPr>
-        <p:txBody>
-          <a:bodyPr wrap="square" rtlCol="0">
-            <a:spAutoFit/>
-          </a:bodyPr>
-          <a:lstStyle/>
-          <a:p>
-            <a:r>
-              <a:rPr lang="en-NZ" sz="1600" dirty="0"/>
-              <a:t>Sign in </a:t>
-            </a:r>
-          </a:p>
-        </p:txBody>
-      </p:sp>
-      <p:sp>
-        <p:nvSpPr>
-          <p:cNvPr id="28" name="TextBox 27">
-            <a:extLst>
-              <a:ext uri="{FF2B5EF4-FFF2-40B4-BE49-F238E27FC236}">
-                <a16:creationId xmlns:a16="http://schemas.microsoft.com/office/drawing/2014/main" id="{837BEF7F-F6BF-E0FB-8064-D1A5771BA03F}"/>
-              </a:ext>
-            </a:extLst>
-          </p:cNvPr>
-          <p:cNvSpPr txBox="1"/>
-          <p:nvPr/>
-        </p:nvSpPr>
-        <p:spPr>
-          <a:xfrm>
-            <a:off x="4262120" y="2508159"/>
-            <a:ext cx="1082040" cy="276999"/>
-          </a:xfrm>
-          <a:prstGeom prst="rect">
-            <a:avLst/>
-          </a:prstGeom>
-          <a:noFill/>
-        </p:spPr>
-        <p:txBody>
-          <a:bodyPr wrap="square" rtlCol="0">
-            <a:spAutoFit/>
-          </a:bodyPr>
-          <a:lstStyle/>
-          <a:p>
-            <a:r>
-              <a:rPr lang="en-NZ" sz="1200" dirty="0"/>
-              <a:t>&lt;&lt;form&gt;&gt;</a:t>
-            </a:r>
-          </a:p>
-        </p:txBody>
-      </p:sp>
-      <p:sp>
-        <p:nvSpPr>
-          <p:cNvPr id="29" name="TextBox 28">
-            <a:extLst>
-              <a:ext uri="{FF2B5EF4-FFF2-40B4-BE49-F238E27FC236}">
-                <a16:creationId xmlns:a16="http://schemas.microsoft.com/office/drawing/2014/main" id="{F5AE6CD4-FB5D-140B-72BC-4E5820C186E2}"/>
-              </a:ext>
-            </a:extLst>
-          </p:cNvPr>
-          <p:cNvSpPr txBox="1"/>
-          <p:nvPr/>
-        </p:nvSpPr>
-        <p:spPr>
-          <a:xfrm>
-            <a:off x="4216399" y="3561939"/>
-            <a:ext cx="1559249" cy="276999"/>
-          </a:xfrm>
-          <a:prstGeom prst="rect">
-            <a:avLst/>
-          </a:prstGeom>
-          <a:noFill/>
-        </p:spPr>
-        <p:txBody>
-          <a:bodyPr wrap="square" rtlCol="0">
-            <a:spAutoFit/>
-          </a:bodyPr>
-          <a:lstStyle/>
-          <a:p>
-            <a:r>
-              <a:rPr lang="en-NZ" sz="1200" dirty="0"/>
-              <a:t>Forgot password?</a:t>
-            </a:r>
-          </a:p>
-        </p:txBody>
-      </p:sp>
-      <p:sp>
-        <p:nvSpPr>
-          <p:cNvPr id="30" name="TextBox 29">
-            <a:extLst>
-              <a:ext uri="{FF2B5EF4-FFF2-40B4-BE49-F238E27FC236}">
-                <a16:creationId xmlns:a16="http://schemas.microsoft.com/office/drawing/2014/main" id="{4E8ADF80-6D22-069A-4C83-EEAA58BD7E58}"/>
-              </a:ext>
-            </a:extLst>
-          </p:cNvPr>
-          <p:cNvSpPr txBox="1"/>
-          <p:nvPr/>
-        </p:nvSpPr>
-        <p:spPr>
-          <a:xfrm>
-            <a:off x="4237031" y="4348240"/>
-            <a:ext cx="949960" cy="276999"/>
-          </a:xfrm>
-          <a:prstGeom prst="rect">
-            <a:avLst/>
-          </a:prstGeom>
-          <a:noFill/>
-        </p:spPr>
-        <p:txBody>
-          <a:bodyPr wrap="square" rtlCol="0">
-            <a:spAutoFit/>
-          </a:bodyPr>
-          <a:lstStyle/>
-          <a:p>
-            <a:r>
-              <a:rPr lang="en-NZ" sz="1200" dirty="0"/>
-              <a:t>Sign up…</a:t>
-            </a:r>
-          </a:p>
-        </p:txBody>
-      </p:sp>
-      <p:sp>
-        <p:nvSpPr>
-          <p:cNvPr id="41" name="TextBox 40">
-            <a:extLst>
-              <a:ext uri="{FF2B5EF4-FFF2-40B4-BE49-F238E27FC236}">
-                <a16:creationId xmlns:a16="http://schemas.microsoft.com/office/drawing/2014/main" id="{94E41234-B2E6-5D59-FD8D-E52702986355}"/>
-              </a:ext>
-            </a:extLst>
-          </p:cNvPr>
-          <p:cNvSpPr txBox="1"/>
-          <p:nvPr/>
-        </p:nvSpPr>
-        <p:spPr>
-          <a:xfrm>
-            <a:off x="5009191" y="651691"/>
-            <a:ext cx="2007225" cy="369332"/>
-          </a:xfrm>
-          <a:prstGeom prst="rect">
-            <a:avLst/>
-          </a:prstGeom>
-          <a:noFill/>
-          <a:ln>
-            <a:noFill/>
-          </a:ln>
-        </p:spPr>
-        <p:txBody>
-          <a:bodyPr wrap="square" rtlCol="0">
-            <a:spAutoFit/>
-          </a:bodyPr>
-          <a:lstStyle/>
-          <a:p>
-            <a:r>
               <a:rPr lang="en-NZ" dirty="0"/>
               <a:t>Agora Trading</a:t>
             </a:r>
@@ -27151,8 +28757,8 @@
         </p:nvSpPr>
         <p:spPr>
           <a:xfrm>
-            <a:off x="3789680" y="457200"/>
-            <a:ext cx="4053840" cy="793948"/>
+            <a:off x="3580262" y="413003"/>
+            <a:ext cx="3495040" cy="645011"/>
           </a:xfrm>
           <a:prstGeom prst="rect">
             <a:avLst/>
@@ -27203,8 +28809,8 @@
         </p:nvSpPr>
         <p:spPr>
           <a:xfrm>
-            <a:off x="1692695" y="559358"/>
-            <a:ext cx="757898" cy="307777"/>
+            <a:off x="1331404" y="394247"/>
+            <a:ext cx="598759" cy="307777"/>
           </a:xfrm>
           <a:prstGeom prst="rect">
             <a:avLst/>
@@ -27276,8 +28882,8 @@
         </p:nvSpPr>
         <p:spPr>
           <a:xfrm>
-            <a:off x="9535295" y="2474062"/>
-            <a:ext cx="1458410" cy="276999"/>
+            <a:off x="10539035" y="1643721"/>
+            <a:ext cx="812402" cy="276999"/>
           </a:xfrm>
           <a:prstGeom prst="rect">
             <a:avLst/>
@@ -27433,8 +29039,8 @@
         </p:nvSpPr>
         <p:spPr>
           <a:xfrm>
-            <a:off x="817501" y="2098634"/>
-            <a:ext cx="2717800" cy="369332"/>
+            <a:off x="4566919" y="-8261"/>
+            <a:ext cx="4059147" cy="369332"/>
           </a:xfrm>
           <a:prstGeom prst="rect">
             <a:avLst/>
@@ -27453,7 +29059,7 @@
                   <a:srgbClr val="FF0000"/>
                 </a:solidFill>
               </a:rPr>
-              <a:t>Login page</a:t>
+              <a:t>Sign in </a:t>
             </a:r>
           </a:p>
         </p:txBody>
@@ -27493,10 +29099,2247 @@
           </a:p>
         </p:txBody>
       </p:sp>
+      <p:sp>
+        <p:nvSpPr>
+          <p:cNvPr id="2" name="Rectangle 1">
+            <a:extLst>
+              <a:ext uri="{FF2B5EF4-FFF2-40B4-BE49-F238E27FC236}">
+                <a16:creationId xmlns:a16="http://schemas.microsoft.com/office/drawing/2014/main" id="{305281F3-60B0-92BB-7D0E-06F6FF81D32B}"/>
+              </a:ext>
+            </a:extLst>
+          </p:cNvPr>
+          <p:cNvSpPr/>
+          <p:nvPr/>
+        </p:nvSpPr>
+        <p:spPr>
+          <a:xfrm>
+            <a:off x="9942653" y="466048"/>
+            <a:ext cx="1192764" cy="451315"/>
+          </a:xfrm>
+          <a:prstGeom prst="rect">
+            <a:avLst/>
+          </a:prstGeom>
+          <a:noFill/>
+          <a:ln>
+            <a:solidFill>
+              <a:schemeClr val="tx1"/>
+            </a:solidFill>
+          </a:ln>
+        </p:spPr>
+        <p:style>
+          <a:lnRef idx="2">
+            <a:schemeClr val="accent1">
+              <a:shade val="50000"/>
+            </a:schemeClr>
+          </a:lnRef>
+          <a:fillRef idx="1">
+            <a:schemeClr val="accent1"/>
+          </a:fillRef>
+          <a:effectRef idx="0">
+            <a:schemeClr val="accent1"/>
+          </a:effectRef>
+          <a:fontRef idx="minor">
+            <a:schemeClr val="lt1"/>
+          </a:fontRef>
+        </p:style>
+        <p:txBody>
+          <a:bodyPr rtlCol="0" anchor="ctr"/>
+          <a:lstStyle/>
+          <a:p>
+            <a:pPr algn="ctr"/>
+            <a:endParaRPr lang="en-NZ"/>
+          </a:p>
+        </p:txBody>
+      </p:sp>
+      <p:sp>
+        <p:nvSpPr>
+          <p:cNvPr id="3" name="TextBox 2">
+            <a:extLst>
+              <a:ext uri="{FF2B5EF4-FFF2-40B4-BE49-F238E27FC236}">
+                <a16:creationId xmlns:a16="http://schemas.microsoft.com/office/drawing/2014/main" id="{F71C8CB1-4EA2-418A-D308-A67E45BC45CE}"/>
+              </a:ext>
+            </a:extLst>
+          </p:cNvPr>
+          <p:cNvSpPr txBox="1"/>
+          <p:nvPr/>
+        </p:nvSpPr>
+        <p:spPr>
+          <a:xfrm>
+            <a:off x="10112828" y="505593"/>
+            <a:ext cx="1091682" cy="369332"/>
+          </a:xfrm>
+          <a:prstGeom prst="rect">
+            <a:avLst/>
+          </a:prstGeom>
+          <a:noFill/>
+        </p:spPr>
+        <p:txBody>
+          <a:bodyPr wrap="square" rtlCol="0">
+            <a:spAutoFit/>
+          </a:bodyPr>
+          <a:lstStyle/>
+          <a:p>
+            <a:r>
+              <a:rPr lang="en-NZ" dirty="0"/>
+              <a:t>Sign up</a:t>
+            </a:r>
+          </a:p>
+        </p:txBody>
+      </p:sp>
+      <p:sp>
+        <p:nvSpPr>
+          <p:cNvPr id="25" name="TextBox 24">
+            <a:extLst>
+              <a:ext uri="{FF2B5EF4-FFF2-40B4-BE49-F238E27FC236}">
+                <a16:creationId xmlns:a16="http://schemas.microsoft.com/office/drawing/2014/main" id="{1C8E0819-CDA8-EAA5-4BAD-205840723692}"/>
+              </a:ext>
+            </a:extLst>
+          </p:cNvPr>
+          <p:cNvSpPr txBox="1"/>
+          <p:nvPr/>
+        </p:nvSpPr>
+        <p:spPr>
+          <a:xfrm>
+            <a:off x="94893" y="1202974"/>
+            <a:ext cx="1494971" cy="369332"/>
+          </a:xfrm>
+          <a:prstGeom prst="rect">
+            <a:avLst/>
+          </a:prstGeom>
+          <a:noFill/>
+          <a:ln>
+            <a:solidFill>
+              <a:schemeClr val="tx1"/>
+            </a:solidFill>
+          </a:ln>
+        </p:spPr>
+        <p:txBody>
+          <a:bodyPr wrap="square" rtlCol="0">
+            <a:spAutoFit/>
+          </a:bodyPr>
+          <a:lstStyle/>
+          <a:p>
+            <a:r>
+              <a:rPr lang="en-NZ" dirty="0"/>
+              <a:t>News</a:t>
+            </a:r>
+          </a:p>
+        </p:txBody>
+      </p:sp>
+      <p:sp>
+        <p:nvSpPr>
+          <p:cNvPr id="26" name="TextBox 25">
+            <a:extLst>
+              <a:ext uri="{FF2B5EF4-FFF2-40B4-BE49-F238E27FC236}">
+                <a16:creationId xmlns:a16="http://schemas.microsoft.com/office/drawing/2014/main" id="{36C0DFF8-976A-1FCB-B2AB-568DD379BF4D}"/>
+              </a:ext>
+            </a:extLst>
+          </p:cNvPr>
+          <p:cNvSpPr txBox="1"/>
+          <p:nvPr/>
+        </p:nvSpPr>
+        <p:spPr>
+          <a:xfrm>
+            <a:off x="1917834" y="1213051"/>
+            <a:ext cx="1494971" cy="369332"/>
+          </a:xfrm>
+          <a:prstGeom prst="rect">
+            <a:avLst/>
+          </a:prstGeom>
+          <a:solidFill>
+            <a:schemeClr val="bg2">
+              <a:lumMod val="90000"/>
+            </a:schemeClr>
+          </a:solidFill>
+          <a:ln>
+            <a:solidFill>
+              <a:schemeClr val="tx1"/>
+            </a:solidFill>
+          </a:ln>
+        </p:spPr>
+        <p:txBody>
+          <a:bodyPr wrap="square" rtlCol="0">
+            <a:spAutoFit/>
+          </a:bodyPr>
+          <a:lstStyle/>
+          <a:p>
+            <a:r>
+              <a:rPr lang="en-NZ" dirty="0"/>
+              <a:t>Listings</a:t>
+            </a:r>
+          </a:p>
+        </p:txBody>
+      </p:sp>
+      <p:sp>
+        <p:nvSpPr>
+          <p:cNvPr id="27" name="TextBox 26">
+            <a:extLst>
+              <a:ext uri="{FF2B5EF4-FFF2-40B4-BE49-F238E27FC236}">
+                <a16:creationId xmlns:a16="http://schemas.microsoft.com/office/drawing/2014/main" id="{C44761C6-3C9D-0135-4AE7-74D5B4DC3962}"/>
+              </a:ext>
+            </a:extLst>
+          </p:cNvPr>
+          <p:cNvSpPr txBox="1"/>
+          <p:nvPr/>
+        </p:nvSpPr>
+        <p:spPr>
+          <a:xfrm>
+            <a:off x="3742921" y="1203720"/>
+            <a:ext cx="1494971" cy="369332"/>
+          </a:xfrm>
+          <a:prstGeom prst="rect">
+            <a:avLst/>
+          </a:prstGeom>
+          <a:noFill/>
+          <a:ln>
+            <a:solidFill>
+              <a:schemeClr val="tx1"/>
+            </a:solidFill>
+          </a:ln>
+        </p:spPr>
+        <p:txBody>
+          <a:bodyPr wrap="square" rtlCol="0">
+            <a:spAutoFit/>
+          </a:bodyPr>
+          <a:lstStyle/>
+          <a:p>
+            <a:r>
+              <a:rPr lang="en-NZ" dirty="0"/>
+              <a:t>Activity</a:t>
+            </a:r>
+          </a:p>
+        </p:txBody>
+      </p:sp>
+      <p:sp>
+        <p:nvSpPr>
+          <p:cNvPr id="29" name="Rectangle 28">
+            <a:extLst>
+              <a:ext uri="{FF2B5EF4-FFF2-40B4-BE49-F238E27FC236}">
+                <a16:creationId xmlns:a16="http://schemas.microsoft.com/office/drawing/2014/main" id="{855AEC94-17AA-ECBC-F855-71E70F6E6CA7}"/>
+              </a:ext>
+            </a:extLst>
+          </p:cNvPr>
+          <p:cNvSpPr/>
+          <p:nvPr/>
+        </p:nvSpPr>
+        <p:spPr>
+          <a:xfrm>
+            <a:off x="0" y="1167561"/>
+            <a:ext cx="12192000" cy="428273"/>
+          </a:xfrm>
+          <a:prstGeom prst="rect">
+            <a:avLst/>
+          </a:prstGeom>
+          <a:noFill/>
+          <a:ln>
+            <a:solidFill>
+              <a:schemeClr val="tx1"/>
+            </a:solidFill>
+          </a:ln>
+        </p:spPr>
+        <p:style>
+          <a:lnRef idx="2">
+            <a:schemeClr val="accent1">
+              <a:shade val="50000"/>
+            </a:schemeClr>
+          </a:lnRef>
+          <a:fillRef idx="1">
+            <a:schemeClr val="accent1"/>
+          </a:fillRef>
+          <a:effectRef idx="0">
+            <a:schemeClr val="accent1"/>
+          </a:effectRef>
+          <a:fontRef idx="minor">
+            <a:schemeClr val="lt1"/>
+          </a:fontRef>
+        </p:style>
+        <p:txBody>
+          <a:bodyPr rtlCol="0" anchor="ctr"/>
+          <a:lstStyle/>
+          <a:p>
+            <a:pPr algn="ctr"/>
+            <a:endParaRPr lang="en-NZ"/>
+          </a:p>
+        </p:txBody>
+      </p:sp>
+      <p:sp>
+        <p:nvSpPr>
+          <p:cNvPr id="30" name="TextBox 29">
+            <a:extLst>
+              <a:ext uri="{FF2B5EF4-FFF2-40B4-BE49-F238E27FC236}">
+                <a16:creationId xmlns:a16="http://schemas.microsoft.com/office/drawing/2014/main" id="{CF989602-9C84-6043-FD13-A6B398E4FCEC}"/>
+              </a:ext>
+            </a:extLst>
+          </p:cNvPr>
+          <p:cNvSpPr txBox="1"/>
+          <p:nvPr/>
+        </p:nvSpPr>
+        <p:spPr>
+          <a:xfrm>
+            <a:off x="8626067" y="1224602"/>
+            <a:ext cx="1597306" cy="276999"/>
+          </a:xfrm>
+          <a:prstGeom prst="rect">
+            <a:avLst/>
+          </a:prstGeom>
+          <a:noFill/>
+        </p:spPr>
+        <p:txBody>
+          <a:bodyPr wrap="square" rtlCol="0">
+            <a:spAutoFit/>
+          </a:bodyPr>
+          <a:lstStyle/>
+          <a:p>
+            <a:r>
+              <a:rPr lang="en-NZ" sz="1200" dirty="0"/>
+              <a:t>&lt;&lt;nav&gt;&gt;</a:t>
+            </a:r>
+          </a:p>
+        </p:txBody>
+      </p:sp>
+      <p:sp>
+        <p:nvSpPr>
+          <p:cNvPr id="6" name="Rectangle 5">
+            <a:extLst>
+              <a:ext uri="{FF2B5EF4-FFF2-40B4-BE49-F238E27FC236}">
+                <a16:creationId xmlns:a16="http://schemas.microsoft.com/office/drawing/2014/main" id="{EE31C3F2-6364-E051-9585-50F4B2D7C97E}"/>
+              </a:ext>
+            </a:extLst>
+          </p:cNvPr>
+          <p:cNvSpPr/>
+          <p:nvPr/>
+        </p:nvSpPr>
+        <p:spPr>
+          <a:xfrm>
+            <a:off x="3984172" y="2500609"/>
+            <a:ext cx="3377681" cy="2220686"/>
+          </a:xfrm>
+          <a:prstGeom prst="rect">
+            <a:avLst/>
+          </a:prstGeom>
+          <a:noFill/>
+          <a:ln>
+            <a:solidFill>
+              <a:schemeClr val="tx1"/>
+            </a:solidFill>
+          </a:ln>
+        </p:spPr>
+        <p:style>
+          <a:lnRef idx="2">
+            <a:schemeClr val="accent1">
+              <a:shade val="50000"/>
+            </a:schemeClr>
+          </a:lnRef>
+          <a:fillRef idx="1">
+            <a:schemeClr val="accent1"/>
+          </a:fillRef>
+          <a:effectRef idx="0">
+            <a:schemeClr val="accent1"/>
+          </a:effectRef>
+          <a:fontRef idx="minor">
+            <a:schemeClr val="lt1"/>
+          </a:fontRef>
+        </p:style>
+        <p:txBody>
+          <a:bodyPr rtlCol="0" anchor="ctr"/>
+          <a:lstStyle/>
+          <a:p>
+            <a:pPr algn="ctr"/>
+            <a:endParaRPr lang="en-NZ"/>
+          </a:p>
+        </p:txBody>
+      </p:sp>
+      <p:sp>
+        <p:nvSpPr>
+          <p:cNvPr id="8" name="Rectangle 7">
+            <a:extLst>
+              <a:ext uri="{FF2B5EF4-FFF2-40B4-BE49-F238E27FC236}">
+                <a16:creationId xmlns:a16="http://schemas.microsoft.com/office/drawing/2014/main" id="{079785B8-927E-CD8D-1FC1-CF39A333F93C}"/>
+              </a:ext>
+            </a:extLst>
+          </p:cNvPr>
+          <p:cNvSpPr/>
+          <p:nvPr/>
+        </p:nvSpPr>
+        <p:spPr>
+          <a:xfrm>
+            <a:off x="4175760" y="2817850"/>
+            <a:ext cx="3018142" cy="298579"/>
+          </a:xfrm>
+          <a:prstGeom prst="rect">
+            <a:avLst/>
+          </a:prstGeom>
+          <a:noFill/>
+          <a:ln>
+            <a:solidFill>
+              <a:schemeClr val="tx1"/>
+            </a:solidFill>
+          </a:ln>
+        </p:spPr>
+        <p:style>
+          <a:lnRef idx="2">
+            <a:schemeClr val="accent1">
+              <a:shade val="50000"/>
+            </a:schemeClr>
+          </a:lnRef>
+          <a:fillRef idx="1">
+            <a:schemeClr val="accent1"/>
+          </a:fillRef>
+          <a:effectRef idx="0">
+            <a:schemeClr val="accent1"/>
+          </a:effectRef>
+          <a:fontRef idx="minor">
+            <a:schemeClr val="lt1"/>
+          </a:fontRef>
+        </p:style>
+        <p:txBody>
+          <a:bodyPr rtlCol="0" anchor="ctr"/>
+          <a:lstStyle/>
+          <a:p>
+            <a:pPr algn="ctr"/>
+            <a:endParaRPr lang="en-NZ"/>
+          </a:p>
+        </p:txBody>
+      </p:sp>
+      <p:sp>
+        <p:nvSpPr>
+          <p:cNvPr id="9" name="Rectangle 8">
+            <a:extLst>
+              <a:ext uri="{FF2B5EF4-FFF2-40B4-BE49-F238E27FC236}">
+                <a16:creationId xmlns:a16="http://schemas.microsoft.com/office/drawing/2014/main" id="{207C2DD2-9A3D-D648-65D7-2EC1CE47E01C}"/>
+              </a:ext>
+            </a:extLst>
+          </p:cNvPr>
+          <p:cNvSpPr/>
+          <p:nvPr/>
+        </p:nvSpPr>
+        <p:spPr>
+          <a:xfrm>
+            <a:off x="4175760" y="3284380"/>
+            <a:ext cx="3018142" cy="298579"/>
+          </a:xfrm>
+          <a:prstGeom prst="rect">
+            <a:avLst/>
+          </a:prstGeom>
+          <a:noFill/>
+          <a:ln>
+            <a:solidFill>
+              <a:schemeClr val="tx1"/>
+            </a:solidFill>
+          </a:ln>
+        </p:spPr>
+        <p:style>
+          <a:lnRef idx="2">
+            <a:schemeClr val="accent1">
+              <a:shade val="50000"/>
+            </a:schemeClr>
+          </a:lnRef>
+          <a:fillRef idx="1">
+            <a:schemeClr val="accent1"/>
+          </a:fillRef>
+          <a:effectRef idx="0">
+            <a:schemeClr val="accent1"/>
+          </a:effectRef>
+          <a:fontRef idx="minor">
+            <a:schemeClr val="lt1"/>
+          </a:fontRef>
+        </p:style>
+        <p:txBody>
+          <a:bodyPr rtlCol="0" anchor="ctr"/>
+          <a:lstStyle/>
+          <a:p>
+            <a:pPr algn="ctr"/>
+            <a:endParaRPr lang="en-NZ"/>
+          </a:p>
+        </p:txBody>
+      </p:sp>
+      <p:sp>
+        <p:nvSpPr>
+          <p:cNvPr id="20" name="Rectangle 19">
+            <a:extLst>
+              <a:ext uri="{FF2B5EF4-FFF2-40B4-BE49-F238E27FC236}">
+                <a16:creationId xmlns:a16="http://schemas.microsoft.com/office/drawing/2014/main" id="{8EF9C50B-41A7-7BF3-B1AD-344B2B70B877}"/>
+              </a:ext>
+            </a:extLst>
+          </p:cNvPr>
+          <p:cNvSpPr/>
+          <p:nvPr/>
+        </p:nvSpPr>
+        <p:spPr>
+          <a:xfrm>
+            <a:off x="4175760" y="3610952"/>
+            <a:ext cx="2133600" cy="186614"/>
+          </a:xfrm>
+          <a:prstGeom prst="rect">
+            <a:avLst/>
+          </a:prstGeom>
+          <a:noFill/>
+          <a:ln>
+            <a:solidFill>
+              <a:schemeClr val="tx1"/>
+            </a:solidFill>
+          </a:ln>
+        </p:spPr>
+        <p:style>
+          <a:lnRef idx="2">
+            <a:schemeClr val="accent1">
+              <a:shade val="50000"/>
+            </a:schemeClr>
+          </a:lnRef>
+          <a:fillRef idx="1">
+            <a:schemeClr val="accent1"/>
+          </a:fillRef>
+          <a:effectRef idx="0">
+            <a:schemeClr val="accent1"/>
+          </a:effectRef>
+          <a:fontRef idx="minor">
+            <a:schemeClr val="lt1"/>
+          </a:fontRef>
+        </p:style>
+        <p:txBody>
+          <a:bodyPr rtlCol="0" anchor="ctr"/>
+          <a:lstStyle/>
+          <a:p>
+            <a:pPr algn="ctr"/>
+            <a:endParaRPr lang="en-NZ"/>
+          </a:p>
+        </p:txBody>
+      </p:sp>
+      <p:sp>
+        <p:nvSpPr>
+          <p:cNvPr id="28" name="Rectangle 27">
+            <a:extLst>
+              <a:ext uri="{FF2B5EF4-FFF2-40B4-BE49-F238E27FC236}">
+                <a16:creationId xmlns:a16="http://schemas.microsoft.com/office/drawing/2014/main" id="{CB25A5E1-0E8D-EC94-EC03-FF78A0B6F581}"/>
+              </a:ext>
+            </a:extLst>
+          </p:cNvPr>
+          <p:cNvSpPr/>
+          <p:nvPr/>
+        </p:nvSpPr>
+        <p:spPr>
+          <a:xfrm>
+            <a:off x="5009191" y="3943379"/>
+            <a:ext cx="1351280" cy="370841"/>
+          </a:xfrm>
+          <a:prstGeom prst="rect">
+            <a:avLst/>
+          </a:prstGeom>
+          <a:noFill/>
+          <a:ln>
+            <a:solidFill>
+              <a:schemeClr val="tx1"/>
+            </a:solidFill>
+          </a:ln>
+        </p:spPr>
+        <p:style>
+          <a:lnRef idx="2">
+            <a:schemeClr val="accent1">
+              <a:shade val="50000"/>
+            </a:schemeClr>
+          </a:lnRef>
+          <a:fillRef idx="1">
+            <a:schemeClr val="accent1"/>
+          </a:fillRef>
+          <a:effectRef idx="0">
+            <a:schemeClr val="accent1"/>
+          </a:effectRef>
+          <a:fontRef idx="minor">
+            <a:schemeClr val="lt1"/>
+          </a:fontRef>
+        </p:style>
+        <p:txBody>
+          <a:bodyPr rtlCol="0" anchor="ctr"/>
+          <a:lstStyle/>
+          <a:p>
+            <a:pPr algn="ctr"/>
+            <a:endParaRPr lang="en-NZ"/>
+          </a:p>
+        </p:txBody>
+      </p:sp>
+      <p:sp>
+        <p:nvSpPr>
+          <p:cNvPr id="35" name="Rectangle 34">
+            <a:extLst>
+              <a:ext uri="{FF2B5EF4-FFF2-40B4-BE49-F238E27FC236}">
+                <a16:creationId xmlns:a16="http://schemas.microsoft.com/office/drawing/2014/main" id="{54259FCC-DF14-9121-0B6C-F984243D414E}"/>
+              </a:ext>
+            </a:extLst>
+          </p:cNvPr>
+          <p:cNvSpPr/>
+          <p:nvPr/>
+        </p:nvSpPr>
+        <p:spPr>
+          <a:xfrm>
+            <a:off x="4175760" y="4396382"/>
+            <a:ext cx="2133600" cy="222743"/>
+          </a:xfrm>
+          <a:prstGeom prst="rect">
+            <a:avLst/>
+          </a:prstGeom>
+          <a:noFill/>
+          <a:ln>
+            <a:solidFill>
+              <a:schemeClr val="tx1"/>
+            </a:solidFill>
+          </a:ln>
+        </p:spPr>
+        <p:style>
+          <a:lnRef idx="2">
+            <a:schemeClr val="accent1">
+              <a:shade val="50000"/>
+            </a:schemeClr>
+          </a:lnRef>
+          <a:fillRef idx="1">
+            <a:schemeClr val="accent1"/>
+          </a:fillRef>
+          <a:effectRef idx="0">
+            <a:schemeClr val="accent1"/>
+          </a:effectRef>
+          <a:fontRef idx="minor">
+            <a:schemeClr val="lt1"/>
+          </a:fontRef>
+        </p:style>
+        <p:txBody>
+          <a:bodyPr rtlCol="0" anchor="ctr"/>
+          <a:lstStyle/>
+          <a:p>
+            <a:pPr algn="ctr"/>
+            <a:endParaRPr lang="en-NZ"/>
+          </a:p>
+        </p:txBody>
+      </p:sp>
+      <p:sp>
+        <p:nvSpPr>
+          <p:cNvPr id="38" name="Rectangle 37">
+            <a:extLst>
+              <a:ext uri="{FF2B5EF4-FFF2-40B4-BE49-F238E27FC236}">
+                <a16:creationId xmlns:a16="http://schemas.microsoft.com/office/drawing/2014/main" id="{D581CD42-1AFB-0B77-BF3A-CBD63C0BBE62}"/>
+              </a:ext>
+            </a:extLst>
+          </p:cNvPr>
+          <p:cNvSpPr/>
+          <p:nvPr/>
+        </p:nvSpPr>
+        <p:spPr>
+          <a:xfrm>
+            <a:off x="4216400" y="2836821"/>
+            <a:ext cx="853440" cy="249555"/>
+          </a:xfrm>
+          <a:prstGeom prst="rect">
+            <a:avLst/>
+          </a:prstGeom>
+          <a:noFill/>
+          <a:ln>
+            <a:solidFill>
+              <a:schemeClr val="tx1"/>
+            </a:solidFill>
+          </a:ln>
+        </p:spPr>
+        <p:style>
+          <a:lnRef idx="2">
+            <a:schemeClr val="accent1">
+              <a:shade val="50000"/>
+            </a:schemeClr>
+          </a:lnRef>
+          <a:fillRef idx="1">
+            <a:schemeClr val="accent1"/>
+          </a:fillRef>
+          <a:effectRef idx="0">
+            <a:schemeClr val="accent1"/>
+          </a:effectRef>
+          <a:fontRef idx="minor">
+            <a:schemeClr val="lt1"/>
+          </a:fontRef>
+        </p:style>
+        <p:txBody>
+          <a:bodyPr rtlCol="0" anchor="ctr"/>
+          <a:lstStyle/>
+          <a:p>
+            <a:pPr algn="ctr"/>
+            <a:endParaRPr lang="en-NZ"/>
+          </a:p>
+        </p:txBody>
+      </p:sp>
+      <p:sp>
+        <p:nvSpPr>
+          <p:cNvPr id="39" name="Rectangle 38">
+            <a:extLst>
+              <a:ext uri="{FF2B5EF4-FFF2-40B4-BE49-F238E27FC236}">
+                <a16:creationId xmlns:a16="http://schemas.microsoft.com/office/drawing/2014/main" id="{6CD72F09-E12A-63E0-D0B0-097C36CCECE3}"/>
+              </a:ext>
+            </a:extLst>
+          </p:cNvPr>
+          <p:cNvSpPr/>
+          <p:nvPr/>
+        </p:nvSpPr>
+        <p:spPr>
+          <a:xfrm>
+            <a:off x="4216400" y="3304701"/>
+            <a:ext cx="853440" cy="253745"/>
+          </a:xfrm>
+          <a:prstGeom prst="rect">
+            <a:avLst/>
+          </a:prstGeom>
+          <a:noFill/>
+          <a:ln>
+            <a:solidFill>
+              <a:schemeClr val="tx1"/>
+            </a:solidFill>
+          </a:ln>
+        </p:spPr>
+        <p:style>
+          <a:lnRef idx="2">
+            <a:schemeClr val="accent1">
+              <a:shade val="50000"/>
+            </a:schemeClr>
+          </a:lnRef>
+          <a:fillRef idx="1">
+            <a:schemeClr val="accent1"/>
+          </a:fillRef>
+          <a:effectRef idx="0">
+            <a:schemeClr val="accent1"/>
+          </a:effectRef>
+          <a:fontRef idx="minor">
+            <a:schemeClr val="lt1"/>
+          </a:fontRef>
+        </p:style>
+        <p:txBody>
+          <a:bodyPr rtlCol="0" anchor="ctr"/>
+          <a:lstStyle/>
+          <a:p>
+            <a:pPr algn="ctr"/>
+            <a:endParaRPr lang="en-NZ"/>
+          </a:p>
+        </p:txBody>
+      </p:sp>
+      <p:sp>
+        <p:nvSpPr>
+          <p:cNvPr id="40" name="Rectangle 39">
+            <a:extLst>
+              <a:ext uri="{FF2B5EF4-FFF2-40B4-BE49-F238E27FC236}">
+                <a16:creationId xmlns:a16="http://schemas.microsoft.com/office/drawing/2014/main" id="{65A6BD91-2683-E321-C0CE-F28D43903DB6}"/>
+              </a:ext>
+            </a:extLst>
+          </p:cNvPr>
+          <p:cNvSpPr/>
+          <p:nvPr/>
+        </p:nvSpPr>
+        <p:spPr>
+          <a:xfrm>
+            <a:off x="5088876" y="2836821"/>
+            <a:ext cx="2081543" cy="249555"/>
+          </a:xfrm>
+          <a:prstGeom prst="rect">
+            <a:avLst/>
+          </a:prstGeom>
+          <a:noFill/>
+          <a:ln>
+            <a:solidFill>
+              <a:schemeClr val="tx1"/>
+            </a:solidFill>
+          </a:ln>
+        </p:spPr>
+        <p:style>
+          <a:lnRef idx="2">
+            <a:schemeClr val="accent1">
+              <a:shade val="50000"/>
+            </a:schemeClr>
+          </a:lnRef>
+          <a:fillRef idx="1">
+            <a:schemeClr val="accent1"/>
+          </a:fillRef>
+          <a:effectRef idx="0">
+            <a:schemeClr val="accent1"/>
+          </a:effectRef>
+          <a:fontRef idx="minor">
+            <a:schemeClr val="lt1"/>
+          </a:fontRef>
+        </p:style>
+        <p:txBody>
+          <a:bodyPr rtlCol="0" anchor="ctr"/>
+          <a:lstStyle/>
+          <a:p>
+            <a:pPr algn="ctr"/>
+            <a:endParaRPr lang="en-NZ"/>
+          </a:p>
+        </p:txBody>
+      </p:sp>
+      <p:sp>
+        <p:nvSpPr>
+          <p:cNvPr id="50" name="Rectangle 49">
+            <a:extLst>
+              <a:ext uri="{FF2B5EF4-FFF2-40B4-BE49-F238E27FC236}">
+                <a16:creationId xmlns:a16="http://schemas.microsoft.com/office/drawing/2014/main" id="{6D53F8B6-DF37-84CB-9151-30480D6FCC3F}"/>
+              </a:ext>
+            </a:extLst>
+          </p:cNvPr>
+          <p:cNvSpPr/>
+          <p:nvPr/>
+        </p:nvSpPr>
+        <p:spPr>
+          <a:xfrm>
+            <a:off x="5088876" y="3308891"/>
+            <a:ext cx="2081543" cy="249555"/>
+          </a:xfrm>
+          <a:prstGeom prst="rect">
+            <a:avLst/>
+          </a:prstGeom>
+          <a:noFill/>
+          <a:ln>
+            <a:solidFill>
+              <a:schemeClr val="tx1"/>
+            </a:solidFill>
+          </a:ln>
+        </p:spPr>
+        <p:style>
+          <a:lnRef idx="2">
+            <a:schemeClr val="accent1">
+              <a:shade val="50000"/>
+            </a:schemeClr>
+          </a:lnRef>
+          <a:fillRef idx="1">
+            <a:schemeClr val="accent1"/>
+          </a:fillRef>
+          <a:effectRef idx="0">
+            <a:schemeClr val="accent1"/>
+          </a:effectRef>
+          <a:fontRef idx="minor">
+            <a:schemeClr val="lt1"/>
+          </a:fontRef>
+        </p:style>
+        <p:txBody>
+          <a:bodyPr rtlCol="0" anchor="ctr"/>
+          <a:lstStyle/>
+          <a:p>
+            <a:pPr algn="ctr"/>
+            <a:endParaRPr lang="en-NZ"/>
+          </a:p>
+        </p:txBody>
+      </p:sp>
+      <p:sp>
+        <p:nvSpPr>
+          <p:cNvPr id="52" name="TextBox 51">
+            <a:extLst>
+              <a:ext uri="{FF2B5EF4-FFF2-40B4-BE49-F238E27FC236}">
+                <a16:creationId xmlns:a16="http://schemas.microsoft.com/office/drawing/2014/main" id="{B865C80B-0E62-6E08-EB2A-C267151DA4F6}"/>
+              </a:ext>
+            </a:extLst>
+          </p:cNvPr>
+          <p:cNvSpPr txBox="1"/>
+          <p:nvPr/>
+        </p:nvSpPr>
+        <p:spPr>
+          <a:xfrm>
+            <a:off x="4250572" y="2835495"/>
+            <a:ext cx="848993" cy="246221"/>
+          </a:xfrm>
+          <a:prstGeom prst="rect">
+            <a:avLst/>
+          </a:prstGeom>
+          <a:noFill/>
+        </p:spPr>
+        <p:txBody>
+          <a:bodyPr wrap="square" rtlCol="0">
+            <a:spAutoFit/>
+          </a:bodyPr>
+          <a:lstStyle/>
+          <a:p>
+            <a:r>
+              <a:rPr lang="en-NZ" sz="1000" dirty="0"/>
+              <a:t>Username</a:t>
+            </a:r>
+          </a:p>
+        </p:txBody>
+      </p:sp>
+      <p:sp>
+        <p:nvSpPr>
+          <p:cNvPr id="53" name="TextBox 52">
+            <a:extLst>
+              <a:ext uri="{FF2B5EF4-FFF2-40B4-BE49-F238E27FC236}">
+                <a16:creationId xmlns:a16="http://schemas.microsoft.com/office/drawing/2014/main" id="{80E5E9F0-2A63-2242-7332-29038F53B29C}"/>
+              </a:ext>
+            </a:extLst>
+          </p:cNvPr>
+          <p:cNvSpPr txBox="1"/>
+          <p:nvPr/>
+        </p:nvSpPr>
+        <p:spPr>
+          <a:xfrm>
+            <a:off x="4216400" y="3262242"/>
+            <a:ext cx="848993" cy="276999"/>
+          </a:xfrm>
+          <a:prstGeom prst="rect">
+            <a:avLst/>
+          </a:prstGeom>
+          <a:noFill/>
+        </p:spPr>
+        <p:txBody>
+          <a:bodyPr wrap="square" rtlCol="0">
+            <a:spAutoFit/>
+          </a:bodyPr>
+          <a:lstStyle/>
+          <a:p>
+            <a:r>
+              <a:rPr lang="en-NZ" sz="1200" dirty="0"/>
+              <a:t>Password</a:t>
+            </a:r>
+          </a:p>
+        </p:txBody>
+      </p:sp>
+      <p:sp>
+        <p:nvSpPr>
+          <p:cNvPr id="54" name="TextBox 53">
+            <a:extLst>
+              <a:ext uri="{FF2B5EF4-FFF2-40B4-BE49-F238E27FC236}">
+                <a16:creationId xmlns:a16="http://schemas.microsoft.com/office/drawing/2014/main" id="{3E906ACC-39B6-344D-5385-710F5552A7B8}"/>
+              </a:ext>
+            </a:extLst>
+          </p:cNvPr>
+          <p:cNvSpPr txBox="1"/>
+          <p:nvPr/>
+        </p:nvSpPr>
+        <p:spPr>
+          <a:xfrm>
+            <a:off x="5234939" y="2820813"/>
+            <a:ext cx="1935480" cy="276999"/>
+          </a:xfrm>
+          <a:prstGeom prst="rect">
+            <a:avLst/>
+          </a:prstGeom>
+          <a:noFill/>
+        </p:spPr>
+        <p:txBody>
+          <a:bodyPr wrap="square" rtlCol="0">
+            <a:spAutoFit/>
+          </a:bodyPr>
+          <a:lstStyle/>
+          <a:p>
+            <a:r>
+              <a:rPr lang="en-NZ" sz="1200" dirty="0"/>
+              <a:t>&lt;&lt;Input&gt;&gt;</a:t>
+            </a:r>
+          </a:p>
+        </p:txBody>
+      </p:sp>
+      <p:sp>
+        <p:nvSpPr>
+          <p:cNvPr id="55" name="TextBox 54">
+            <a:extLst>
+              <a:ext uri="{FF2B5EF4-FFF2-40B4-BE49-F238E27FC236}">
+                <a16:creationId xmlns:a16="http://schemas.microsoft.com/office/drawing/2014/main" id="{F833A740-7B67-6763-2117-BF6E4EE5AC3C}"/>
+              </a:ext>
+            </a:extLst>
+          </p:cNvPr>
+          <p:cNvSpPr txBox="1"/>
+          <p:nvPr/>
+        </p:nvSpPr>
+        <p:spPr>
+          <a:xfrm>
+            <a:off x="5234939" y="3272660"/>
+            <a:ext cx="1935480" cy="276999"/>
+          </a:xfrm>
+          <a:prstGeom prst="rect">
+            <a:avLst/>
+          </a:prstGeom>
+          <a:noFill/>
+        </p:spPr>
+        <p:txBody>
+          <a:bodyPr wrap="square" rtlCol="0">
+            <a:spAutoFit/>
+          </a:bodyPr>
+          <a:lstStyle/>
+          <a:p>
+            <a:r>
+              <a:rPr lang="en-NZ" sz="1200" dirty="0"/>
+              <a:t>&lt;&lt;Input&gt;&gt;</a:t>
+            </a:r>
+          </a:p>
+        </p:txBody>
+      </p:sp>
+      <p:sp>
+        <p:nvSpPr>
+          <p:cNvPr id="56" name="TextBox 55">
+            <a:extLst>
+              <a:ext uri="{FF2B5EF4-FFF2-40B4-BE49-F238E27FC236}">
+                <a16:creationId xmlns:a16="http://schemas.microsoft.com/office/drawing/2014/main" id="{C30A7C26-7F99-892D-57F1-B1FC257971A9}"/>
+              </a:ext>
+            </a:extLst>
+          </p:cNvPr>
+          <p:cNvSpPr txBox="1"/>
+          <p:nvPr/>
+        </p:nvSpPr>
+        <p:spPr>
+          <a:xfrm>
+            <a:off x="5242560" y="3955658"/>
+            <a:ext cx="1040773" cy="338554"/>
+          </a:xfrm>
+          <a:prstGeom prst="rect">
+            <a:avLst/>
+          </a:prstGeom>
+          <a:noFill/>
+        </p:spPr>
+        <p:txBody>
+          <a:bodyPr wrap="square" rtlCol="0">
+            <a:spAutoFit/>
+          </a:bodyPr>
+          <a:lstStyle/>
+          <a:p>
+            <a:r>
+              <a:rPr lang="en-NZ" sz="1600" dirty="0"/>
+              <a:t>Sign in </a:t>
+            </a:r>
+          </a:p>
+        </p:txBody>
+      </p:sp>
+      <p:sp>
+        <p:nvSpPr>
+          <p:cNvPr id="57" name="TextBox 56">
+            <a:extLst>
+              <a:ext uri="{FF2B5EF4-FFF2-40B4-BE49-F238E27FC236}">
+                <a16:creationId xmlns:a16="http://schemas.microsoft.com/office/drawing/2014/main" id="{52631C08-1A7B-87DB-8427-C11CA17CC093}"/>
+              </a:ext>
+            </a:extLst>
+          </p:cNvPr>
+          <p:cNvSpPr txBox="1"/>
+          <p:nvPr/>
+        </p:nvSpPr>
+        <p:spPr>
+          <a:xfrm>
+            <a:off x="4262120" y="2508159"/>
+            <a:ext cx="1082040" cy="276999"/>
+          </a:xfrm>
+          <a:prstGeom prst="rect">
+            <a:avLst/>
+          </a:prstGeom>
+          <a:noFill/>
+        </p:spPr>
+        <p:txBody>
+          <a:bodyPr wrap="square" rtlCol="0">
+            <a:spAutoFit/>
+          </a:bodyPr>
+          <a:lstStyle/>
+          <a:p>
+            <a:r>
+              <a:rPr lang="en-NZ" sz="1200" dirty="0"/>
+              <a:t>&lt;&lt;form&gt;&gt;</a:t>
+            </a:r>
+          </a:p>
+        </p:txBody>
+      </p:sp>
+      <p:sp>
+        <p:nvSpPr>
+          <p:cNvPr id="58" name="TextBox 57">
+            <a:extLst>
+              <a:ext uri="{FF2B5EF4-FFF2-40B4-BE49-F238E27FC236}">
+                <a16:creationId xmlns:a16="http://schemas.microsoft.com/office/drawing/2014/main" id="{85A1C06B-CED1-6145-2588-D25728F39DE5}"/>
+              </a:ext>
+            </a:extLst>
+          </p:cNvPr>
+          <p:cNvSpPr txBox="1"/>
+          <p:nvPr/>
+        </p:nvSpPr>
+        <p:spPr>
+          <a:xfrm>
+            <a:off x="4216399" y="3561939"/>
+            <a:ext cx="1559249" cy="276999"/>
+          </a:xfrm>
+          <a:prstGeom prst="rect">
+            <a:avLst/>
+          </a:prstGeom>
+          <a:noFill/>
+        </p:spPr>
+        <p:txBody>
+          <a:bodyPr wrap="square" rtlCol="0">
+            <a:spAutoFit/>
+          </a:bodyPr>
+          <a:lstStyle/>
+          <a:p>
+            <a:r>
+              <a:rPr lang="en-NZ" sz="1200" dirty="0"/>
+              <a:t>Forgot password?</a:t>
+            </a:r>
+          </a:p>
+        </p:txBody>
+      </p:sp>
+      <p:sp>
+        <p:nvSpPr>
+          <p:cNvPr id="59" name="TextBox 58">
+            <a:extLst>
+              <a:ext uri="{FF2B5EF4-FFF2-40B4-BE49-F238E27FC236}">
+                <a16:creationId xmlns:a16="http://schemas.microsoft.com/office/drawing/2014/main" id="{98751ACF-2018-27A1-1F8F-09392F2D9C84}"/>
+              </a:ext>
+            </a:extLst>
+          </p:cNvPr>
+          <p:cNvSpPr txBox="1"/>
+          <p:nvPr/>
+        </p:nvSpPr>
+        <p:spPr>
+          <a:xfrm>
+            <a:off x="4237031" y="4348240"/>
+            <a:ext cx="949960" cy="276999"/>
+          </a:xfrm>
+          <a:prstGeom prst="rect">
+            <a:avLst/>
+          </a:prstGeom>
+          <a:noFill/>
+        </p:spPr>
+        <p:txBody>
+          <a:bodyPr wrap="square" rtlCol="0">
+            <a:spAutoFit/>
+          </a:bodyPr>
+          <a:lstStyle/>
+          <a:p>
+            <a:r>
+              <a:rPr lang="en-NZ" sz="1200" dirty="0"/>
+              <a:t>Sign up…</a:t>
+            </a:r>
+          </a:p>
+        </p:txBody>
+      </p:sp>
     </p:spTree>
     <p:extLst>
       <p:ext uri="{BB962C8B-B14F-4D97-AF65-F5344CB8AC3E}">
-        <p14:creationId xmlns:p14="http://schemas.microsoft.com/office/powerpoint/2010/main" val="1470811829"/>
+        <p14:creationId xmlns:p14="http://schemas.microsoft.com/office/powerpoint/2010/main" val="3596803717"/>
+      </p:ext>
+    </p:extLst>
+  </p:cSld>
+  <p:clrMapOvr>
+    <a:masterClrMapping/>
+  </p:clrMapOvr>
+</p:sld>
+</file>
+
+<file path=ppt/slides/slide30.xml><?xml version="1.0" encoding="utf-8"?>
+<p:sld xmlns:a="http://schemas.openxmlformats.org/drawingml/2006/main" xmlns:r="http://schemas.openxmlformats.org/officeDocument/2006/relationships" xmlns:p="http://schemas.openxmlformats.org/presentationml/2006/main">
+  <p:cSld>
+    <p:spTree>
+      <p:nvGrpSpPr>
+        <p:cNvPr id="1" name=""/>
+        <p:cNvGrpSpPr/>
+        <p:nvPr/>
+      </p:nvGrpSpPr>
+      <p:grpSpPr>
+        <a:xfrm>
+          <a:off x="0" y="0"/>
+          <a:ext cx="0" cy="0"/>
+          <a:chOff x="0" y="0"/>
+          <a:chExt cx="0" cy="0"/>
+        </a:xfrm>
+      </p:grpSpPr>
+      <p:pic>
+        <p:nvPicPr>
+          <p:cNvPr id="3" name="Picture 2">
+            <a:extLst>
+              <a:ext uri="{FF2B5EF4-FFF2-40B4-BE49-F238E27FC236}">
+                <a16:creationId xmlns:a16="http://schemas.microsoft.com/office/drawing/2014/main" id="{37B29308-C316-A8F9-4352-552BBC1C6DDB}"/>
+              </a:ext>
+            </a:extLst>
+          </p:cNvPr>
+          <p:cNvPicPr>
+            <a:picLocks noChangeAspect="1"/>
+          </p:cNvPicPr>
+          <p:nvPr/>
+        </p:nvPicPr>
+        <p:blipFill>
+          <a:blip r:embed="rId2"/>
+          <a:stretch>
+            <a:fillRect/>
+          </a:stretch>
+        </p:blipFill>
+        <p:spPr>
+          <a:xfrm>
+            <a:off x="2932698" y="2296180"/>
+            <a:ext cx="6116300" cy="2324194"/>
+          </a:xfrm>
+          <a:prstGeom prst="rect">
+            <a:avLst/>
+          </a:prstGeom>
+        </p:spPr>
+      </p:pic>
+      <p:sp>
+        <p:nvSpPr>
+          <p:cNvPr id="4" name="TextBox 3">
+            <a:extLst>
+              <a:ext uri="{FF2B5EF4-FFF2-40B4-BE49-F238E27FC236}">
+                <a16:creationId xmlns:a16="http://schemas.microsoft.com/office/drawing/2014/main" id="{BA529C3E-3BDE-BCFE-4901-894DD52F6416}"/>
+              </a:ext>
+            </a:extLst>
+          </p:cNvPr>
+          <p:cNvSpPr txBox="1"/>
+          <p:nvPr/>
+        </p:nvSpPr>
+        <p:spPr>
+          <a:xfrm>
+            <a:off x="3348036" y="545157"/>
+            <a:ext cx="5495925" cy="523220"/>
+          </a:xfrm>
+          <a:prstGeom prst="rect">
+            <a:avLst/>
+          </a:prstGeom>
+          <a:noFill/>
+        </p:spPr>
+        <p:txBody>
+          <a:bodyPr wrap="square" rtlCol="0">
+            <a:spAutoFit/>
+          </a:bodyPr>
+          <a:lstStyle/>
+          <a:p>
+            <a:r>
+              <a:rPr lang="en-NZ" sz="2800" dirty="0">
+                <a:latin typeface="Verdana" panose="020B0604030504040204" pitchFamily="34" charset="0"/>
+                <a:ea typeface="Verdana" panose="020B0604030504040204" pitchFamily="34" charset="0"/>
+              </a:rPr>
+              <a:t>QUERIES – Simple Query</a:t>
+            </a:r>
+          </a:p>
+        </p:txBody>
+      </p:sp>
+    </p:spTree>
+    <p:extLst>
+      <p:ext uri="{BB962C8B-B14F-4D97-AF65-F5344CB8AC3E}">
+        <p14:creationId xmlns:p14="http://schemas.microsoft.com/office/powerpoint/2010/main" val="1913287814"/>
+      </p:ext>
+    </p:extLst>
+  </p:cSld>
+  <p:clrMapOvr>
+    <a:masterClrMapping/>
+  </p:clrMapOvr>
+</p:sld>
+</file>
+
+<file path=ppt/slides/slide31.xml><?xml version="1.0" encoding="utf-8"?>
+<p:sld xmlns:a="http://schemas.openxmlformats.org/drawingml/2006/main" xmlns:r="http://schemas.openxmlformats.org/officeDocument/2006/relationships" xmlns:p="http://schemas.openxmlformats.org/presentationml/2006/main">
+  <p:cSld>
+    <p:spTree>
+      <p:nvGrpSpPr>
+        <p:cNvPr id="1" name=""/>
+        <p:cNvGrpSpPr/>
+        <p:nvPr/>
+      </p:nvGrpSpPr>
+      <p:grpSpPr>
+        <a:xfrm>
+          <a:off x="0" y="0"/>
+          <a:ext cx="0" cy="0"/>
+          <a:chOff x="0" y="0"/>
+          <a:chExt cx="0" cy="0"/>
+        </a:xfrm>
+      </p:grpSpPr>
+      <p:sp>
+        <p:nvSpPr>
+          <p:cNvPr id="2" name="TextBox 1">
+            <a:extLst>
+              <a:ext uri="{FF2B5EF4-FFF2-40B4-BE49-F238E27FC236}">
+                <a16:creationId xmlns:a16="http://schemas.microsoft.com/office/drawing/2014/main" id="{3EE68B6E-849D-E4BF-AFC8-BF0DD9F3F4ED}"/>
+              </a:ext>
+            </a:extLst>
+          </p:cNvPr>
+          <p:cNvSpPr txBox="1"/>
+          <p:nvPr/>
+        </p:nvSpPr>
+        <p:spPr>
+          <a:xfrm>
+            <a:off x="3271836" y="564207"/>
+            <a:ext cx="5495925" cy="523220"/>
+          </a:xfrm>
+          <a:prstGeom prst="rect">
+            <a:avLst/>
+          </a:prstGeom>
+          <a:noFill/>
+        </p:spPr>
+        <p:txBody>
+          <a:bodyPr wrap="square" rtlCol="0">
+            <a:spAutoFit/>
+          </a:bodyPr>
+          <a:lstStyle/>
+          <a:p>
+            <a:r>
+              <a:rPr lang="en-NZ" sz="2800" dirty="0">
+                <a:latin typeface="Verdana" panose="020B0604030504040204" pitchFamily="34" charset="0"/>
+                <a:ea typeface="Verdana" panose="020B0604030504040204" pitchFamily="34" charset="0"/>
+              </a:rPr>
+              <a:t>QUERIES – Complex Query</a:t>
+            </a:r>
+          </a:p>
+        </p:txBody>
+      </p:sp>
+      <p:pic>
+        <p:nvPicPr>
+          <p:cNvPr id="6" name="Picture 5">
+            <a:extLst>
+              <a:ext uri="{FF2B5EF4-FFF2-40B4-BE49-F238E27FC236}">
+                <a16:creationId xmlns:a16="http://schemas.microsoft.com/office/drawing/2014/main" id="{A28FB05C-795D-F546-141B-2928EEF06B9C}"/>
+              </a:ext>
+            </a:extLst>
+          </p:cNvPr>
+          <p:cNvPicPr>
+            <a:picLocks noChangeAspect="1"/>
+          </p:cNvPicPr>
+          <p:nvPr/>
+        </p:nvPicPr>
+        <p:blipFill>
+          <a:blip r:embed="rId2"/>
+          <a:stretch>
+            <a:fillRect/>
+          </a:stretch>
+        </p:blipFill>
+        <p:spPr>
+          <a:xfrm>
+            <a:off x="1011097" y="1487569"/>
+            <a:ext cx="9853818" cy="5093862"/>
+          </a:xfrm>
+          <a:prstGeom prst="rect">
+            <a:avLst/>
+          </a:prstGeom>
+        </p:spPr>
+      </p:pic>
+    </p:spTree>
+    <p:extLst>
+      <p:ext uri="{BB962C8B-B14F-4D97-AF65-F5344CB8AC3E}">
+        <p14:creationId xmlns:p14="http://schemas.microsoft.com/office/powerpoint/2010/main" val="3692554158"/>
+      </p:ext>
+    </p:extLst>
+  </p:cSld>
+  <p:clrMapOvr>
+    <a:masterClrMapping/>
+  </p:clrMapOvr>
+</p:sld>
+</file>
+
+<file path=ppt/slides/slide32.xml><?xml version="1.0" encoding="utf-8"?>
+<p:sld xmlns:a="http://schemas.openxmlformats.org/drawingml/2006/main" xmlns:r="http://schemas.openxmlformats.org/officeDocument/2006/relationships" xmlns:p="http://schemas.openxmlformats.org/presentationml/2006/main">
+  <p:cSld>
+    <p:spTree>
+      <p:nvGrpSpPr>
+        <p:cNvPr id="1" name=""/>
+        <p:cNvGrpSpPr/>
+        <p:nvPr/>
+      </p:nvGrpSpPr>
+      <p:grpSpPr>
+        <a:xfrm>
+          <a:off x="0" y="0"/>
+          <a:ext cx="0" cy="0"/>
+          <a:chOff x="0" y="0"/>
+          <a:chExt cx="0" cy="0"/>
+        </a:xfrm>
+      </p:grpSpPr>
+      <p:sp>
+        <p:nvSpPr>
+          <p:cNvPr id="2" name="TextBox 1">
+            <a:extLst>
+              <a:ext uri="{FF2B5EF4-FFF2-40B4-BE49-F238E27FC236}">
+                <a16:creationId xmlns:a16="http://schemas.microsoft.com/office/drawing/2014/main" id="{45253E4E-99F4-7B17-1AE6-1F6460B12EFD}"/>
+              </a:ext>
+            </a:extLst>
+          </p:cNvPr>
+          <p:cNvSpPr txBox="1"/>
+          <p:nvPr/>
+        </p:nvSpPr>
+        <p:spPr>
+          <a:xfrm>
+            <a:off x="3028950" y="402282"/>
+            <a:ext cx="6400800" cy="523220"/>
+          </a:xfrm>
+          <a:prstGeom prst="rect">
+            <a:avLst/>
+          </a:prstGeom>
+          <a:noFill/>
+        </p:spPr>
+        <p:txBody>
+          <a:bodyPr wrap="square" rtlCol="0">
+            <a:spAutoFit/>
+          </a:bodyPr>
+          <a:lstStyle/>
+          <a:p>
+            <a:r>
+              <a:rPr lang="en-NZ" sz="2800" dirty="0">
+                <a:latin typeface="Verdana" panose="020B0604030504040204" pitchFamily="34" charset="0"/>
+                <a:ea typeface="Verdana" panose="020B0604030504040204" pitchFamily="34" charset="0"/>
+              </a:rPr>
+              <a:t>QUERIES – Search Query (Buyer)</a:t>
+            </a:r>
+          </a:p>
+        </p:txBody>
+      </p:sp>
+      <p:pic>
+        <p:nvPicPr>
+          <p:cNvPr id="6" name="Picture 5">
+            <a:extLst>
+              <a:ext uri="{FF2B5EF4-FFF2-40B4-BE49-F238E27FC236}">
+                <a16:creationId xmlns:a16="http://schemas.microsoft.com/office/drawing/2014/main" id="{A7A65703-FB23-5D4A-4F03-7A226AD16901}"/>
+              </a:ext>
+            </a:extLst>
+          </p:cNvPr>
+          <p:cNvPicPr>
+            <a:picLocks noChangeAspect="1"/>
+          </p:cNvPicPr>
+          <p:nvPr/>
+        </p:nvPicPr>
+        <p:blipFill>
+          <a:blip r:embed="rId2"/>
+          <a:stretch>
+            <a:fillRect/>
+          </a:stretch>
+        </p:blipFill>
+        <p:spPr>
+          <a:xfrm>
+            <a:off x="3249683" y="1649576"/>
+            <a:ext cx="5692633" cy="3558848"/>
+          </a:xfrm>
+          <a:prstGeom prst="rect">
+            <a:avLst/>
+          </a:prstGeom>
+        </p:spPr>
+      </p:pic>
+    </p:spTree>
+    <p:extLst>
+      <p:ext uri="{BB962C8B-B14F-4D97-AF65-F5344CB8AC3E}">
+        <p14:creationId xmlns:p14="http://schemas.microsoft.com/office/powerpoint/2010/main" val="2928064679"/>
+      </p:ext>
+    </p:extLst>
+  </p:cSld>
+  <p:clrMapOvr>
+    <a:masterClrMapping/>
+  </p:clrMapOvr>
+</p:sld>
+</file>
+
+<file path=ppt/slides/slide33.xml><?xml version="1.0" encoding="utf-8"?>
+<p:sld xmlns:a="http://schemas.openxmlformats.org/drawingml/2006/main" xmlns:r="http://schemas.openxmlformats.org/officeDocument/2006/relationships" xmlns:p="http://schemas.openxmlformats.org/presentationml/2006/main">
+  <p:cSld>
+    <p:spTree>
+      <p:nvGrpSpPr>
+        <p:cNvPr id="1" name=""/>
+        <p:cNvGrpSpPr/>
+        <p:nvPr/>
+      </p:nvGrpSpPr>
+      <p:grpSpPr>
+        <a:xfrm>
+          <a:off x="0" y="0"/>
+          <a:ext cx="0" cy="0"/>
+          <a:chOff x="0" y="0"/>
+          <a:chExt cx="0" cy="0"/>
+        </a:xfrm>
+      </p:grpSpPr>
+      <p:sp>
+        <p:nvSpPr>
+          <p:cNvPr id="2" name="TextBox 1">
+            <a:extLst>
+              <a:ext uri="{FF2B5EF4-FFF2-40B4-BE49-F238E27FC236}">
+                <a16:creationId xmlns:a16="http://schemas.microsoft.com/office/drawing/2014/main" id="{45253E4E-99F4-7B17-1AE6-1F6460B12EFD}"/>
+              </a:ext>
+            </a:extLst>
+          </p:cNvPr>
+          <p:cNvSpPr txBox="1"/>
+          <p:nvPr/>
+        </p:nvSpPr>
+        <p:spPr>
+          <a:xfrm>
+            <a:off x="3028950" y="402282"/>
+            <a:ext cx="6400800" cy="523220"/>
+          </a:xfrm>
+          <a:prstGeom prst="rect">
+            <a:avLst/>
+          </a:prstGeom>
+          <a:noFill/>
+        </p:spPr>
+        <p:txBody>
+          <a:bodyPr wrap="square" rtlCol="0">
+            <a:spAutoFit/>
+          </a:bodyPr>
+          <a:lstStyle/>
+          <a:p>
+            <a:r>
+              <a:rPr lang="en-NZ" sz="2800" dirty="0">
+                <a:latin typeface="Verdana" panose="020B0604030504040204" pitchFamily="34" charset="0"/>
+                <a:ea typeface="Verdana" panose="020B0604030504040204" pitchFamily="34" charset="0"/>
+              </a:rPr>
+              <a:t>QUERIES – Search Query (Seller)</a:t>
+            </a:r>
+          </a:p>
+        </p:txBody>
+      </p:sp>
+      <p:pic>
+        <p:nvPicPr>
+          <p:cNvPr id="7" name="Picture 6">
+            <a:extLst>
+              <a:ext uri="{FF2B5EF4-FFF2-40B4-BE49-F238E27FC236}">
+                <a16:creationId xmlns:a16="http://schemas.microsoft.com/office/drawing/2014/main" id="{6F4393A3-3DB1-E308-4D45-783558B1BC27}"/>
+              </a:ext>
+            </a:extLst>
+          </p:cNvPr>
+          <p:cNvPicPr>
+            <a:picLocks noChangeAspect="1"/>
+          </p:cNvPicPr>
+          <p:nvPr/>
+        </p:nvPicPr>
+        <p:blipFill>
+          <a:blip r:embed="rId2"/>
+          <a:stretch>
+            <a:fillRect/>
+          </a:stretch>
+        </p:blipFill>
+        <p:spPr>
+          <a:xfrm>
+            <a:off x="3253493" y="1721972"/>
+            <a:ext cx="5685013" cy="3414056"/>
+          </a:xfrm>
+          <a:prstGeom prst="rect">
+            <a:avLst/>
+          </a:prstGeom>
+        </p:spPr>
+      </p:pic>
+    </p:spTree>
+    <p:extLst>
+      <p:ext uri="{BB962C8B-B14F-4D97-AF65-F5344CB8AC3E}">
+        <p14:creationId xmlns:p14="http://schemas.microsoft.com/office/powerpoint/2010/main" val="1631096744"/>
+      </p:ext>
+    </p:extLst>
+  </p:cSld>
+  <p:clrMapOvr>
+    <a:masterClrMapping/>
+  </p:clrMapOvr>
+</p:sld>
+</file>
+
+<file path=ppt/slides/slide34.xml><?xml version="1.0" encoding="utf-8"?>
+<p:sld xmlns:a="http://schemas.openxmlformats.org/drawingml/2006/main" xmlns:r="http://schemas.openxmlformats.org/officeDocument/2006/relationships" xmlns:p="http://schemas.openxmlformats.org/presentationml/2006/main">
+  <p:cSld>
+    <p:spTree>
+      <p:nvGrpSpPr>
+        <p:cNvPr id="1" name=""/>
+        <p:cNvGrpSpPr/>
+        <p:nvPr/>
+      </p:nvGrpSpPr>
+      <p:grpSpPr>
+        <a:xfrm>
+          <a:off x="0" y="0"/>
+          <a:ext cx="0" cy="0"/>
+          <a:chOff x="0" y="0"/>
+          <a:chExt cx="0" cy="0"/>
+        </a:xfrm>
+      </p:grpSpPr>
+      <p:sp>
+        <p:nvSpPr>
+          <p:cNvPr id="2" name="TextBox 1">
+            <a:extLst>
+              <a:ext uri="{FF2B5EF4-FFF2-40B4-BE49-F238E27FC236}">
+                <a16:creationId xmlns:a16="http://schemas.microsoft.com/office/drawing/2014/main" id="{45253E4E-99F4-7B17-1AE6-1F6460B12EFD}"/>
+              </a:ext>
+            </a:extLst>
+          </p:cNvPr>
+          <p:cNvSpPr txBox="1"/>
+          <p:nvPr/>
+        </p:nvSpPr>
+        <p:spPr>
+          <a:xfrm>
+            <a:off x="1914525" y="402282"/>
+            <a:ext cx="8562975" cy="523220"/>
+          </a:xfrm>
+          <a:prstGeom prst="rect">
+            <a:avLst/>
+          </a:prstGeom>
+          <a:noFill/>
+        </p:spPr>
+        <p:txBody>
+          <a:bodyPr wrap="square" rtlCol="0">
+            <a:spAutoFit/>
+          </a:bodyPr>
+          <a:lstStyle/>
+          <a:p>
+            <a:r>
+              <a:rPr lang="en-NZ" sz="2800" dirty="0">
+                <a:latin typeface="Verdana" panose="020B0604030504040204" pitchFamily="34" charset="0"/>
+                <a:ea typeface="Verdana" panose="020B0604030504040204" pitchFamily="34" charset="0"/>
+              </a:rPr>
+              <a:t>QUERIES – Search Query (Business Admin)</a:t>
+            </a:r>
+          </a:p>
+        </p:txBody>
+      </p:sp>
+      <p:pic>
+        <p:nvPicPr>
+          <p:cNvPr id="4" name="Picture 3">
+            <a:extLst>
+              <a:ext uri="{FF2B5EF4-FFF2-40B4-BE49-F238E27FC236}">
+                <a16:creationId xmlns:a16="http://schemas.microsoft.com/office/drawing/2014/main" id="{7E6BC017-8286-BEA1-A2B6-7161348D5604}"/>
+              </a:ext>
+            </a:extLst>
+          </p:cNvPr>
+          <p:cNvPicPr>
+            <a:picLocks noChangeAspect="1"/>
+          </p:cNvPicPr>
+          <p:nvPr/>
+        </p:nvPicPr>
+        <p:blipFill>
+          <a:blip r:embed="rId2"/>
+          <a:stretch>
+            <a:fillRect/>
+          </a:stretch>
+        </p:blipFill>
+        <p:spPr>
+          <a:xfrm>
+            <a:off x="2569548" y="1420928"/>
+            <a:ext cx="6843353" cy="4663844"/>
+          </a:xfrm>
+          <a:prstGeom prst="rect">
+            <a:avLst/>
+          </a:prstGeom>
+        </p:spPr>
+      </p:pic>
+    </p:spTree>
+    <p:extLst>
+      <p:ext uri="{BB962C8B-B14F-4D97-AF65-F5344CB8AC3E}">
+        <p14:creationId xmlns:p14="http://schemas.microsoft.com/office/powerpoint/2010/main" val="2300879587"/>
+      </p:ext>
+    </p:extLst>
+  </p:cSld>
+  <p:clrMapOvr>
+    <a:masterClrMapping/>
+  </p:clrMapOvr>
+</p:sld>
+</file>
+
+<file path=ppt/slides/slide35.xml><?xml version="1.0" encoding="utf-8"?>
+<p:sld xmlns:a="http://schemas.openxmlformats.org/drawingml/2006/main" xmlns:r="http://schemas.openxmlformats.org/officeDocument/2006/relationships" xmlns:p="http://schemas.openxmlformats.org/presentationml/2006/main">
+  <p:cSld>
+    <p:bg>
+      <p:bgPr>
+        <a:solidFill>
+          <a:schemeClr val="bg1">
+            <a:tint val="95000"/>
+            <a:satMod val="170000"/>
+          </a:schemeClr>
+        </a:solidFill>
+        <a:effectLst/>
+      </p:bgPr>
+    </p:bg>
+    <p:spTree>
+      <p:nvGrpSpPr>
+        <p:cNvPr id="1" name=""/>
+        <p:cNvGrpSpPr/>
+        <p:nvPr/>
+      </p:nvGrpSpPr>
+      <p:grpSpPr>
+        <a:xfrm>
+          <a:off x="0" y="0"/>
+          <a:ext cx="0" cy="0"/>
+          <a:chOff x="0" y="0"/>
+          <a:chExt cx="0" cy="0"/>
+        </a:xfrm>
+      </p:grpSpPr>
+      <p:sp>
+        <p:nvSpPr>
+          <p:cNvPr id="2" name="Title 1">
+            <a:extLst>
+              <a:ext uri="{FF2B5EF4-FFF2-40B4-BE49-F238E27FC236}">
+                <a16:creationId xmlns:a16="http://schemas.microsoft.com/office/drawing/2014/main" id="{39B90DEC-3B6D-DC78-F46B-64A05D692045}"/>
+              </a:ext>
+            </a:extLst>
+          </p:cNvPr>
+          <p:cNvSpPr>
+            <a:spLocks noGrp="1"/>
+          </p:cNvSpPr>
+          <p:nvPr>
+            <p:ph type="ctrTitle"/>
+          </p:nvPr>
+        </p:nvSpPr>
+        <p:spPr>
+          <a:xfrm>
+            <a:off x="7464614" y="1783959"/>
+            <a:ext cx="4087306" cy="2889114"/>
+          </a:xfrm>
+        </p:spPr>
+        <p:txBody>
+          <a:bodyPr anchor="b">
+            <a:normAutofit/>
+          </a:bodyPr>
+          <a:lstStyle/>
+          <a:p>
+            <a:pPr marL="342900" algn="l"/>
+            <a:r>
+              <a:rPr lang="en-US" sz="5400" dirty="0">
+                <a:latin typeface="Verdana" panose="020B0604030504040204" pitchFamily="34" charset="0"/>
+                <a:ea typeface="Verdana" panose="020B0604030504040204" pitchFamily="34" charset="0"/>
+              </a:rPr>
+              <a:t>Mock HTML / Forms</a:t>
+            </a:r>
+          </a:p>
+        </p:txBody>
+      </p:sp>
+      <p:sp>
+        <p:nvSpPr>
+          <p:cNvPr id="21" name="Freeform: Shape 20">
+            <a:extLst>
+              <a:ext uri="{FF2B5EF4-FFF2-40B4-BE49-F238E27FC236}">
+                <a16:creationId xmlns:a16="http://schemas.microsoft.com/office/drawing/2014/main" id="{E49CC64F-7275-4E33-961B-0C5CDC439875}"/>
+              </a:ext>
+              <a:ext uri="{C183D7F6-B498-43B3-948B-1728B52AA6E4}">
+                <adec:decorative xmlns:adec="http://schemas.microsoft.com/office/drawing/2017/decorative" val="1"/>
+              </a:ext>
+            </a:extLst>
+          </p:cNvPr>
+          <p:cNvSpPr>
+            <a:spLocks noGrp="1" noRot="1" noChangeAspect="1" noMove="1" noResize="1" noEditPoints="1" noAdjustHandles="1" noChangeArrowheads="1" noChangeShapeType="1" noTextEdit="1"/>
+          </p:cNvSpPr>
+          <p:nvPr>
+            <p:extLst>
+              <p:ext uri="{386F3935-93C4-4BCD-93E2-E3B085C9AB24}">
+                <p16:designElem xmlns:p16="http://schemas.microsoft.com/office/powerpoint/2015/main" val="1"/>
+              </p:ext>
+            </p:extLst>
+          </p:nvPr>
+        </p:nvSpPr>
+        <p:spPr>
+          <a:xfrm flipH="1" flipV="1">
+            <a:off x="1" y="0"/>
+            <a:ext cx="7188051" cy="6858000"/>
+          </a:xfrm>
+          <a:custGeom>
+            <a:avLst/>
+            <a:gdLst>
+              <a:gd name="connsiteX0" fmla="*/ 7188051 w 7188051"/>
+              <a:gd name="connsiteY0" fmla="*/ 6858000 h 6858000"/>
+              <a:gd name="connsiteX1" fmla="*/ 108694 w 7188051"/>
+              <a:gd name="connsiteY1" fmla="*/ 6858000 h 6858000"/>
+              <a:gd name="connsiteX2" fmla="*/ 79127 w 7188051"/>
+              <a:gd name="connsiteY2" fmla="*/ 6681235 h 6858000"/>
+              <a:gd name="connsiteX3" fmla="*/ 0 w 7188051"/>
+              <a:gd name="connsiteY3" fmla="*/ 5565888 h 6858000"/>
+              <a:gd name="connsiteX4" fmla="*/ 2190696 w 7188051"/>
+              <a:gd name="connsiteY4" fmla="*/ 145339 h 6858000"/>
+              <a:gd name="connsiteX5" fmla="*/ 2339431 w 7188051"/>
+              <a:gd name="connsiteY5" fmla="*/ 0 h 6858000"/>
+              <a:gd name="connsiteX6" fmla="*/ 7188051 w 7188051"/>
+              <a:gd name="connsiteY6" fmla="*/ 0 h 6858000"/>
+            </a:gdLst>
+            <a:ahLst/>
+            <a:cxnLst>
+              <a:cxn ang="0">
+                <a:pos x="connsiteX0" y="connsiteY0"/>
+              </a:cxn>
+              <a:cxn ang="0">
+                <a:pos x="connsiteX1" y="connsiteY1"/>
+              </a:cxn>
+              <a:cxn ang="0">
+                <a:pos x="connsiteX2" y="connsiteY2"/>
+              </a:cxn>
+              <a:cxn ang="0">
+                <a:pos x="connsiteX3" y="connsiteY3"/>
+              </a:cxn>
+              <a:cxn ang="0">
+                <a:pos x="connsiteX4" y="connsiteY4"/>
+              </a:cxn>
+              <a:cxn ang="0">
+                <a:pos x="connsiteX5" y="connsiteY5"/>
+              </a:cxn>
+              <a:cxn ang="0">
+                <a:pos x="connsiteX6" y="connsiteY6"/>
+              </a:cxn>
+            </a:cxnLst>
+            <a:rect l="l" t="t" r="r" b="b"/>
+            <a:pathLst>
+              <a:path w="7188051" h="6858000">
+                <a:moveTo>
+                  <a:pt x="7188051" y="6858000"/>
+                </a:moveTo>
+                <a:lnTo>
+                  <a:pt x="108694" y="6858000"/>
+                </a:lnTo>
+                <a:lnTo>
+                  <a:pt x="79127" y="6681235"/>
+                </a:lnTo>
+                <a:cubicBezTo>
+                  <a:pt x="26981" y="6316967"/>
+                  <a:pt x="0" y="5944579"/>
+                  <a:pt x="0" y="5565888"/>
+                </a:cubicBezTo>
+                <a:cubicBezTo>
+                  <a:pt x="0" y="3459953"/>
+                  <a:pt x="834428" y="1548908"/>
+                  <a:pt x="2190696" y="145339"/>
+                </a:cubicBezTo>
+                <a:lnTo>
+                  <a:pt x="2339431" y="0"/>
+                </a:lnTo>
+                <a:lnTo>
+                  <a:pt x="7188051" y="0"/>
+                </a:lnTo>
+                <a:close/>
+              </a:path>
+            </a:pathLst>
+          </a:custGeom>
+          <a:solidFill>
+            <a:schemeClr val="tx1">
+              <a:alpha val="80000"/>
+            </a:schemeClr>
+          </a:solidFill>
+          <a:ln>
+            <a:noFill/>
+          </a:ln>
+        </p:spPr>
+        <p:style>
+          <a:lnRef idx="2">
+            <a:schemeClr val="accent1">
+              <a:shade val="50000"/>
+            </a:schemeClr>
+          </a:lnRef>
+          <a:fillRef idx="1">
+            <a:schemeClr val="accent1"/>
+          </a:fillRef>
+          <a:effectRef idx="0">
+            <a:schemeClr val="accent1"/>
+          </a:effectRef>
+          <a:fontRef idx="minor">
+            <a:schemeClr val="lt1"/>
+          </a:fontRef>
+        </p:style>
+        <p:txBody>
+          <a:bodyPr wrap="square" rtlCol="0" anchor="ctr">
+            <a:noAutofit/>
+          </a:bodyPr>
+          <a:lstStyle/>
+          <a:p>
+            <a:pPr algn="ctr"/>
+            <a:endParaRPr lang="en-US"/>
+          </a:p>
+        </p:txBody>
+      </p:sp>
+    </p:spTree>
+    <p:extLst>
+      <p:ext uri="{BB962C8B-B14F-4D97-AF65-F5344CB8AC3E}">
+        <p14:creationId xmlns:p14="http://schemas.microsoft.com/office/powerpoint/2010/main" val="2695931271"/>
+      </p:ext>
+    </p:extLst>
+  </p:cSld>
+  <p:clrMapOvr>
+    <a:overrideClrMapping bg1="dk1" tx1="lt1" bg2="dk2" tx2="lt2" accent1="accent1" accent2="accent2" accent3="accent3" accent4="accent4" accent5="accent5" accent6="accent6" hlink="hlink" folHlink="folHlink"/>
+  </p:clrMapOvr>
+</p:sld>
+</file>
+
+<file path=ppt/slides/slide36.xml><?xml version="1.0" encoding="utf-8"?>
+<p:sld xmlns:a="http://schemas.openxmlformats.org/drawingml/2006/main" xmlns:r="http://schemas.openxmlformats.org/officeDocument/2006/relationships" xmlns:p="http://schemas.openxmlformats.org/presentationml/2006/main">
+  <p:cSld>
+    <p:spTree>
+      <p:nvGrpSpPr>
+        <p:cNvPr id="1" name=""/>
+        <p:cNvGrpSpPr/>
+        <p:nvPr/>
+      </p:nvGrpSpPr>
+      <p:grpSpPr>
+        <a:xfrm>
+          <a:off x="0" y="0"/>
+          <a:ext cx="0" cy="0"/>
+          <a:chOff x="0" y="0"/>
+          <a:chExt cx="0" cy="0"/>
+        </a:xfrm>
+      </p:grpSpPr>
+      <p:sp>
+        <p:nvSpPr>
+          <p:cNvPr id="4" name="TextBox 3">
+            <a:extLst>
+              <a:ext uri="{FF2B5EF4-FFF2-40B4-BE49-F238E27FC236}">
+                <a16:creationId xmlns:a16="http://schemas.microsoft.com/office/drawing/2014/main" id="{79774F09-D023-1DFB-9350-DA0F865B1B6D}"/>
+              </a:ext>
+            </a:extLst>
+          </p:cNvPr>
+          <p:cNvSpPr txBox="1"/>
+          <p:nvPr/>
+        </p:nvSpPr>
+        <p:spPr>
+          <a:xfrm>
+            <a:off x="342900" y="2390775"/>
+            <a:ext cx="2009775" cy="646331"/>
+          </a:xfrm>
+          <a:prstGeom prst="rect">
+            <a:avLst/>
+          </a:prstGeom>
+          <a:noFill/>
+        </p:spPr>
+        <p:txBody>
+          <a:bodyPr wrap="square" rtlCol="0">
+            <a:spAutoFit/>
+          </a:bodyPr>
+          <a:lstStyle/>
+          <a:p>
+            <a:r>
+              <a:rPr lang="en-NZ" dirty="0"/>
+              <a:t>index.html</a:t>
+            </a:r>
+          </a:p>
+          <a:p>
+            <a:r>
+              <a:rPr lang="en-NZ" dirty="0"/>
+              <a:t>(HOME PAGE)</a:t>
+            </a:r>
+          </a:p>
+        </p:txBody>
+      </p:sp>
+      <p:pic>
+        <p:nvPicPr>
+          <p:cNvPr id="6" name="Picture 5">
+            <a:extLst>
+              <a:ext uri="{FF2B5EF4-FFF2-40B4-BE49-F238E27FC236}">
+                <a16:creationId xmlns:a16="http://schemas.microsoft.com/office/drawing/2014/main" id="{F1AB073A-16B7-E5A9-0DD2-302307EA9360}"/>
+              </a:ext>
+            </a:extLst>
+          </p:cNvPr>
+          <p:cNvPicPr>
+            <a:picLocks noChangeAspect="1"/>
+          </p:cNvPicPr>
+          <p:nvPr/>
+        </p:nvPicPr>
+        <p:blipFill>
+          <a:blip r:embed="rId2"/>
+          <a:stretch>
+            <a:fillRect/>
+          </a:stretch>
+        </p:blipFill>
+        <p:spPr>
+          <a:xfrm>
+            <a:off x="2952386" y="-12001"/>
+            <a:ext cx="8481483" cy="6870001"/>
+          </a:xfrm>
+          <a:prstGeom prst="rect">
+            <a:avLst/>
+          </a:prstGeom>
+        </p:spPr>
+      </p:pic>
+    </p:spTree>
+    <p:extLst>
+      <p:ext uri="{BB962C8B-B14F-4D97-AF65-F5344CB8AC3E}">
+        <p14:creationId xmlns:p14="http://schemas.microsoft.com/office/powerpoint/2010/main" val="2459700912"/>
+      </p:ext>
+    </p:extLst>
+  </p:cSld>
+  <p:clrMapOvr>
+    <a:masterClrMapping/>
+  </p:clrMapOvr>
+</p:sld>
+</file>
+
+<file path=ppt/slides/slide37.xml><?xml version="1.0" encoding="utf-8"?>
+<p:sld xmlns:a="http://schemas.openxmlformats.org/drawingml/2006/main" xmlns:r="http://schemas.openxmlformats.org/officeDocument/2006/relationships" xmlns:p="http://schemas.openxmlformats.org/presentationml/2006/main">
+  <p:cSld>
+    <p:spTree>
+      <p:nvGrpSpPr>
+        <p:cNvPr id="1" name=""/>
+        <p:cNvGrpSpPr/>
+        <p:nvPr/>
+      </p:nvGrpSpPr>
+      <p:grpSpPr>
+        <a:xfrm>
+          <a:off x="0" y="0"/>
+          <a:ext cx="0" cy="0"/>
+          <a:chOff x="0" y="0"/>
+          <a:chExt cx="0" cy="0"/>
+        </a:xfrm>
+      </p:grpSpPr>
+      <p:sp>
+        <p:nvSpPr>
+          <p:cNvPr id="4" name="TextBox 3">
+            <a:extLst>
+              <a:ext uri="{FF2B5EF4-FFF2-40B4-BE49-F238E27FC236}">
+                <a16:creationId xmlns:a16="http://schemas.microsoft.com/office/drawing/2014/main" id="{79774F09-D023-1DFB-9350-DA0F865B1B6D}"/>
+              </a:ext>
+            </a:extLst>
+          </p:cNvPr>
+          <p:cNvSpPr txBox="1"/>
+          <p:nvPr/>
+        </p:nvSpPr>
+        <p:spPr>
+          <a:xfrm>
+            <a:off x="0" y="2114550"/>
+            <a:ext cx="2009775" cy="923330"/>
+          </a:xfrm>
+          <a:prstGeom prst="rect">
+            <a:avLst/>
+          </a:prstGeom>
+          <a:noFill/>
+        </p:spPr>
+        <p:txBody>
+          <a:bodyPr wrap="square" rtlCol="0">
+            <a:spAutoFit/>
+          </a:bodyPr>
+          <a:lstStyle/>
+          <a:p>
+            <a:r>
+              <a:rPr lang="en-NZ" dirty="0"/>
+              <a:t>allListings.html</a:t>
+            </a:r>
+          </a:p>
+          <a:p>
+            <a:r>
+              <a:rPr lang="en-NZ" dirty="0"/>
+              <a:t>(All listings - seller view)</a:t>
+            </a:r>
+          </a:p>
+        </p:txBody>
+      </p:sp>
+      <p:pic>
+        <p:nvPicPr>
+          <p:cNvPr id="3" name="Picture 2">
+            <a:extLst>
+              <a:ext uri="{FF2B5EF4-FFF2-40B4-BE49-F238E27FC236}">
+                <a16:creationId xmlns:a16="http://schemas.microsoft.com/office/drawing/2014/main" id="{FDFF5BDB-0715-290C-8ADF-8ED7A52DB144}"/>
+              </a:ext>
+            </a:extLst>
+          </p:cNvPr>
+          <p:cNvPicPr>
+            <a:picLocks noChangeAspect="1"/>
+          </p:cNvPicPr>
+          <p:nvPr/>
+        </p:nvPicPr>
+        <p:blipFill>
+          <a:blip r:embed="rId2"/>
+          <a:stretch>
+            <a:fillRect/>
+          </a:stretch>
+        </p:blipFill>
+        <p:spPr>
+          <a:xfrm>
+            <a:off x="1840490" y="0"/>
+            <a:ext cx="10263620" cy="6857999"/>
+          </a:xfrm>
+          <a:prstGeom prst="rect">
+            <a:avLst/>
+          </a:prstGeom>
+        </p:spPr>
+      </p:pic>
+    </p:spTree>
+    <p:extLst>
+      <p:ext uri="{BB962C8B-B14F-4D97-AF65-F5344CB8AC3E}">
+        <p14:creationId xmlns:p14="http://schemas.microsoft.com/office/powerpoint/2010/main" val="460298925"/>
+      </p:ext>
+    </p:extLst>
+  </p:cSld>
+  <p:clrMapOvr>
+    <a:masterClrMapping/>
+  </p:clrMapOvr>
+</p:sld>
+</file>
+
+<file path=ppt/slides/slide38.xml><?xml version="1.0" encoding="utf-8"?>
+<p:sld xmlns:a="http://schemas.openxmlformats.org/drawingml/2006/main" xmlns:r="http://schemas.openxmlformats.org/officeDocument/2006/relationships" xmlns:p="http://schemas.openxmlformats.org/presentationml/2006/main">
+  <p:cSld>
+    <p:spTree>
+      <p:nvGrpSpPr>
+        <p:cNvPr id="1" name=""/>
+        <p:cNvGrpSpPr/>
+        <p:nvPr/>
+      </p:nvGrpSpPr>
+      <p:grpSpPr>
+        <a:xfrm>
+          <a:off x="0" y="0"/>
+          <a:ext cx="0" cy="0"/>
+          <a:chOff x="0" y="0"/>
+          <a:chExt cx="0" cy="0"/>
+        </a:xfrm>
+      </p:grpSpPr>
+      <p:sp>
+        <p:nvSpPr>
+          <p:cNvPr id="4" name="TextBox 3">
+            <a:extLst>
+              <a:ext uri="{FF2B5EF4-FFF2-40B4-BE49-F238E27FC236}">
+                <a16:creationId xmlns:a16="http://schemas.microsoft.com/office/drawing/2014/main" id="{79774F09-D023-1DFB-9350-DA0F865B1B6D}"/>
+              </a:ext>
+            </a:extLst>
+          </p:cNvPr>
+          <p:cNvSpPr txBox="1"/>
+          <p:nvPr/>
+        </p:nvSpPr>
+        <p:spPr>
+          <a:xfrm>
+            <a:off x="257175" y="2162175"/>
+            <a:ext cx="2009775" cy="923330"/>
+          </a:xfrm>
+          <a:prstGeom prst="rect">
+            <a:avLst/>
+          </a:prstGeom>
+          <a:noFill/>
+        </p:spPr>
+        <p:txBody>
+          <a:bodyPr wrap="square" rtlCol="0">
+            <a:spAutoFit/>
+          </a:bodyPr>
+          <a:lstStyle/>
+          <a:p>
+            <a:r>
+              <a:rPr lang="en-NZ" dirty="0"/>
+              <a:t>listing.html</a:t>
+            </a:r>
+          </a:p>
+          <a:p>
+            <a:r>
+              <a:rPr lang="en-NZ" dirty="0"/>
+              <a:t>(single listing - seller view)</a:t>
+            </a:r>
+          </a:p>
+        </p:txBody>
+      </p:sp>
+      <p:pic>
+        <p:nvPicPr>
+          <p:cNvPr id="5" name="Picture 4">
+            <a:extLst>
+              <a:ext uri="{FF2B5EF4-FFF2-40B4-BE49-F238E27FC236}">
+                <a16:creationId xmlns:a16="http://schemas.microsoft.com/office/drawing/2014/main" id="{407A6ADF-2E74-C41A-5CF1-A998B6287BBD}"/>
+              </a:ext>
+            </a:extLst>
+          </p:cNvPr>
+          <p:cNvPicPr>
+            <a:picLocks noChangeAspect="1"/>
+          </p:cNvPicPr>
+          <p:nvPr/>
+        </p:nvPicPr>
+        <p:blipFill>
+          <a:blip r:embed="rId2"/>
+          <a:stretch>
+            <a:fillRect/>
+          </a:stretch>
+        </p:blipFill>
+        <p:spPr>
+          <a:xfrm>
+            <a:off x="3190142" y="0"/>
+            <a:ext cx="8059615" cy="6858000"/>
+          </a:xfrm>
+          <a:prstGeom prst="rect">
+            <a:avLst/>
+          </a:prstGeom>
+        </p:spPr>
+      </p:pic>
+    </p:spTree>
+    <p:extLst>
+      <p:ext uri="{BB962C8B-B14F-4D97-AF65-F5344CB8AC3E}">
+        <p14:creationId xmlns:p14="http://schemas.microsoft.com/office/powerpoint/2010/main" val="2312548716"/>
+      </p:ext>
+    </p:extLst>
+  </p:cSld>
+  <p:clrMapOvr>
+    <a:masterClrMapping/>
+  </p:clrMapOvr>
+</p:sld>
+</file>
+
+<file path=ppt/slides/slide39.xml><?xml version="1.0" encoding="utf-8"?>
+<p:sld xmlns:a="http://schemas.openxmlformats.org/drawingml/2006/main" xmlns:r="http://schemas.openxmlformats.org/officeDocument/2006/relationships" xmlns:p="http://schemas.openxmlformats.org/presentationml/2006/main">
+  <p:cSld>
+    <p:spTree>
+      <p:nvGrpSpPr>
+        <p:cNvPr id="1" name=""/>
+        <p:cNvGrpSpPr/>
+        <p:nvPr/>
+      </p:nvGrpSpPr>
+      <p:grpSpPr>
+        <a:xfrm>
+          <a:off x="0" y="0"/>
+          <a:ext cx="0" cy="0"/>
+          <a:chOff x="0" y="0"/>
+          <a:chExt cx="0" cy="0"/>
+        </a:xfrm>
+      </p:grpSpPr>
+      <p:pic>
+        <p:nvPicPr>
+          <p:cNvPr id="5" name="Picture 4">
+            <a:extLst>
+              <a:ext uri="{FF2B5EF4-FFF2-40B4-BE49-F238E27FC236}">
+                <a16:creationId xmlns:a16="http://schemas.microsoft.com/office/drawing/2014/main" id="{1DE991E8-B77D-4248-6106-851BFC0614F6}"/>
+              </a:ext>
+            </a:extLst>
+          </p:cNvPr>
+          <p:cNvPicPr>
+            <a:picLocks noChangeAspect="1"/>
+          </p:cNvPicPr>
+          <p:nvPr/>
+        </p:nvPicPr>
+        <p:blipFill>
+          <a:blip r:embed="rId2"/>
+          <a:stretch>
+            <a:fillRect/>
+          </a:stretch>
+        </p:blipFill>
+        <p:spPr>
+          <a:xfrm>
+            <a:off x="411273" y="411218"/>
+            <a:ext cx="4778154" cy="6035563"/>
+          </a:xfrm>
+          <a:prstGeom prst="rect">
+            <a:avLst/>
+          </a:prstGeom>
+        </p:spPr>
+      </p:pic>
+      <p:pic>
+        <p:nvPicPr>
+          <p:cNvPr id="7" name="Picture 6">
+            <a:extLst>
+              <a:ext uri="{FF2B5EF4-FFF2-40B4-BE49-F238E27FC236}">
+                <a16:creationId xmlns:a16="http://schemas.microsoft.com/office/drawing/2014/main" id="{364909E6-2B6F-CC1C-6D94-9C17E9C63703}"/>
+              </a:ext>
+            </a:extLst>
+          </p:cNvPr>
+          <p:cNvPicPr>
+            <a:picLocks noChangeAspect="1"/>
+          </p:cNvPicPr>
+          <p:nvPr/>
+        </p:nvPicPr>
+        <p:blipFill>
+          <a:blip r:embed="rId3"/>
+          <a:stretch>
+            <a:fillRect/>
+          </a:stretch>
+        </p:blipFill>
+        <p:spPr>
+          <a:xfrm>
+            <a:off x="5432717" y="1779165"/>
+            <a:ext cx="6348010" cy="2423370"/>
+          </a:xfrm>
+          <a:prstGeom prst="rect">
+            <a:avLst/>
+          </a:prstGeom>
+        </p:spPr>
+      </p:pic>
+      <p:sp>
+        <p:nvSpPr>
+          <p:cNvPr id="8" name="TextBox 7">
+            <a:extLst>
+              <a:ext uri="{FF2B5EF4-FFF2-40B4-BE49-F238E27FC236}">
+                <a16:creationId xmlns:a16="http://schemas.microsoft.com/office/drawing/2014/main" id="{DD41A1ED-3E87-17B4-963A-3CD04D6EF0A6}"/>
+              </a:ext>
+            </a:extLst>
+          </p:cNvPr>
+          <p:cNvSpPr txBox="1"/>
+          <p:nvPr/>
+        </p:nvSpPr>
+        <p:spPr>
+          <a:xfrm>
+            <a:off x="6200775" y="323850"/>
+            <a:ext cx="4124325" cy="461665"/>
+          </a:xfrm>
+          <a:prstGeom prst="rect">
+            <a:avLst/>
+          </a:prstGeom>
+          <a:noFill/>
+        </p:spPr>
+        <p:txBody>
+          <a:bodyPr wrap="square" rtlCol="0">
+            <a:spAutoFit/>
+          </a:bodyPr>
+          <a:lstStyle/>
+          <a:p>
+            <a:r>
+              <a:rPr lang="en-NZ" sz="2400" dirty="0">
+                <a:latin typeface="Verdana" panose="020B0604030504040204" pitchFamily="34" charset="0"/>
+                <a:ea typeface="Verdana" panose="020B0604030504040204" pitchFamily="34" charset="0"/>
+              </a:rPr>
+              <a:t>Sign in form</a:t>
+            </a:r>
+          </a:p>
+        </p:txBody>
+      </p:sp>
+    </p:spTree>
+    <p:extLst>
+      <p:ext uri="{BB962C8B-B14F-4D97-AF65-F5344CB8AC3E}">
+        <p14:creationId xmlns:p14="http://schemas.microsoft.com/office/powerpoint/2010/main" val="3982064419"/>
       </p:ext>
     </p:extLst>
   </p:cSld>
@@ -29666,6 +33509,390 @@
     <p:extLst>
       <p:ext uri="{BB962C8B-B14F-4D97-AF65-F5344CB8AC3E}">
         <p14:creationId xmlns:p14="http://schemas.microsoft.com/office/powerpoint/2010/main" val="3354470823"/>
+      </p:ext>
+    </p:extLst>
+  </p:cSld>
+  <p:clrMapOvr>
+    <a:masterClrMapping/>
+  </p:clrMapOvr>
+</p:sld>
+</file>
+
+<file path=ppt/slides/slide40.xml><?xml version="1.0" encoding="utf-8"?>
+<p:sld xmlns:a="http://schemas.openxmlformats.org/drawingml/2006/main" xmlns:r="http://schemas.openxmlformats.org/officeDocument/2006/relationships" xmlns:p="http://schemas.openxmlformats.org/presentationml/2006/main">
+  <p:cSld>
+    <p:spTree>
+      <p:nvGrpSpPr>
+        <p:cNvPr id="1" name=""/>
+        <p:cNvGrpSpPr/>
+        <p:nvPr/>
+      </p:nvGrpSpPr>
+      <p:grpSpPr>
+        <a:xfrm>
+          <a:off x="0" y="0"/>
+          <a:ext cx="0" cy="0"/>
+          <a:chOff x="0" y="0"/>
+          <a:chExt cx="0" cy="0"/>
+        </a:xfrm>
+      </p:grpSpPr>
+      <p:pic>
+        <p:nvPicPr>
+          <p:cNvPr id="5" name="Picture 4">
+            <a:extLst>
+              <a:ext uri="{FF2B5EF4-FFF2-40B4-BE49-F238E27FC236}">
+                <a16:creationId xmlns:a16="http://schemas.microsoft.com/office/drawing/2014/main" id="{5E9F0E4E-36D5-E68E-5B9A-2AFD5474543B}"/>
+              </a:ext>
+            </a:extLst>
+          </p:cNvPr>
+          <p:cNvPicPr>
+            <a:picLocks noChangeAspect="1"/>
+          </p:cNvPicPr>
+          <p:nvPr/>
+        </p:nvPicPr>
+        <p:blipFill>
+          <a:blip r:embed="rId2"/>
+          <a:stretch>
+            <a:fillRect/>
+          </a:stretch>
+        </p:blipFill>
+        <p:spPr>
+          <a:xfrm>
+            <a:off x="5434704" y="942975"/>
+            <a:ext cx="6027942" cy="5258256"/>
+          </a:xfrm>
+          <a:prstGeom prst="rect">
+            <a:avLst/>
+          </a:prstGeom>
+        </p:spPr>
+      </p:pic>
+      <p:pic>
+        <p:nvPicPr>
+          <p:cNvPr id="7" name="Picture 6">
+            <a:extLst>
+              <a:ext uri="{FF2B5EF4-FFF2-40B4-BE49-F238E27FC236}">
+                <a16:creationId xmlns:a16="http://schemas.microsoft.com/office/drawing/2014/main" id="{0CC760B1-B7E4-A90C-22ED-5C59EFA1AF7B}"/>
+              </a:ext>
+            </a:extLst>
+          </p:cNvPr>
+          <p:cNvPicPr>
+            <a:picLocks noChangeAspect="1"/>
+          </p:cNvPicPr>
+          <p:nvPr/>
+        </p:nvPicPr>
+        <p:blipFill>
+          <a:blip r:embed="rId3"/>
+          <a:stretch>
+            <a:fillRect/>
+          </a:stretch>
+        </p:blipFill>
+        <p:spPr>
+          <a:xfrm>
+            <a:off x="468424" y="942975"/>
+            <a:ext cx="4557819" cy="5915025"/>
+          </a:xfrm>
+          <a:prstGeom prst="rect">
+            <a:avLst/>
+          </a:prstGeom>
+        </p:spPr>
+      </p:pic>
+      <p:sp>
+        <p:nvSpPr>
+          <p:cNvPr id="8" name="TextBox 7">
+            <a:extLst>
+              <a:ext uri="{FF2B5EF4-FFF2-40B4-BE49-F238E27FC236}">
+                <a16:creationId xmlns:a16="http://schemas.microsoft.com/office/drawing/2014/main" id="{BB55679D-A268-8F5E-1EB4-1C3F780D393D}"/>
+              </a:ext>
+            </a:extLst>
+          </p:cNvPr>
+          <p:cNvSpPr txBox="1"/>
+          <p:nvPr/>
+        </p:nvSpPr>
+        <p:spPr>
+          <a:xfrm>
+            <a:off x="3695700" y="195104"/>
+            <a:ext cx="5105400" cy="461665"/>
+          </a:xfrm>
+          <a:prstGeom prst="rect">
+            <a:avLst/>
+          </a:prstGeom>
+          <a:noFill/>
+        </p:spPr>
+        <p:txBody>
+          <a:bodyPr wrap="square" rtlCol="0">
+            <a:spAutoFit/>
+          </a:bodyPr>
+          <a:lstStyle/>
+          <a:p>
+            <a:r>
+              <a:rPr lang="en-NZ" sz="2400" dirty="0">
+                <a:latin typeface="Verdana" panose="020B0604030504040204" pitchFamily="34" charset="0"/>
+                <a:ea typeface="Verdana" panose="020B0604030504040204" pitchFamily="34" charset="0"/>
+              </a:rPr>
+              <a:t>Buyer / Seller sign up form</a:t>
+            </a:r>
+          </a:p>
+        </p:txBody>
+      </p:sp>
+    </p:spTree>
+    <p:extLst>
+      <p:ext uri="{BB962C8B-B14F-4D97-AF65-F5344CB8AC3E}">
+        <p14:creationId xmlns:p14="http://schemas.microsoft.com/office/powerpoint/2010/main" val="4127874286"/>
+      </p:ext>
+    </p:extLst>
+  </p:cSld>
+  <p:clrMapOvr>
+    <a:masterClrMapping/>
+  </p:clrMapOvr>
+</p:sld>
+</file>
+
+<file path=ppt/slides/slide41.xml><?xml version="1.0" encoding="utf-8"?>
+<p:sld xmlns:a="http://schemas.openxmlformats.org/drawingml/2006/main" xmlns:r="http://schemas.openxmlformats.org/officeDocument/2006/relationships" xmlns:p="http://schemas.openxmlformats.org/presentationml/2006/main">
+  <p:cSld>
+    <p:spTree>
+      <p:nvGrpSpPr>
+        <p:cNvPr id="1" name=""/>
+        <p:cNvGrpSpPr/>
+        <p:nvPr/>
+      </p:nvGrpSpPr>
+      <p:grpSpPr>
+        <a:xfrm>
+          <a:off x="0" y="0"/>
+          <a:ext cx="0" cy="0"/>
+          <a:chOff x="0" y="0"/>
+          <a:chExt cx="0" cy="0"/>
+        </a:xfrm>
+      </p:grpSpPr>
+      <p:pic>
+        <p:nvPicPr>
+          <p:cNvPr id="3" name="Picture 2">
+            <a:extLst>
+              <a:ext uri="{FF2B5EF4-FFF2-40B4-BE49-F238E27FC236}">
+                <a16:creationId xmlns:a16="http://schemas.microsoft.com/office/drawing/2014/main" id="{003C688F-291F-0227-8A0E-9E4C8C9B9A0C}"/>
+              </a:ext>
+            </a:extLst>
+          </p:cNvPr>
+          <p:cNvPicPr>
+            <a:picLocks noChangeAspect="1"/>
+          </p:cNvPicPr>
+          <p:nvPr/>
+        </p:nvPicPr>
+        <p:blipFill>
+          <a:blip r:embed="rId2"/>
+          <a:stretch>
+            <a:fillRect/>
+          </a:stretch>
+        </p:blipFill>
+        <p:spPr>
+          <a:xfrm>
+            <a:off x="106474" y="763627"/>
+            <a:ext cx="4502019" cy="6094373"/>
+          </a:xfrm>
+          <a:prstGeom prst="rect">
+            <a:avLst/>
+          </a:prstGeom>
+        </p:spPr>
+      </p:pic>
+      <p:pic>
+        <p:nvPicPr>
+          <p:cNvPr id="5" name="Picture 4">
+            <a:extLst>
+              <a:ext uri="{FF2B5EF4-FFF2-40B4-BE49-F238E27FC236}">
+                <a16:creationId xmlns:a16="http://schemas.microsoft.com/office/drawing/2014/main" id="{E1EB4C47-03B4-0DB3-D7AB-C44924A0F2B8}"/>
+              </a:ext>
+            </a:extLst>
+          </p:cNvPr>
+          <p:cNvPicPr>
+            <a:picLocks noChangeAspect="1"/>
+          </p:cNvPicPr>
+          <p:nvPr/>
+        </p:nvPicPr>
+        <p:blipFill>
+          <a:blip r:embed="rId3"/>
+          <a:stretch>
+            <a:fillRect/>
+          </a:stretch>
+        </p:blipFill>
+        <p:spPr>
+          <a:xfrm>
+            <a:off x="5114635" y="763627"/>
+            <a:ext cx="6200056" cy="6094373"/>
+          </a:xfrm>
+          <a:prstGeom prst="rect">
+            <a:avLst/>
+          </a:prstGeom>
+        </p:spPr>
+      </p:pic>
+      <p:sp>
+        <p:nvSpPr>
+          <p:cNvPr id="6" name="TextBox 5">
+            <a:extLst>
+              <a:ext uri="{FF2B5EF4-FFF2-40B4-BE49-F238E27FC236}">
+                <a16:creationId xmlns:a16="http://schemas.microsoft.com/office/drawing/2014/main" id="{C7E99C73-04B5-F827-8E07-BF1F291821E4}"/>
+              </a:ext>
+            </a:extLst>
+          </p:cNvPr>
+          <p:cNvSpPr txBox="1"/>
+          <p:nvPr/>
+        </p:nvSpPr>
+        <p:spPr>
+          <a:xfrm>
+            <a:off x="4038599" y="147479"/>
+            <a:ext cx="5362575" cy="461665"/>
+          </a:xfrm>
+          <a:prstGeom prst="rect">
+            <a:avLst/>
+          </a:prstGeom>
+          <a:noFill/>
+        </p:spPr>
+        <p:txBody>
+          <a:bodyPr wrap="square" rtlCol="0">
+            <a:spAutoFit/>
+          </a:bodyPr>
+          <a:lstStyle/>
+          <a:p>
+            <a:r>
+              <a:rPr lang="en-NZ" sz="2400" dirty="0">
+                <a:latin typeface="Verdana" panose="020B0604030504040204" pitchFamily="34" charset="0"/>
+                <a:ea typeface="Verdana" panose="020B0604030504040204" pitchFamily="34" charset="0"/>
+              </a:rPr>
+              <a:t>Business admin sign up form</a:t>
+            </a:r>
+          </a:p>
+        </p:txBody>
+      </p:sp>
+    </p:spTree>
+    <p:extLst>
+      <p:ext uri="{BB962C8B-B14F-4D97-AF65-F5344CB8AC3E}">
+        <p14:creationId xmlns:p14="http://schemas.microsoft.com/office/powerpoint/2010/main" val="2283614738"/>
+      </p:ext>
+    </p:extLst>
+  </p:cSld>
+  <p:clrMapOvr>
+    <a:masterClrMapping/>
+  </p:clrMapOvr>
+</p:sld>
+</file>
+
+<file path=ppt/slides/slide42.xml><?xml version="1.0" encoding="utf-8"?>
+<p:sld xmlns:a="http://schemas.openxmlformats.org/drawingml/2006/main" xmlns:r="http://schemas.openxmlformats.org/officeDocument/2006/relationships" xmlns:p="http://schemas.openxmlformats.org/presentationml/2006/main">
+  <p:cSld>
+    <p:spTree>
+      <p:nvGrpSpPr>
+        <p:cNvPr id="1" name=""/>
+        <p:cNvGrpSpPr/>
+        <p:nvPr/>
+      </p:nvGrpSpPr>
+      <p:grpSpPr>
+        <a:xfrm>
+          <a:off x="0" y="0"/>
+          <a:ext cx="0" cy="0"/>
+          <a:chOff x="0" y="0"/>
+          <a:chExt cx="0" cy="0"/>
+        </a:xfrm>
+      </p:grpSpPr>
+      <p:pic>
+        <p:nvPicPr>
+          <p:cNvPr id="3" name="Picture 2">
+            <a:extLst>
+              <a:ext uri="{FF2B5EF4-FFF2-40B4-BE49-F238E27FC236}">
+                <a16:creationId xmlns:a16="http://schemas.microsoft.com/office/drawing/2014/main" id="{BB2A3F6F-4541-7BFA-28AB-856579F0F518}"/>
+              </a:ext>
+            </a:extLst>
+          </p:cNvPr>
+          <p:cNvPicPr>
+            <a:picLocks noChangeAspect="1"/>
+          </p:cNvPicPr>
+          <p:nvPr/>
+        </p:nvPicPr>
+        <p:blipFill>
+          <a:blip r:embed="rId2"/>
+          <a:stretch>
+            <a:fillRect/>
+          </a:stretch>
+        </p:blipFill>
+        <p:spPr>
+          <a:xfrm>
+            <a:off x="258874" y="838200"/>
+            <a:ext cx="4473495" cy="6019800"/>
+          </a:xfrm>
+          <a:prstGeom prst="rect">
+            <a:avLst/>
+          </a:prstGeom>
+        </p:spPr>
+      </p:pic>
+      <p:pic>
+        <p:nvPicPr>
+          <p:cNvPr id="5" name="Picture 4">
+            <a:extLst>
+              <a:ext uri="{FF2B5EF4-FFF2-40B4-BE49-F238E27FC236}">
+                <a16:creationId xmlns:a16="http://schemas.microsoft.com/office/drawing/2014/main" id="{879EA1DA-6B86-917C-F4BB-F39D2E10F80C}"/>
+              </a:ext>
+            </a:extLst>
+          </p:cNvPr>
+          <p:cNvPicPr>
+            <a:picLocks noChangeAspect="1"/>
+          </p:cNvPicPr>
+          <p:nvPr/>
+        </p:nvPicPr>
+        <p:blipFill>
+          <a:blip r:embed="rId3"/>
+          <a:stretch>
+            <a:fillRect/>
+          </a:stretch>
+        </p:blipFill>
+        <p:spPr>
+          <a:xfrm>
+            <a:off x="5488034" y="813164"/>
+            <a:ext cx="5665742" cy="6044836"/>
+          </a:xfrm>
+          <a:prstGeom prst="rect">
+            <a:avLst/>
+          </a:prstGeom>
+        </p:spPr>
+      </p:pic>
+      <p:sp>
+        <p:nvSpPr>
+          <p:cNvPr id="6" name="TextBox 5">
+            <a:extLst>
+              <a:ext uri="{FF2B5EF4-FFF2-40B4-BE49-F238E27FC236}">
+                <a16:creationId xmlns:a16="http://schemas.microsoft.com/office/drawing/2014/main" id="{ABB6AA15-D61B-1256-AC59-8417DB6FDC18}"/>
+              </a:ext>
+            </a:extLst>
+          </p:cNvPr>
+          <p:cNvSpPr txBox="1"/>
+          <p:nvPr/>
+        </p:nvSpPr>
+        <p:spPr>
+          <a:xfrm>
+            <a:off x="4067175" y="142875"/>
+            <a:ext cx="4933950" cy="461665"/>
+          </a:xfrm>
+          <a:prstGeom prst="rect">
+            <a:avLst/>
+          </a:prstGeom>
+          <a:noFill/>
+        </p:spPr>
+        <p:txBody>
+          <a:bodyPr wrap="square" rtlCol="0">
+            <a:spAutoFit/>
+          </a:bodyPr>
+          <a:lstStyle/>
+          <a:p>
+            <a:r>
+              <a:rPr lang="en-NZ" sz="2400" dirty="0">
+                <a:latin typeface="Verdana" panose="020B0604030504040204" pitchFamily="34" charset="0"/>
+                <a:ea typeface="Verdana" panose="020B0604030504040204" pitchFamily="34" charset="0"/>
+              </a:rPr>
+              <a:t>New / Edit listing form</a:t>
+            </a:r>
+          </a:p>
+        </p:txBody>
+      </p:sp>
+    </p:spTree>
+    <p:extLst>
+      <p:ext uri="{BB962C8B-B14F-4D97-AF65-F5344CB8AC3E}">
+        <p14:creationId xmlns:p14="http://schemas.microsoft.com/office/powerpoint/2010/main" val="8986824"/>
       </p:ext>
     </p:extLst>
   </p:cSld>
@@ -33033,7 +37260,7 @@
                   <a:srgbClr val="FF0000"/>
                 </a:solidFill>
               </a:rPr>
-              <a:t>add new or edit listing page</a:t>
+              <a:t>add new or edit listing</a:t>
             </a:r>
           </a:p>
         </p:txBody>

--- a/BCDE224 - Assessment 2 - James Hutchinson/BCDE244-Assesment 2 - James Hutchinson.pptx
+++ b/BCDE224 - Assessment 2 - James Hutchinson/BCDE244-Assesment 2 - James Hutchinson.pptx
@@ -47,6 +47,8 @@
     <p:sldId id="304" r:id="rId41"/>
     <p:sldId id="305" r:id="rId42"/>
     <p:sldId id="306" r:id="rId43"/>
+    <p:sldId id="308" r:id="rId44"/>
+    <p:sldId id="309" r:id="rId45"/>
   </p:sldIdLst>
   <p:sldSz cx="12192000" cy="6858000"/>
   <p:notesSz cx="6858000" cy="9144000"/>
@@ -1004,7 +1006,7 @@
   <pc:docChgLst>
     <pc:chgData name="James Hutchinson [jch233]" userId="0033b875-5cc3-4737-952c-3a06bb8a58cf" providerId="ADAL" clId="{0A0D2418-BC2C-411F-B66C-A1BF787D5897}"/>
     <pc:docChg chg="undo custSel addSld delSld modSld sldOrd">
-      <pc:chgData name="James Hutchinson [jch233]" userId="0033b875-5cc3-4737-952c-3a06bb8a58cf" providerId="ADAL" clId="{0A0D2418-BC2C-411F-B66C-A1BF787D5897}" dt="2022-09-12T08:57:33.088" v="9963" actId="207"/>
+      <pc:chgData name="James Hutchinson [jch233]" userId="0033b875-5cc3-4737-952c-3a06bb8a58cf" providerId="ADAL" clId="{0A0D2418-BC2C-411F-B66C-A1BF787D5897}" dt="2022-09-28T02:18:58.354" v="9989" actId="22"/>
       <pc:docMkLst>
         <pc:docMk/>
       </pc:docMkLst>
@@ -9528,6 +9530,60 @@
             <ac:spMk id="2" creationId="{39B90DEC-3B6D-DC78-F46B-64A05D692045}"/>
           </ac:spMkLst>
         </pc:spChg>
+      </pc:sldChg>
+      <pc:sldChg chg="modSp add mod ord">
+        <pc:chgData name="James Hutchinson [jch233]" userId="0033b875-5cc3-4737-952c-3a06bb8a58cf" providerId="ADAL" clId="{0A0D2418-BC2C-411F-B66C-A1BF787D5897}" dt="2022-09-18T09:52:00.413" v="9981" actId="20577"/>
+        <pc:sldMkLst>
+          <pc:docMk/>
+          <pc:sldMk cId="3189742294" sldId="308"/>
+        </pc:sldMkLst>
+        <pc:spChg chg="mod">
+          <ac:chgData name="James Hutchinson [jch233]" userId="0033b875-5cc3-4737-952c-3a06bb8a58cf" providerId="ADAL" clId="{0A0D2418-BC2C-411F-B66C-A1BF787D5897}" dt="2022-09-18T09:52:00.413" v="9981" actId="20577"/>
+          <ac:spMkLst>
+            <pc:docMk/>
+            <pc:sldMk cId="3189742294" sldId="308"/>
+            <ac:spMk id="2" creationId="{39B90DEC-3B6D-DC78-F46B-64A05D692045}"/>
+          </ac:spMkLst>
+        </pc:spChg>
+      </pc:sldChg>
+      <pc:sldChg chg="addSp delSp new mod">
+        <pc:chgData name="James Hutchinson [jch233]" userId="0033b875-5cc3-4737-952c-3a06bb8a58cf" providerId="ADAL" clId="{0A0D2418-BC2C-411F-B66C-A1BF787D5897}" dt="2022-09-28T02:18:58.354" v="9989" actId="22"/>
+        <pc:sldMkLst>
+          <pc:docMk/>
+          <pc:sldMk cId="3169307229" sldId="309"/>
+        </pc:sldMkLst>
+        <pc:picChg chg="add del">
+          <ac:chgData name="James Hutchinson [jch233]" userId="0033b875-5cc3-4737-952c-3a06bb8a58cf" providerId="ADAL" clId="{0A0D2418-BC2C-411F-B66C-A1BF787D5897}" dt="2022-09-28T02:18:57.681" v="9988" actId="478"/>
+          <ac:picMkLst>
+            <pc:docMk/>
+            <pc:sldMk cId="3169307229" sldId="309"/>
+            <ac:picMk id="3" creationId="{0BE42E10-3EB1-DB83-37B0-2B613D582113}"/>
+          </ac:picMkLst>
+        </pc:picChg>
+        <pc:picChg chg="add del">
+          <ac:chgData name="James Hutchinson [jch233]" userId="0033b875-5cc3-4737-952c-3a06bb8a58cf" providerId="ADAL" clId="{0A0D2418-BC2C-411F-B66C-A1BF787D5897}" dt="2022-09-18T09:55:00.636" v="9984" actId="478"/>
+          <ac:picMkLst>
+            <pc:docMk/>
+            <pc:sldMk cId="3169307229" sldId="309"/>
+            <ac:picMk id="3" creationId="{5BCCFDAD-4A36-89B2-D207-E248F648DC36}"/>
+          </ac:picMkLst>
+        </pc:picChg>
+        <pc:picChg chg="add">
+          <ac:chgData name="James Hutchinson [jch233]" userId="0033b875-5cc3-4737-952c-3a06bb8a58cf" providerId="ADAL" clId="{0A0D2418-BC2C-411F-B66C-A1BF787D5897}" dt="2022-09-28T02:18:58.354" v="9989" actId="22"/>
+          <ac:picMkLst>
+            <pc:docMk/>
+            <pc:sldMk cId="3169307229" sldId="309"/>
+            <ac:picMk id="4" creationId="{151456CA-3705-22BB-F8F0-AED47A134CB6}"/>
+          </ac:picMkLst>
+        </pc:picChg>
+        <pc:picChg chg="add del">
+          <ac:chgData name="James Hutchinson [jch233]" userId="0033b875-5cc3-4737-952c-3a06bb8a58cf" providerId="ADAL" clId="{0A0D2418-BC2C-411F-B66C-A1BF787D5897}" dt="2022-09-18T21:56:18.168" v="9986" actId="478"/>
+          <ac:picMkLst>
+            <pc:docMk/>
+            <pc:sldMk cId="3169307229" sldId="309"/>
+            <ac:picMk id="5" creationId="{AAEF6527-1B95-4500-2BDA-628A80321881}"/>
+          </ac:picMkLst>
+        </pc:picChg>
       </pc:sldChg>
     </pc:docChg>
   </pc:docChgLst>
@@ -9741,7 +9797,7 @@
           <a:p>
             <a:fld id="{7ECD257F-D30B-4913-A0AB-F4493B31D898}" type="datetimeFigureOut">
               <a:rPr lang="en-NZ" smtClean="0"/>
-              <a:t>12/09/2022</a:t>
+              <a:t>28/09/2022</a:t>
             </a:fld>
             <a:endParaRPr lang="en-NZ"/>
           </a:p>
@@ -9941,7 +9997,7 @@
           <a:p>
             <a:fld id="{7ECD257F-D30B-4913-A0AB-F4493B31D898}" type="datetimeFigureOut">
               <a:rPr lang="en-NZ" smtClean="0"/>
-              <a:t>12/09/2022</a:t>
+              <a:t>28/09/2022</a:t>
             </a:fld>
             <a:endParaRPr lang="en-NZ"/>
           </a:p>
@@ -10151,7 +10207,7 @@
           <a:p>
             <a:fld id="{7ECD257F-D30B-4913-A0AB-F4493B31D898}" type="datetimeFigureOut">
               <a:rPr lang="en-NZ" smtClean="0"/>
-              <a:t>12/09/2022</a:t>
+              <a:t>28/09/2022</a:t>
             </a:fld>
             <a:endParaRPr lang="en-NZ"/>
           </a:p>
@@ -10351,7 +10407,7 @@
           <a:p>
             <a:fld id="{7ECD257F-D30B-4913-A0AB-F4493B31D898}" type="datetimeFigureOut">
               <a:rPr lang="en-NZ" smtClean="0"/>
-              <a:t>12/09/2022</a:t>
+              <a:t>28/09/2022</a:t>
             </a:fld>
             <a:endParaRPr lang="en-NZ"/>
           </a:p>
@@ -10627,7 +10683,7 @@
           <a:p>
             <a:fld id="{7ECD257F-D30B-4913-A0AB-F4493B31D898}" type="datetimeFigureOut">
               <a:rPr lang="en-NZ" smtClean="0"/>
-              <a:t>12/09/2022</a:t>
+              <a:t>28/09/2022</a:t>
             </a:fld>
             <a:endParaRPr lang="en-NZ"/>
           </a:p>
@@ -10895,7 +10951,7 @@
           <a:p>
             <a:fld id="{7ECD257F-D30B-4913-A0AB-F4493B31D898}" type="datetimeFigureOut">
               <a:rPr lang="en-NZ" smtClean="0"/>
-              <a:t>12/09/2022</a:t>
+              <a:t>28/09/2022</a:t>
             </a:fld>
             <a:endParaRPr lang="en-NZ"/>
           </a:p>
@@ -11310,7 +11366,7 @@
           <a:p>
             <a:fld id="{7ECD257F-D30B-4913-A0AB-F4493B31D898}" type="datetimeFigureOut">
               <a:rPr lang="en-NZ" smtClean="0"/>
-              <a:t>12/09/2022</a:t>
+              <a:t>28/09/2022</a:t>
             </a:fld>
             <a:endParaRPr lang="en-NZ"/>
           </a:p>
@@ -11452,7 +11508,7 @@
           <a:p>
             <a:fld id="{7ECD257F-D30B-4913-A0AB-F4493B31D898}" type="datetimeFigureOut">
               <a:rPr lang="en-NZ" smtClean="0"/>
-              <a:t>12/09/2022</a:t>
+              <a:t>28/09/2022</a:t>
             </a:fld>
             <a:endParaRPr lang="en-NZ"/>
           </a:p>
@@ -11565,7 +11621,7 @@
           <a:p>
             <a:fld id="{7ECD257F-D30B-4913-A0AB-F4493B31D898}" type="datetimeFigureOut">
               <a:rPr lang="en-NZ" smtClean="0"/>
-              <a:t>12/09/2022</a:t>
+              <a:t>28/09/2022</a:t>
             </a:fld>
             <a:endParaRPr lang="en-NZ"/>
           </a:p>
@@ -11878,7 +11934,7 @@
           <a:p>
             <a:fld id="{7ECD257F-D30B-4913-A0AB-F4493B31D898}" type="datetimeFigureOut">
               <a:rPr lang="en-NZ" smtClean="0"/>
-              <a:t>12/09/2022</a:t>
+              <a:t>28/09/2022</a:t>
             </a:fld>
             <a:endParaRPr lang="en-NZ"/>
           </a:p>
@@ -12167,7 +12223,7 @@
           <a:p>
             <a:fld id="{7ECD257F-D30B-4913-A0AB-F4493B31D898}" type="datetimeFigureOut">
               <a:rPr lang="en-NZ" smtClean="0"/>
-              <a:t>12/09/2022</a:t>
+              <a:t>28/09/2022</a:t>
             </a:fld>
             <a:endParaRPr lang="en-NZ"/>
           </a:p>
@@ -12410,7 +12466,7 @@
           <a:p>
             <a:fld id="{7ECD257F-D30B-4913-A0AB-F4493B31D898}" type="datetimeFigureOut">
               <a:rPr lang="en-NZ" smtClean="0"/>
-              <a:t>12/09/2022</a:t>
+              <a:t>28/09/2022</a:t>
             </a:fld>
             <a:endParaRPr lang="en-NZ"/>
           </a:p>
@@ -28331,8 +28387,8 @@
           </a:p>
         </p:txBody>
       </p:sp>
-      <mc:AlternateContent xmlns:mc="http://schemas.openxmlformats.org/markup-compatibility/2006">
-        <mc:Choice xmlns:p14="http://schemas.microsoft.com/office/powerpoint/2010/main" Requires="p14">
+      <mc:AlternateContent xmlns:mc="http://schemas.openxmlformats.org/markup-compatibility/2006" xmlns:p14="http://schemas.microsoft.com/office/powerpoint/2010/main">
+        <mc:Choice Requires="p14">
           <p:contentPart p14:bwMode="auto" r:id="rId4">
             <p14:nvContentPartPr>
               <p14:cNvPr id="13" name="Ink 12">
@@ -28351,7 +28407,7 @@
             </p14:xfrm>
           </p:contentPart>
         </mc:Choice>
-        <mc:Fallback>
+        <mc:Fallback xmlns="">
           <p:pic>
             <p:nvPicPr>
               <p:cNvPr id="13" name="Ink 12">
@@ -28382,8 +28438,8 @@
           </p:pic>
         </mc:Fallback>
       </mc:AlternateContent>
-      <mc:AlternateContent xmlns:mc="http://schemas.openxmlformats.org/markup-compatibility/2006">
-        <mc:Choice xmlns:p14="http://schemas.microsoft.com/office/powerpoint/2010/main" Requires="p14">
+      <mc:AlternateContent xmlns:mc="http://schemas.openxmlformats.org/markup-compatibility/2006" xmlns:p14="http://schemas.microsoft.com/office/powerpoint/2010/main">
+        <mc:Choice Requires="p14">
           <p:contentPart p14:bwMode="auto" r:id="rId6">
             <p14:nvContentPartPr>
               <p14:cNvPr id="14" name="Ink 13">
@@ -28402,7 +28458,7 @@
             </p14:xfrm>
           </p:contentPart>
         </mc:Choice>
-        <mc:Fallback>
+        <mc:Fallback xmlns="">
           <p:pic>
             <p:nvPicPr>
               <p:cNvPr id="14" name="Ink 13">
@@ -33893,6 +33949,284 @@
     <p:extLst>
       <p:ext uri="{BB962C8B-B14F-4D97-AF65-F5344CB8AC3E}">
         <p14:creationId xmlns:p14="http://schemas.microsoft.com/office/powerpoint/2010/main" val="8986824"/>
+      </p:ext>
+    </p:extLst>
+  </p:cSld>
+  <p:clrMapOvr>
+    <a:masterClrMapping/>
+  </p:clrMapOvr>
+</p:sld>
+</file>
+
+<file path=ppt/slides/slide43.xml><?xml version="1.0" encoding="utf-8"?>
+<p:sld xmlns:a="http://schemas.openxmlformats.org/drawingml/2006/main" xmlns:r="http://schemas.openxmlformats.org/officeDocument/2006/relationships" xmlns:p="http://schemas.openxmlformats.org/presentationml/2006/main">
+  <p:cSld>
+    <p:bg>
+      <p:bgPr>
+        <a:solidFill>
+          <a:schemeClr val="bg1">
+            <a:tint val="95000"/>
+            <a:satMod val="170000"/>
+          </a:schemeClr>
+        </a:solidFill>
+        <a:effectLst/>
+      </p:bgPr>
+    </p:bg>
+    <p:spTree>
+      <p:nvGrpSpPr>
+        <p:cNvPr id="1" name=""/>
+        <p:cNvGrpSpPr/>
+        <p:nvPr/>
+      </p:nvGrpSpPr>
+      <p:grpSpPr>
+        <a:xfrm>
+          <a:off x="0" y="0"/>
+          <a:ext cx="0" cy="0"/>
+          <a:chOff x="0" y="0"/>
+          <a:chExt cx="0" cy="0"/>
+        </a:xfrm>
+      </p:grpSpPr>
+      <p:sp>
+        <p:nvSpPr>
+          <p:cNvPr id="2" name="Title 1">
+            <a:extLst>
+              <a:ext uri="{FF2B5EF4-FFF2-40B4-BE49-F238E27FC236}">
+                <a16:creationId xmlns:a16="http://schemas.microsoft.com/office/drawing/2014/main" id="{39B90DEC-3B6D-DC78-F46B-64A05D692045}"/>
+              </a:ext>
+            </a:extLst>
+          </p:cNvPr>
+          <p:cNvSpPr>
+            <a:spLocks noGrp="1"/>
+          </p:cNvSpPr>
+          <p:nvPr>
+            <p:ph type="ctrTitle"/>
+          </p:nvPr>
+        </p:nvSpPr>
+        <p:spPr>
+          <a:xfrm>
+            <a:off x="7464614" y="1783959"/>
+            <a:ext cx="4087306" cy="2889114"/>
+          </a:xfrm>
+        </p:spPr>
+        <p:txBody>
+          <a:bodyPr anchor="b">
+            <a:normAutofit/>
+          </a:bodyPr>
+          <a:lstStyle/>
+          <a:p>
+            <a:pPr marL="342900" algn="l"/>
+            <a:r>
+              <a:rPr lang="en-US" sz="5400" dirty="0">
+                <a:latin typeface="Verdana" panose="020B0604030504040204" pitchFamily="34" charset="0"/>
+                <a:ea typeface="Verdana" panose="020B0604030504040204" pitchFamily="34" charset="0"/>
+              </a:rPr>
+              <a:t>Class Diagram</a:t>
+            </a:r>
+          </a:p>
+        </p:txBody>
+      </p:sp>
+      <p:sp>
+        <p:nvSpPr>
+          <p:cNvPr id="21" name="Freeform: Shape 20">
+            <a:extLst>
+              <a:ext uri="{FF2B5EF4-FFF2-40B4-BE49-F238E27FC236}">
+                <a16:creationId xmlns:a16="http://schemas.microsoft.com/office/drawing/2014/main" id="{E49CC64F-7275-4E33-961B-0C5CDC439875}"/>
+              </a:ext>
+              <a:ext uri="{C183D7F6-B498-43B3-948B-1728B52AA6E4}">
+                <adec:decorative xmlns:adec="http://schemas.microsoft.com/office/drawing/2017/decorative" val="1"/>
+              </a:ext>
+            </a:extLst>
+          </p:cNvPr>
+          <p:cNvSpPr>
+            <a:spLocks noGrp="1" noRot="1" noChangeAspect="1" noMove="1" noResize="1" noEditPoints="1" noAdjustHandles="1" noChangeArrowheads="1" noChangeShapeType="1" noTextEdit="1"/>
+          </p:cNvSpPr>
+          <p:nvPr>
+            <p:extLst>
+              <p:ext uri="{386F3935-93C4-4BCD-93E2-E3B085C9AB24}">
+                <p16:designElem xmlns:p16="http://schemas.microsoft.com/office/powerpoint/2015/main" val="1"/>
+              </p:ext>
+            </p:extLst>
+          </p:nvPr>
+        </p:nvSpPr>
+        <p:spPr>
+          <a:xfrm flipH="1" flipV="1">
+            <a:off x="1" y="0"/>
+            <a:ext cx="7188051" cy="6858000"/>
+          </a:xfrm>
+          <a:custGeom>
+            <a:avLst/>
+            <a:gdLst>
+              <a:gd name="connsiteX0" fmla="*/ 7188051 w 7188051"/>
+              <a:gd name="connsiteY0" fmla="*/ 6858000 h 6858000"/>
+              <a:gd name="connsiteX1" fmla="*/ 108694 w 7188051"/>
+              <a:gd name="connsiteY1" fmla="*/ 6858000 h 6858000"/>
+              <a:gd name="connsiteX2" fmla="*/ 79127 w 7188051"/>
+              <a:gd name="connsiteY2" fmla="*/ 6681235 h 6858000"/>
+              <a:gd name="connsiteX3" fmla="*/ 0 w 7188051"/>
+              <a:gd name="connsiteY3" fmla="*/ 5565888 h 6858000"/>
+              <a:gd name="connsiteX4" fmla="*/ 2190696 w 7188051"/>
+              <a:gd name="connsiteY4" fmla="*/ 145339 h 6858000"/>
+              <a:gd name="connsiteX5" fmla="*/ 2339431 w 7188051"/>
+              <a:gd name="connsiteY5" fmla="*/ 0 h 6858000"/>
+              <a:gd name="connsiteX6" fmla="*/ 7188051 w 7188051"/>
+              <a:gd name="connsiteY6" fmla="*/ 0 h 6858000"/>
+            </a:gdLst>
+            <a:ahLst/>
+            <a:cxnLst>
+              <a:cxn ang="0">
+                <a:pos x="connsiteX0" y="connsiteY0"/>
+              </a:cxn>
+              <a:cxn ang="0">
+                <a:pos x="connsiteX1" y="connsiteY1"/>
+              </a:cxn>
+              <a:cxn ang="0">
+                <a:pos x="connsiteX2" y="connsiteY2"/>
+              </a:cxn>
+              <a:cxn ang="0">
+                <a:pos x="connsiteX3" y="connsiteY3"/>
+              </a:cxn>
+              <a:cxn ang="0">
+                <a:pos x="connsiteX4" y="connsiteY4"/>
+              </a:cxn>
+              <a:cxn ang="0">
+                <a:pos x="connsiteX5" y="connsiteY5"/>
+              </a:cxn>
+              <a:cxn ang="0">
+                <a:pos x="connsiteX6" y="connsiteY6"/>
+              </a:cxn>
+            </a:cxnLst>
+            <a:rect l="l" t="t" r="r" b="b"/>
+            <a:pathLst>
+              <a:path w="7188051" h="6858000">
+                <a:moveTo>
+                  <a:pt x="7188051" y="6858000"/>
+                </a:moveTo>
+                <a:lnTo>
+                  <a:pt x="108694" y="6858000"/>
+                </a:lnTo>
+                <a:lnTo>
+                  <a:pt x="79127" y="6681235"/>
+                </a:lnTo>
+                <a:cubicBezTo>
+                  <a:pt x="26981" y="6316967"/>
+                  <a:pt x="0" y="5944579"/>
+                  <a:pt x="0" y="5565888"/>
+                </a:cubicBezTo>
+                <a:cubicBezTo>
+                  <a:pt x="0" y="3459953"/>
+                  <a:pt x="834428" y="1548908"/>
+                  <a:pt x="2190696" y="145339"/>
+                </a:cubicBezTo>
+                <a:lnTo>
+                  <a:pt x="2339431" y="0"/>
+                </a:lnTo>
+                <a:lnTo>
+                  <a:pt x="7188051" y="0"/>
+                </a:lnTo>
+                <a:close/>
+              </a:path>
+            </a:pathLst>
+          </a:custGeom>
+          <a:solidFill>
+            <a:schemeClr val="tx1">
+              <a:alpha val="80000"/>
+            </a:schemeClr>
+          </a:solidFill>
+          <a:ln>
+            <a:noFill/>
+          </a:ln>
+        </p:spPr>
+        <p:style>
+          <a:lnRef idx="2">
+            <a:schemeClr val="accent1">
+              <a:shade val="50000"/>
+            </a:schemeClr>
+          </a:lnRef>
+          <a:fillRef idx="1">
+            <a:schemeClr val="accent1"/>
+          </a:fillRef>
+          <a:effectRef idx="0">
+            <a:schemeClr val="accent1"/>
+          </a:effectRef>
+          <a:fontRef idx="minor">
+            <a:schemeClr val="lt1"/>
+          </a:fontRef>
+        </p:style>
+        <p:txBody>
+          <a:bodyPr wrap="square" rtlCol="0" anchor="ctr">
+            <a:noAutofit/>
+          </a:bodyPr>
+          <a:lstStyle/>
+          <a:p>
+            <a:pPr algn="ctr"/>
+            <a:endParaRPr lang="en-US"/>
+          </a:p>
+        </p:txBody>
+      </p:sp>
+    </p:spTree>
+    <p:extLst>
+      <p:ext uri="{BB962C8B-B14F-4D97-AF65-F5344CB8AC3E}">
+        <p14:creationId xmlns:p14="http://schemas.microsoft.com/office/powerpoint/2010/main" val="3189742294"/>
+      </p:ext>
+    </p:extLst>
+  </p:cSld>
+  <p:clrMapOvr>
+    <a:overrideClrMapping bg1="dk1" tx1="lt1" bg2="dk2" tx2="lt2" accent1="accent1" accent2="accent2" accent3="accent3" accent4="accent4" accent5="accent5" accent6="accent6" hlink="hlink" folHlink="folHlink"/>
+  </p:clrMapOvr>
+</p:sld>
+</file>
+
+<file path=ppt/slides/slide44.xml><?xml version="1.0" encoding="utf-8"?>
+<p:sld xmlns:a="http://schemas.openxmlformats.org/drawingml/2006/main" xmlns:r="http://schemas.openxmlformats.org/officeDocument/2006/relationships" xmlns:p="http://schemas.openxmlformats.org/presentationml/2006/main">
+  <p:cSld>
+    <p:spTree>
+      <p:nvGrpSpPr>
+        <p:cNvPr id="1" name=""/>
+        <p:cNvGrpSpPr/>
+        <p:nvPr/>
+      </p:nvGrpSpPr>
+      <p:grpSpPr>
+        <a:xfrm>
+          <a:off x="0" y="0"/>
+          <a:ext cx="0" cy="0"/>
+          <a:chOff x="0" y="0"/>
+          <a:chExt cx="0" cy="0"/>
+        </a:xfrm>
+      </p:grpSpPr>
+      <p:pic>
+        <p:nvPicPr>
+          <p:cNvPr id="4" name="Picture 3">
+            <a:extLst>
+              <a:ext uri="{FF2B5EF4-FFF2-40B4-BE49-F238E27FC236}">
+                <a16:creationId xmlns:a16="http://schemas.microsoft.com/office/drawing/2014/main" id="{151456CA-3705-22BB-F8F0-AED47A134CB6}"/>
+              </a:ext>
+            </a:extLst>
+          </p:cNvPr>
+          <p:cNvPicPr>
+            <a:picLocks noChangeAspect="1"/>
+          </p:cNvPicPr>
+          <p:nvPr/>
+        </p:nvPicPr>
+        <p:blipFill>
+          <a:blip r:embed="rId2"/>
+          <a:stretch>
+            <a:fillRect/>
+          </a:stretch>
+        </p:blipFill>
+        <p:spPr>
+          <a:xfrm>
+            <a:off x="1328057" y="0"/>
+            <a:ext cx="9535886" cy="6858000"/>
+          </a:xfrm>
+          <a:prstGeom prst="rect">
+            <a:avLst/>
+          </a:prstGeom>
+        </p:spPr>
+      </p:pic>
+    </p:spTree>
+    <p:extLst>
+      <p:ext uri="{BB962C8B-B14F-4D97-AF65-F5344CB8AC3E}">
+        <p14:creationId xmlns:p14="http://schemas.microsoft.com/office/powerpoint/2010/main" val="3169307229"/>
       </p:ext>
     </p:extLst>
   </p:cSld>
